--- a/prezentacje/Studio-Projektowe-3.pptx
+++ b/prezentacje/Studio-Projektowe-3.pptx
@@ -1,25 +1,120 @@
 
 <file path=ppt/presentation.xml><?xml version="1.0" encoding="utf-8"?>
-<p:presentation xmlns:a="http://schemas.openxmlformats.org/drawingml/2006/main" xmlns:p="http://schemas.openxmlformats.org/presentationml/2006/main" xmlns:r="http://schemas.openxmlformats.org/officeDocument/2006/relationships" xmlns:p14="http://schemas.microsoft.com/office/powerpoint/2010/main" xmlns:p15="http://schemas.microsoft.com/office/powerpoint/2012/main" xmlns:mc="http://schemas.openxmlformats.org/markup-compatibility/2006">
+<p:presentation xmlns:a="http://schemas.openxmlformats.org/drawingml/2006/main" xmlns:r="http://schemas.openxmlformats.org/officeDocument/2006/relationships" xmlns:p="http://schemas.openxmlformats.org/presentationml/2006/main">
   <p:sldMasterIdLst>
-    <p:sldMasterId id="2147483648" r:id="rId2"/>
-    <p:sldMasterId id="2147483661" r:id="rId3"/>
+    <p:sldMasterId id="2147483648" r:id="rId1"/>
+    <p:sldMasterId id="2147483661" r:id="rId2"/>
   </p:sldMasterIdLst>
   <p:sldIdLst>
-    <p:sldId id="256" r:id="rId4"/>
-    <p:sldId id="257" r:id="rId5"/>
-    <p:sldId id="258" r:id="rId6"/>
-    <p:sldId id="259" r:id="rId7"/>
-    <p:sldId id="260" r:id="rId8"/>
-    <p:sldId id="261" r:id="rId9"/>
+    <p:sldId id="256" r:id="rId3"/>
+    <p:sldId id="257" r:id="rId4"/>
+    <p:sldId id="258" r:id="rId5"/>
+    <p:sldId id="259" r:id="rId6"/>
+    <p:sldId id="260" r:id="rId7"/>
+    <p:sldId id="261" r:id="rId8"/>
   </p:sldIdLst>
-  <p:sldSz cx="9144000" cy="6858000"/>
-  <p:notesSz cx="7559675" cy="10691812"/>
+  <p:sldSz cx="9144000" cy="6858000" type="screen4x3"/>
+  <p:notesSz cx="7559675" cy="10691813"/>
+  <p:defaultTextStyle>
+    <a:defPPr>
+      <a:defRPr lang="pl-PL"/>
+    </a:defPPr>
+    <a:lvl1pPr marL="0" algn="l" defTabSz="914400" rtl="0" eaLnBrk="1" latinLnBrk="0" hangingPunct="1">
+      <a:defRPr sz="1800" kern="1200">
+        <a:solidFill>
+          <a:schemeClr val="tx1"/>
+        </a:solidFill>
+        <a:latin typeface="+mn-lt"/>
+        <a:ea typeface="+mn-ea"/>
+        <a:cs typeface="+mn-cs"/>
+      </a:defRPr>
+    </a:lvl1pPr>
+    <a:lvl2pPr marL="457200" algn="l" defTabSz="914400" rtl="0" eaLnBrk="1" latinLnBrk="0" hangingPunct="1">
+      <a:defRPr sz="1800" kern="1200">
+        <a:solidFill>
+          <a:schemeClr val="tx1"/>
+        </a:solidFill>
+        <a:latin typeface="+mn-lt"/>
+        <a:ea typeface="+mn-ea"/>
+        <a:cs typeface="+mn-cs"/>
+      </a:defRPr>
+    </a:lvl2pPr>
+    <a:lvl3pPr marL="914400" algn="l" defTabSz="914400" rtl="0" eaLnBrk="1" latinLnBrk="0" hangingPunct="1">
+      <a:defRPr sz="1800" kern="1200">
+        <a:solidFill>
+          <a:schemeClr val="tx1"/>
+        </a:solidFill>
+        <a:latin typeface="+mn-lt"/>
+        <a:ea typeface="+mn-ea"/>
+        <a:cs typeface="+mn-cs"/>
+      </a:defRPr>
+    </a:lvl3pPr>
+    <a:lvl4pPr marL="1371600" algn="l" defTabSz="914400" rtl="0" eaLnBrk="1" latinLnBrk="0" hangingPunct="1">
+      <a:defRPr sz="1800" kern="1200">
+        <a:solidFill>
+          <a:schemeClr val="tx1"/>
+        </a:solidFill>
+        <a:latin typeface="+mn-lt"/>
+        <a:ea typeface="+mn-ea"/>
+        <a:cs typeface="+mn-cs"/>
+      </a:defRPr>
+    </a:lvl4pPr>
+    <a:lvl5pPr marL="1828800" algn="l" defTabSz="914400" rtl="0" eaLnBrk="1" latinLnBrk="0" hangingPunct="1">
+      <a:defRPr sz="1800" kern="1200">
+        <a:solidFill>
+          <a:schemeClr val="tx1"/>
+        </a:solidFill>
+        <a:latin typeface="+mn-lt"/>
+        <a:ea typeface="+mn-ea"/>
+        <a:cs typeface="+mn-cs"/>
+      </a:defRPr>
+    </a:lvl5pPr>
+    <a:lvl6pPr marL="2286000" algn="l" defTabSz="914400" rtl="0" eaLnBrk="1" latinLnBrk="0" hangingPunct="1">
+      <a:defRPr sz="1800" kern="1200">
+        <a:solidFill>
+          <a:schemeClr val="tx1"/>
+        </a:solidFill>
+        <a:latin typeface="+mn-lt"/>
+        <a:ea typeface="+mn-ea"/>
+        <a:cs typeface="+mn-cs"/>
+      </a:defRPr>
+    </a:lvl6pPr>
+    <a:lvl7pPr marL="2743200" algn="l" defTabSz="914400" rtl="0" eaLnBrk="1" latinLnBrk="0" hangingPunct="1">
+      <a:defRPr sz="1800" kern="1200">
+        <a:solidFill>
+          <a:schemeClr val="tx1"/>
+        </a:solidFill>
+        <a:latin typeface="+mn-lt"/>
+        <a:ea typeface="+mn-ea"/>
+        <a:cs typeface="+mn-cs"/>
+      </a:defRPr>
+    </a:lvl7pPr>
+    <a:lvl8pPr marL="3200400" algn="l" defTabSz="914400" rtl="0" eaLnBrk="1" latinLnBrk="0" hangingPunct="1">
+      <a:defRPr sz="1800" kern="1200">
+        <a:solidFill>
+          <a:schemeClr val="tx1"/>
+        </a:solidFill>
+        <a:latin typeface="+mn-lt"/>
+        <a:ea typeface="+mn-ea"/>
+        <a:cs typeface="+mn-cs"/>
+      </a:defRPr>
+    </a:lvl8pPr>
+    <a:lvl9pPr marL="3657600" algn="l" defTabSz="914400" rtl="0" eaLnBrk="1" latinLnBrk="0" hangingPunct="1">
+      <a:defRPr sz="1800" kern="1200">
+        <a:solidFill>
+          <a:schemeClr val="tx1"/>
+        </a:solidFill>
+        <a:latin typeface="+mn-lt"/>
+        <a:ea typeface="+mn-ea"/>
+        <a:cs typeface="+mn-cs"/>
+      </a:defRPr>
+    </a:lvl9pPr>
+  </p:defaultTextStyle>
 </p:presentation>
 </file>
 
 <file path=ppt/slideLayouts/slideLayout1.xml><?xml version="1.0" encoding="utf-8"?>
-<p:sldLayout xmlns:a="http://schemas.openxmlformats.org/drawingml/2006/main" xmlns:p="http://schemas.openxmlformats.org/presentationml/2006/main" xmlns:r="http://schemas.openxmlformats.org/officeDocument/2006/relationships" xmlns:p14="http://schemas.microsoft.com/office/powerpoint/2010/main" xmlns:p15="http://schemas.microsoft.com/office/powerpoint/2012/main" xmlns:mc="http://schemas.openxmlformats.org/markup-compatibility/2006" type="blank" preserve="1">
+<p:sldLayout xmlns:a="http://schemas.openxmlformats.org/drawingml/2006/main" xmlns:r="http://schemas.openxmlformats.org/officeDocument/2006/relationships" xmlns:p="http://schemas.openxmlformats.org/presentationml/2006/main" type="blank" preserve="1">
   <p:cSld name="Blank Slide">
     <p:spTree>
       <p:nvGrpSpPr>
@@ -37,11 +132,14 @@
       </p:grpSpPr>
     </p:spTree>
   </p:cSld>
+  <p:clrMapOvr>
+    <a:masterClrMapping/>
+  </p:clrMapOvr>
 </p:sldLayout>
 </file>
 
 <file path=ppt/slideLayouts/slideLayout10.xml><?xml version="1.0" encoding="utf-8"?>
-<p:sldLayout xmlns:a="http://schemas.openxmlformats.org/drawingml/2006/main" xmlns:p="http://schemas.openxmlformats.org/presentationml/2006/main" xmlns:r="http://schemas.openxmlformats.org/officeDocument/2006/relationships" xmlns:p14="http://schemas.microsoft.com/office/powerpoint/2010/main" xmlns:p15="http://schemas.microsoft.com/office/powerpoint/2012/main" xmlns:mc="http://schemas.openxmlformats.org/markup-compatibility/2006" type="objOverTx" preserve="1">
+<p:sldLayout xmlns:a="http://schemas.openxmlformats.org/drawingml/2006/main" xmlns:r="http://schemas.openxmlformats.org/officeDocument/2006/relationships" xmlns:p="http://schemas.openxmlformats.org/presentationml/2006/main" type="objOverTx" preserve="1">
   <p:cSld name="Title, Content over Content">
     <p:spTree>
       <p:nvGrpSpPr>
@@ -77,16 +175,17 @@
           </a:prstGeom>
         </p:spPr>
         <p:txBody>
-          <a:bodyPr lIns="0" rIns="0" tIns="0" bIns="0" anchor="ctr"/>
+          <a:bodyPr lIns="0" tIns="0" rIns="0" bIns="0" anchor="ctr"/>
+          <a:lstStyle/>
           <a:p>
             <a:pPr algn="ctr"/>
-            <a:endParaRPr b="0" lang="pl-PL" sz="4400" spc="-1" strike="noStrike">
-              <a:solidFill>
-                <a:srgbClr val="000000"/>
-              </a:solidFill>
-              <a:uFill>
-                <a:solidFill>
-                  <a:srgbClr val="ffffff"/>
+            <a:endParaRPr lang="pl-PL" sz="4400" b="0" strike="noStrike" spc="-1">
+              <a:solidFill>
+                <a:srgbClr val="000000"/>
+              </a:solidFill>
+              <a:uFill>
+                <a:solidFill>
+                  <a:srgbClr val="FFFFFF"/>
                 </a:solidFill>
               </a:uFill>
               <a:latin typeface="Arial"/>
@@ -114,15 +213,16 @@
           </a:prstGeom>
         </p:spPr>
         <p:txBody>
-          <a:bodyPr lIns="0" rIns="0" tIns="0" bIns="0"/>
-          <a:p>
-            <a:endParaRPr b="0" lang="pl-PL" sz="3200" spc="-1" strike="noStrike">
-              <a:solidFill>
-                <a:srgbClr val="000000"/>
-              </a:solidFill>
-              <a:uFill>
-                <a:solidFill>
-                  <a:srgbClr val="ffffff"/>
+          <a:bodyPr lIns="0" tIns="0" rIns="0" bIns="0"/>
+          <a:lstStyle/>
+          <a:p>
+            <a:endParaRPr lang="pl-PL" sz="3200" b="0" strike="noStrike" spc="-1">
+              <a:solidFill>
+                <a:srgbClr val="000000"/>
+              </a:solidFill>
+              <a:uFill>
+                <a:solidFill>
+                  <a:srgbClr val="FFFFFF"/>
                 </a:solidFill>
               </a:uFill>
               <a:latin typeface="Arial"/>
@@ -150,15 +250,16 @@
           </a:prstGeom>
         </p:spPr>
         <p:txBody>
-          <a:bodyPr lIns="0" rIns="0" tIns="0" bIns="0"/>
-          <a:p>
-            <a:endParaRPr b="0" lang="pl-PL" sz="3200" spc="-1" strike="noStrike">
-              <a:solidFill>
-                <a:srgbClr val="000000"/>
-              </a:solidFill>
-              <a:uFill>
-                <a:solidFill>
-                  <a:srgbClr val="ffffff"/>
+          <a:bodyPr lIns="0" tIns="0" rIns="0" bIns="0"/>
+          <a:lstStyle/>
+          <a:p>
+            <a:endParaRPr lang="pl-PL" sz="3200" b="0" strike="noStrike" spc="-1">
+              <a:solidFill>
+                <a:srgbClr val="000000"/>
+              </a:solidFill>
+              <a:uFill>
+                <a:solidFill>
+                  <a:srgbClr val="FFFFFF"/>
                 </a:solidFill>
               </a:uFill>
               <a:latin typeface="Arial"/>
@@ -168,11 +269,14 @@
       </p:sp>
     </p:spTree>
   </p:cSld>
+  <p:clrMapOvr>
+    <a:masterClrMapping/>
+  </p:clrMapOvr>
 </p:sldLayout>
 </file>
 
 <file path=ppt/slideLayouts/slideLayout11.xml><?xml version="1.0" encoding="utf-8"?>
-<p:sldLayout xmlns:a="http://schemas.openxmlformats.org/drawingml/2006/main" xmlns:p="http://schemas.openxmlformats.org/presentationml/2006/main" xmlns:r="http://schemas.openxmlformats.org/officeDocument/2006/relationships" xmlns:p14="http://schemas.microsoft.com/office/powerpoint/2010/main" xmlns:p15="http://schemas.microsoft.com/office/powerpoint/2012/main" xmlns:mc="http://schemas.openxmlformats.org/markup-compatibility/2006" type="fourObj" preserve="1">
+<p:sldLayout xmlns:a="http://schemas.openxmlformats.org/drawingml/2006/main" xmlns:r="http://schemas.openxmlformats.org/officeDocument/2006/relationships" xmlns:p="http://schemas.openxmlformats.org/presentationml/2006/main" type="fourObj" preserve="1">
   <p:cSld name="Title, 4 Content">
     <p:spTree>
       <p:nvGrpSpPr>
@@ -208,16 +312,17 @@
           </a:prstGeom>
         </p:spPr>
         <p:txBody>
-          <a:bodyPr lIns="0" rIns="0" tIns="0" bIns="0" anchor="ctr"/>
+          <a:bodyPr lIns="0" tIns="0" rIns="0" bIns="0" anchor="ctr"/>
+          <a:lstStyle/>
           <a:p>
             <a:pPr algn="ctr"/>
-            <a:endParaRPr b="0" lang="pl-PL" sz="4400" spc="-1" strike="noStrike">
-              <a:solidFill>
-                <a:srgbClr val="000000"/>
-              </a:solidFill>
-              <a:uFill>
-                <a:solidFill>
-                  <a:srgbClr val="ffffff"/>
+            <a:endParaRPr lang="pl-PL" sz="4400" b="0" strike="noStrike" spc="-1">
+              <a:solidFill>
+                <a:srgbClr val="000000"/>
+              </a:solidFill>
+              <a:uFill>
+                <a:solidFill>
+                  <a:srgbClr val="FFFFFF"/>
                 </a:solidFill>
               </a:uFill>
               <a:latin typeface="Arial"/>
@@ -245,15 +350,16 @@
           </a:prstGeom>
         </p:spPr>
         <p:txBody>
-          <a:bodyPr lIns="0" rIns="0" tIns="0" bIns="0"/>
-          <a:p>
-            <a:endParaRPr b="0" lang="pl-PL" sz="3200" spc="-1" strike="noStrike">
-              <a:solidFill>
-                <a:srgbClr val="000000"/>
-              </a:solidFill>
-              <a:uFill>
-                <a:solidFill>
-                  <a:srgbClr val="ffffff"/>
+          <a:bodyPr lIns="0" tIns="0" rIns="0" bIns="0"/>
+          <a:lstStyle/>
+          <a:p>
+            <a:endParaRPr lang="pl-PL" sz="3200" b="0" strike="noStrike" spc="-1">
+              <a:solidFill>
+                <a:srgbClr val="000000"/>
+              </a:solidFill>
+              <a:uFill>
+                <a:solidFill>
+                  <a:srgbClr val="FFFFFF"/>
                 </a:solidFill>
               </a:uFill>
               <a:latin typeface="Arial"/>
@@ -281,15 +387,16 @@
           </a:prstGeom>
         </p:spPr>
         <p:txBody>
-          <a:bodyPr lIns="0" rIns="0" tIns="0" bIns="0"/>
-          <a:p>
-            <a:endParaRPr b="0" lang="pl-PL" sz="3200" spc="-1" strike="noStrike">
-              <a:solidFill>
-                <a:srgbClr val="000000"/>
-              </a:solidFill>
-              <a:uFill>
-                <a:solidFill>
-                  <a:srgbClr val="ffffff"/>
+          <a:bodyPr lIns="0" tIns="0" rIns="0" bIns="0"/>
+          <a:lstStyle/>
+          <a:p>
+            <a:endParaRPr lang="pl-PL" sz="3200" b="0" strike="noStrike" spc="-1">
+              <a:solidFill>
+                <a:srgbClr val="000000"/>
+              </a:solidFill>
+              <a:uFill>
+                <a:solidFill>
+                  <a:srgbClr val="FFFFFF"/>
                 </a:solidFill>
               </a:uFill>
               <a:latin typeface="Arial"/>
@@ -317,15 +424,16 @@
           </a:prstGeom>
         </p:spPr>
         <p:txBody>
-          <a:bodyPr lIns="0" rIns="0" tIns="0" bIns="0"/>
-          <a:p>
-            <a:endParaRPr b="0" lang="pl-PL" sz="3200" spc="-1" strike="noStrike">
-              <a:solidFill>
-                <a:srgbClr val="000000"/>
-              </a:solidFill>
-              <a:uFill>
-                <a:solidFill>
-                  <a:srgbClr val="ffffff"/>
+          <a:bodyPr lIns="0" tIns="0" rIns="0" bIns="0"/>
+          <a:lstStyle/>
+          <a:p>
+            <a:endParaRPr lang="pl-PL" sz="3200" b="0" strike="noStrike" spc="-1">
+              <a:solidFill>
+                <a:srgbClr val="000000"/>
+              </a:solidFill>
+              <a:uFill>
+                <a:solidFill>
+                  <a:srgbClr val="FFFFFF"/>
                 </a:solidFill>
               </a:uFill>
               <a:latin typeface="Arial"/>
@@ -353,15 +461,16 @@
           </a:prstGeom>
         </p:spPr>
         <p:txBody>
-          <a:bodyPr lIns="0" rIns="0" tIns="0" bIns="0"/>
-          <a:p>
-            <a:endParaRPr b="0" lang="pl-PL" sz="3200" spc="-1" strike="noStrike">
-              <a:solidFill>
-                <a:srgbClr val="000000"/>
-              </a:solidFill>
-              <a:uFill>
-                <a:solidFill>
-                  <a:srgbClr val="ffffff"/>
+          <a:bodyPr lIns="0" tIns="0" rIns="0" bIns="0"/>
+          <a:lstStyle/>
+          <a:p>
+            <a:endParaRPr lang="pl-PL" sz="3200" b="0" strike="noStrike" spc="-1">
+              <a:solidFill>
+                <a:srgbClr val="000000"/>
+              </a:solidFill>
+              <a:uFill>
+                <a:solidFill>
+                  <a:srgbClr val="FFFFFF"/>
                 </a:solidFill>
               </a:uFill>
               <a:latin typeface="Arial"/>
@@ -371,11 +480,14 @@
       </p:sp>
     </p:spTree>
   </p:cSld>
+  <p:clrMapOvr>
+    <a:masterClrMapping/>
+  </p:clrMapOvr>
 </p:sldLayout>
 </file>
 
 <file path=ppt/slideLayouts/slideLayout12.xml><?xml version="1.0" encoding="utf-8"?>
-<p:sldLayout xmlns:a="http://schemas.openxmlformats.org/drawingml/2006/main" xmlns:p="http://schemas.openxmlformats.org/presentationml/2006/main" xmlns:r="http://schemas.openxmlformats.org/officeDocument/2006/relationships" xmlns:p14="http://schemas.microsoft.com/office/powerpoint/2010/main" xmlns:p15="http://schemas.microsoft.com/office/powerpoint/2012/main" xmlns:mc="http://schemas.openxmlformats.org/markup-compatibility/2006" type="blank" preserve="1">
+<p:sldLayout xmlns:a="http://schemas.openxmlformats.org/drawingml/2006/main" xmlns:r="http://schemas.openxmlformats.org/officeDocument/2006/relationships" xmlns:p="http://schemas.openxmlformats.org/presentationml/2006/main" type="blank" preserve="1">
   <p:cSld name="Title, 6 Content">
     <p:spTree>
       <p:nvGrpSpPr>
@@ -411,16 +523,17 @@
           </a:prstGeom>
         </p:spPr>
         <p:txBody>
-          <a:bodyPr lIns="0" rIns="0" tIns="0" bIns="0" anchor="ctr"/>
+          <a:bodyPr lIns="0" tIns="0" rIns="0" bIns="0" anchor="ctr"/>
+          <a:lstStyle/>
           <a:p>
             <a:pPr algn="ctr"/>
-            <a:endParaRPr b="0" lang="pl-PL" sz="4400" spc="-1" strike="noStrike">
-              <a:solidFill>
-                <a:srgbClr val="000000"/>
-              </a:solidFill>
-              <a:uFill>
-                <a:solidFill>
-                  <a:srgbClr val="ffffff"/>
+            <a:endParaRPr lang="pl-PL" sz="4400" b="0" strike="noStrike" spc="-1">
+              <a:solidFill>
+                <a:srgbClr val="000000"/>
+              </a:solidFill>
+              <a:uFill>
+                <a:solidFill>
+                  <a:srgbClr val="FFFFFF"/>
                 </a:solidFill>
               </a:uFill>
               <a:latin typeface="Arial"/>
@@ -448,15 +561,16 @@
           </a:prstGeom>
         </p:spPr>
         <p:txBody>
-          <a:bodyPr lIns="0" rIns="0" tIns="0" bIns="0"/>
-          <a:p>
-            <a:endParaRPr b="0" lang="pl-PL" sz="3200" spc="-1" strike="noStrike">
-              <a:solidFill>
-                <a:srgbClr val="000000"/>
-              </a:solidFill>
-              <a:uFill>
-                <a:solidFill>
-                  <a:srgbClr val="ffffff"/>
+          <a:bodyPr lIns="0" tIns="0" rIns="0" bIns="0"/>
+          <a:lstStyle/>
+          <a:p>
+            <a:endParaRPr lang="pl-PL" sz="3200" b="0" strike="noStrike" spc="-1">
+              <a:solidFill>
+                <a:srgbClr val="000000"/>
+              </a:solidFill>
+              <a:uFill>
+                <a:solidFill>
+                  <a:srgbClr val="FFFFFF"/>
                 </a:solidFill>
               </a:uFill>
               <a:latin typeface="Arial"/>
@@ -484,15 +598,16 @@
           </a:prstGeom>
         </p:spPr>
         <p:txBody>
-          <a:bodyPr lIns="0" rIns="0" tIns="0" bIns="0"/>
-          <a:p>
-            <a:endParaRPr b="0" lang="pl-PL" sz="3200" spc="-1" strike="noStrike">
-              <a:solidFill>
-                <a:srgbClr val="000000"/>
-              </a:solidFill>
-              <a:uFill>
-                <a:solidFill>
-                  <a:srgbClr val="ffffff"/>
+          <a:bodyPr lIns="0" tIns="0" rIns="0" bIns="0"/>
+          <a:lstStyle/>
+          <a:p>
+            <a:endParaRPr lang="pl-PL" sz="3200" b="0" strike="noStrike" spc="-1">
+              <a:solidFill>
+                <a:srgbClr val="000000"/>
+              </a:solidFill>
+              <a:uFill>
+                <a:solidFill>
+                  <a:srgbClr val="FFFFFF"/>
                 </a:solidFill>
               </a:uFill>
               <a:latin typeface="Arial"/>
@@ -502,12 +617,12 @@
       </p:sp>
       <p:pic>
         <p:nvPicPr>
-          <p:cNvPr id="34" name="" descr=""/>
+          <p:cNvPr id="34" name="Obraz 33"/>
           <p:cNvPicPr/>
           <p:nvPr/>
         </p:nvPicPr>
         <p:blipFill>
-          <a:blip r:embed="rId2"/>
+          <a:blip r:embed="rId2" cstate="print"/>
           <a:stretch/>
         </p:blipFill>
         <p:spPr>
@@ -525,12 +640,12 @@
       </p:pic>
       <p:pic>
         <p:nvPicPr>
-          <p:cNvPr id="35" name="" descr=""/>
+          <p:cNvPr id="35" name="Obraz 34"/>
           <p:cNvPicPr/>
           <p:nvPr/>
         </p:nvPicPr>
         <p:blipFill>
-          <a:blip r:embed="rId3"/>
+          <a:blip r:embed="rId2" cstate="print"/>
           <a:stretch/>
         </p:blipFill>
         <p:spPr>
@@ -548,11 +663,14 @@
       </p:pic>
     </p:spTree>
   </p:cSld>
+  <p:clrMapOvr>
+    <a:masterClrMapping/>
+  </p:clrMapOvr>
 </p:sldLayout>
 </file>
 
 <file path=ppt/slideLayouts/slideLayout13.xml><?xml version="1.0" encoding="utf-8"?>
-<p:sldLayout xmlns:a="http://schemas.openxmlformats.org/drawingml/2006/main" xmlns:p="http://schemas.openxmlformats.org/presentationml/2006/main" xmlns:r="http://schemas.openxmlformats.org/officeDocument/2006/relationships" xmlns:p14="http://schemas.microsoft.com/office/powerpoint/2010/main" xmlns:p15="http://schemas.microsoft.com/office/powerpoint/2012/main" xmlns:mc="http://schemas.openxmlformats.org/markup-compatibility/2006" type="blank" preserve="1">
+<p:sldLayout xmlns:a="http://schemas.openxmlformats.org/drawingml/2006/main" xmlns:r="http://schemas.openxmlformats.org/officeDocument/2006/relationships" xmlns:p="http://schemas.openxmlformats.org/presentationml/2006/main" type="blank" preserve="1">
   <p:cSld name="Blank Slide">
     <p:spTree>
       <p:nvGrpSpPr>
@@ -570,11 +688,14 @@
       </p:grpSpPr>
     </p:spTree>
   </p:cSld>
+  <p:clrMapOvr>
+    <a:masterClrMapping/>
+  </p:clrMapOvr>
 </p:sldLayout>
 </file>
 
 <file path=ppt/slideLayouts/slideLayout14.xml><?xml version="1.0" encoding="utf-8"?>
-<p:sldLayout xmlns:a="http://schemas.openxmlformats.org/drawingml/2006/main" xmlns:p="http://schemas.openxmlformats.org/presentationml/2006/main" xmlns:r="http://schemas.openxmlformats.org/officeDocument/2006/relationships" xmlns:p14="http://schemas.microsoft.com/office/powerpoint/2010/main" xmlns:p15="http://schemas.microsoft.com/office/powerpoint/2012/main" xmlns:mc="http://schemas.openxmlformats.org/markup-compatibility/2006" type="tx" preserve="1">
+<p:sldLayout xmlns:a="http://schemas.openxmlformats.org/drawingml/2006/main" xmlns:r="http://schemas.openxmlformats.org/officeDocument/2006/relationships" xmlns:p="http://schemas.openxmlformats.org/presentationml/2006/main" type="tx" preserve="1">
   <p:cSld name="Title Slide">
     <p:spTree>
       <p:nvGrpSpPr>
@@ -610,16 +731,17 @@
           </a:prstGeom>
         </p:spPr>
         <p:txBody>
-          <a:bodyPr lIns="0" rIns="0" tIns="0" bIns="0" anchor="ctr"/>
+          <a:bodyPr lIns="0" tIns="0" rIns="0" bIns="0" anchor="ctr"/>
+          <a:lstStyle/>
           <a:p>
             <a:pPr algn="ctr"/>
-            <a:endParaRPr b="0" lang="pl-PL" sz="4400" spc="-1" strike="noStrike">
-              <a:solidFill>
-                <a:srgbClr val="000000"/>
-              </a:solidFill>
-              <a:uFill>
-                <a:solidFill>
-                  <a:srgbClr val="ffffff"/>
+            <a:endParaRPr lang="pl-PL" sz="4400" b="0" strike="noStrike" spc="-1">
+              <a:solidFill>
+                <a:srgbClr val="000000"/>
+              </a:solidFill>
+              <a:uFill>
+                <a:solidFill>
+                  <a:srgbClr val="FFFFFF"/>
                 </a:solidFill>
               </a:uFill>
               <a:latin typeface="Arial"/>
@@ -647,16 +769,17 @@
           </a:prstGeom>
         </p:spPr>
         <p:txBody>
-          <a:bodyPr lIns="0" rIns="0" tIns="0" bIns="0" anchor="ctr"/>
+          <a:bodyPr lIns="0" tIns="0" rIns="0" bIns="0" anchor="ctr"/>
+          <a:lstStyle/>
           <a:p>
             <a:pPr algn="ctr"/>
-            <a:endParaRPr b="0" lang="pl-PL" sz="3200" spc="-1" strike="noStrike">
-              <a:solidFill>
-                <a:srgbClr val="000000"/>
-              </a:solidFill>
-              <a:uFill>
-                <a:solidFill>
-                  <a:srgbClr val="ffffff"/>
+            <a:endParaRPr lang="pl-PL" sz="3200" b="0" strike="noStrike" spc="-1">
+              <a:solidFill>
+                <a:srgbClr val="000000"/>
+              </a:solidFill>
+              <a:uFill>
+                <a:solidFill>
+                  <a:srgbClr val="FFFFFF"/>
                 </a:solidFill>
               </a:uFill>
               <a:latin typeface="Arial"/>
@@ -666,11 +789,14 @@
       </p:sp>
     </p:spTree>
   </p:cSld>
+  <p:clrMapOvr>
+    <a:masterClrMapping/>
+  </p:clrMapOvr>
 </p:sldLayout>
 </file>
 
 <file path=ppt/slideLayouts/slideLayout15.xml><?xml version="1.0" encoding="utf-8"?>
-<p:sldLayout xmlns:a="http://schemas.openxmlformats.org/drawingml/2006/main" xmlns:p="http://schemas.openxmlformats.org/presentationml/2006/main" xmlns:r="http://schemas.openxmlformats.org/officeDocument/2006/relationships" xmlns:p14="http://schemas.microsoft.com/office/powerpoint/2010/main" xmlns:p15="http://schemas.microsoft.com/office/powerpoint/2012/main" xmlns:mc="http://schemas.openxmlformats.org/markup-compatibility/2006" type="obj" preserve="1">
+<p:sldLayout xmlns:a="http://schemas.openxmlformats.org/drawingml/2006/main" xmlns:r="http://schemas.openxmlformats.org/officeDocument/2006/relationships" xmlns:p="http://schemas.openxmlformats.org/presentationml/2006/main" type="obj" preserve="1">
   <p:cSld name="Title, Content">
     <p:spTree>
       <p:nvGrpSpPr>
@@ -706,16 +832,17 @@
           </a:prstGeom>
         </p:spPr>
         <p:txBody>
-          <a:bodyPr lIns="0" rIns="0" tIns="0" bIns="0" anchor="ctr"/>
+          <a:bodyPr lIns="0" tIns="0" rIns="0" bIns="0" anchor="ctr"/>
+          <a:lstStyle/>
           <a:p>
             <a:pPr algn="ctr"/>
-            <a:endParaRPr b="0" lang="pl-PL" sz="4400" spc="-1" strike="noStrike">
-              <a:solidFill>
-                <a:srgbClr val="000000"/>
-              </a:solidFill>
-              <a:uFill>
-                <a:solidFill>
-                  <a:srgbClr val="ffffff"/>
+            <a:endParaRPr lang="pl-PL" sz="4400" b="0" strike="noStrike" spc="-1">
+              <a:solidFill>
+                <a:srgbClr val="000000"/>
+              </a:solidFill>
+              <a:uFill>
+                <a:solidFill>
+                  <a:srgbClr val="FFFFFF"/>
                 </a:solidFill>
               </a:uFill>
               <a:latin typeface="Arial"/>
@@ -743,15 +870,16 @@
           </a:prstGeom>
         </p:spPr>
         <p:txBody>
-          <a:bodyPr lIns="0" rIns="0" tIns="0" bIns="0"/>
-          <a:p>
-            <a:endParaRPr b="0" lang="pl-PL" sz="3200" spc="-1" strike="noStrike">
-              <a:solidFill>
-                <a:srgbClr val="000000"/>
-              </a:solidFill>
-              <a:uFill>
-                <a:solidFill>
-                  <a:srgbClr val="ffffff"/>
+          <a:bodyPr lIns="0" tIns="0" rIns="0" bIns="0"/>
+          <a:lstStyle/>
+          <a:p>
+            <a:endParaRPr lang="pl-PL" sz="3200" b="0" strike="noStrike" spc="-1">
+              <a:solidFill>
+                <a:srgbClr val="000000"/>
+              </a:solidFill>
+              <a:uFill>
+                <a:solidFill>
+                  <a:srgbClr val="FFFFFF"/>
                 </a:solidFill>
               </a:uFill>
               <a:latin typeface="Arial"/>
@@ -761,11 +889,14 @@
       </p:sp>
     </p:spTree>
   </p:cSld>
+  <p:clrMapOvr>
+    <a:masterClrMapping/>
+  </p:clrMapOvr>
 </p:sldLayout>
 </file>
 
 <file path=ppt/slideLayouts/slideLayout16.xml><?xml version="1.0" encoding="utf-8"?>
-<p:sldLayout xmlns:a="http://schemas.openxmlformats.org/drawingml/2006/main" xmlns:p="http://schemas.openxmlformats.org/presentationml/2006/main" xmlns:r="http://schemas.openxmlformats.org/officeDocument/2006/relationships" xmlns:p14="http://schemas.microsoft.com/office/powerpoint/2010/main" xmlns:p15="http://schemas.microsoft.com/office/powerpoint/2012/main" xmlns:mc="http://schemas.openxmlformats.org/markup-compatibility/2006" type="twoObj" preserve="1">
+<p:sldLayout xmlns:a="http://schemas.openxmlformats.org/drawingml/2006/main" xmlns:r="http://schemas.openxmlformats.org/officeDocument/2006/relationships" xmlns:p="http://schemas.openxmlformats.org/presentationml/2006/main" type="twoObj" preserve="1">
   <p:cSld name="Title, 2 Content">
     <p:spTree>
       <p:nvGrpSpPr>
@@ -801,16 +932,17 @@
           </a:prstGeom>
         </p:spPr>
         <p:txBody>
-          <a:bodyPr lIns="0" rIns="0" tIns="0" bIns="0" anchor="ctr"/>
+          <a:bodyPr lIns="0" tIns="0" rIns="0" bIns="0" anchor="ctr"/>
+          <a:lstStyle/>
           <a:p>
             <a:pPr algn="ctr"/>
-            <a:endParaRPr b="0" lang="pl-PL" sz="4400" spc="-1" strike="noStrike">
-              <a:solidFill>
-                <a:srgbClr val="000000"/>
-              </a:solidFill>
-              <a:uFill>
-                <a:solidFill>
-                  <a:srgbClr val="ffffff"/>
+            <a:endParaRPr lang="pl-PL" sz="4400" b="0" strike="noStrike" spc="-1">
+              <a:solidFill>
+                <a:srgbClr val="000000"/>
+              </a:solidFill>
+              <a:uFill>
+                <a:solidFill>
+                  <a:srgbClr val="FFFFFF"/>
                 </a:solidFill>
               </a:uFill>
               <a:latin typeface="Arial"/>
@@ -838,15 +970,16 @@
           </a:prstGeom>
         </p:spPr>
         <p:txBody>
-          <a:bodyPr lIns="0" rIns="0" tIns="0" bIns="0"/>
-          <a:p>
-            <a:endParaRPr b="0" lang="pl-PL" sz="3200" spc="-1" strike="noStrike">
-              <a:solidFill>
-                <a:srgbClr val="000000"/>
-              </a:solidFill>
-              <a:uFill>
-                <a:solidFill>
-                  <a:srgbClr val="ffffff"/>
+          <a:bodyPr lIns="0" tIns="0" rIns="0" bIns="0"/>
+          <a:lstStyle/>
+          <a:p>
+            <a:endParaRPr lang="pl-PL" sz="3200" b="0" strike="noStrike" spc="-1">
+              <a:solidFill>
+                <a:srgbClr val="000000"/>
+              </a:solidFill>
+              <a:uFill>
+                <a:solidFill>
+                  <a:srgbClr val="FFFFFF"/>
                 </a:solidFill>
               </a:uFill>
               <a:latin typeface="Arial"/>
@@ -874,15 +1007,16 @@
           </a:prstGeom>
         </p:spPr>
         <p:txBody>
-          <a:bodyPr lIns="0" rIns="0" tIns="0" bIns="0"/>
-          <a:p>
-            <a:endParaRPr b="0" lang="pl-PL" sz="3200" spc="-1" strike="noStrike">
-              <a:solidFill>
-                <a:srgbClr val="000000"/>
-              </a:solidFill>
-              <a:uFill>
-                <a:solidFill>
-                  <a:srgbClr val="ffffff"/>
+          <a:bodyPr lIns="0" tIns="0" rIns="0" bIns="0"/>
+          <a:lstStyle/>
+          <a:p>
+            <a:endParaRPr lang="pl-PL" sz="3200" b="0" strike="noStrike" spc="-1">
+              <a:solidFill>
+                <a:srgbClr val="000000"/>
+              </a:solidFill>
+              <a:uFill>
+                <a:solidFill>
+                  <a:srgbClr val="FFFFFF"/>
                 </a:solidFill>
               </a:uFill>
               <a:latin typeface="Arial"/>
@@ -892,11 +1026,14 @@
       </p:sp>
     </p:spTree>
   </p:cSld>
+  <p:clrMapOvr>
+    <a:masterClrMapping/>
+  </p:clrMapOvr>
 </p:sldLayout>
 </file>
 
 <file path=ppt/slideLayouts/slideLayout17.xml><?xml version="1.0" encoding="utf-8"?>
-<p:sldLayout xmlns:a="http://schemas.openxmlformats.org/drawingml/2006/main" xmlns:p="http://schemas.openxmlformats.org/presentationml/2006/main" xmlns:r="http://schemas.openxmlformats.org/officeDocument/2006/relationships" xmlns:p14="http://schemas.microsoft.com/office/powerpoint/2010/main" xmlns:p15="http://schemas.microsoft.com/office/powerpoint/2012/main" xmlns:mc="http://schemas.openxmlformats.org/markup-compatibility/2006" type="titleOnly" preserve="1">
+<p:sldLayout xmlns:a="http://schemas.openxmlformats.org/drawingml/2006/main" xmlns:r="http://schemas.openxmlformats.org/officeDocument/2006/relationships" xmlns:p="http://schemas.openxmlformats.org/presentationml/2006/main" type="titleOnly" preserve="1">
   <p:cSld name="Title Only">
     <p:spTree>
       <p:nvGrpSpPr>
@@ -932,16 +1069,17 @@
           </a:prstGeom>
         </p:spPr>
         <p:txBody>
-          <a:bodyPr lIns="0" rIns="0" tIns="0" bIns="0" anchor="ctr"/>
+          <a:bodyPr lIns="0" tIns="0" rIns="0" bIns="0" anchor="ctr"/>
+          <a:lstStyle/>
           <a:p>
             <a:pPr algn="ctr"/>
-            <a:endParaRPr b="0" lang="pl-PL" sz="4400" spc="-1" strike="noStrike">
-              <a:solidFill>
-                <a:srgbClr val="000000"/>
-              </a:solidFill>
-              <a:uFill>
-                <a:solidFill>
-                  <a:srgbClr val="ffffff"/>
+            <a:endParaRPr lang="pl-PL" sz="4400" b="0" strike="noStrike" spc="-1">
+              <a:solidFill>
+                <a:srgbClr val="000000"/>
+              </a:solidFill>
+              <a:uFill>
+                <a:solidFill>
+                  <a:srgbClr val="FFFFFF"/>
                 </a:solidFill>
               </a:uFill>
               <a:latin typeface="Arial"/>
@@ -951,11 +1089,14 @@
       </p:sp>
     </p:spTree>
   </p:cSld>
+  <p:clrMapOvr>
+    <a:masterClrMapping/>
+  </p:clrMapOvr>
 </p:sldLayout>
 </file>
 
 <file path=ppt/slideLayouts/slideLayout18.xml><?xml version="1.0" encoding="utf-8"?>
-<p:sldLayout xmlns:a="http://schemas.openxmlformats.org/drawingml/2006/main" xmlns:p="http://schemas.openxmlformats.org/presentationml/2006/main" xmlns:r="http://schemas.openxmlformats.org/officeDocument/2006/relationships" xmlns:p14="http://schemas.microsoft.com/office/powerpoint/2010/main" xmlns:p15="http://schemas.microsoft.com/office/powerpoint/2012/main" xmlns:mc="http://schemas.openxmlformats.org/markup-compatibility/2006" type="objOnly" preserve="1">
+<p:sldLayout xmlns:a="http://schemas.openxmlformats.org/drawingml/2006/main" xmlns:r="http://schemas.openxmlformats.org/officeDocument/2006/relationships" xmlns:p="http://schemas.openxmlformats.org/presentationml/2006/main" type="objOnly" preserve="1">
   <p:cSld name="Centered Text">
     <p:spTree>
       <p:nvGrpSpPr>
@@ -991,16 +1132,17 @@
           </a:prstGeom>
         </p:spPr>
         <p:txBody>
-          <a:bodyPr lIns="0" rIns="0" tIns="0" bIns="0" anchor="ctr"/>
+          <a:bodyPr lIns="0" tIns="0" rIns="0" bIns="0" anchor="ctr"/>
+          <a:lstStyle/>
           <a:p>
             <a:pPr algn="ctr"/>
-            <a:endParaRPr b="0" lang="pl-PL" sz="3200" spc="-1" strike="noStrike">
-              <a:solidFill>
-                <a:srgbClr val="000000"/>
-              </a:solidFill>
-              <a:uFill>
-                <a:solidFill>
-                  <a:srgbClr val="ffffff"/>
+            <a:endParaRPr lang="pl-PL" sz="3200" b="0" strike="noStrike" spc="-1">
+              <a:solidFill>
+                <a:srgbClr val="000000"/>
+              </a:solidFill>
+              <a:uFill>
+                <a:solidFill>
+                  <a:srgbClr val="FFFFFF"/>
                 </a:solidFill>
               </a:uFill>
               <a:latin typeface="Arial"/>
@@ -1010,11 +1152,14 @@
       </p:sp>
     </p:spTree>
   </p:cSld>
+  <p:clrMapOvr>
+    <a:masterClrMapping/>
+  </p:clrMapOvr>
 </p:sldLayout>
 </file>
 
 <file path=ppt/slideLayouts/slideLayout19.xml><?xml version="1.0" encoding="utf-8"?>
-<p:sldLayout xmlns:a="http://schemas.openxmlformats.org/drawingml/2006/main" xmlns:p="http://schemas.openxmlformats.org/presentationml/2006/main" xmlns:r="http://schemas.openxmlformats.org/officeDocument/2006/relationships" xmlns:p14="http://schemas.microsoft.com/office/powerpoint/2010/main" xmlns:p15="http://schemas.microsoft.com/office/powerpoint/2012/main" xmlns:mc="http://schemas.openxmlformats.org/markup-compatibility/2006" type="twoObjAndObj" preserve="1">
+<p:sldLayout xmlns:a="http://schemas.openxmlformats.org/drawingml/2006/main" xmlns:r="http://schemas.openxmlformats.org/officeDocument/2006/relationships" xmlns:p="http://schemas.openxmlformats.org/presentationml/2006/main" type="twoObjAndObj" preserve="1">
   <p:cSld name="Title, 2 Content and Content">
     <p:spTree>
       <p:nvGrpSpPr>
@@ -1050,16 +1195,17 @@
           </a:prstGeom>
         </p:spPr>
         <p:txBody>
-          <a:bodyPr lIns="0" rIns="0" tIns="0" bIns="0" anchor="ctr"/>
+          <a:bodyPr lIns="0" tIns="0" rIns="0" bIns="0" anchor="ctr"/>
+          <a:lstStyle/>
           <a:p>
             <a:pPr algn="ctr"/>
-            <a:endParaRPr b="0" lang="pl-PL" sz="4400" spc="-1" strike="noStrike">
-              <a:solidFill>
-                <a:srgbClr val="000000"/>
-              </a:solidFill>
-              <a:uFill>
-                <a:solidFill>
-                  <a:srgbClr val="ffffff"/>
+            <a:endParaRPr lang="pl-PL" sz="4400" b="0" strike="noStrike" spc="-1">
+              <a:solidFill>
+                <a:srgbClr val="000000"/>
+              </a:solidFill>
+              <a:uFill>
+                <a:solidFill>
+                  <a:srgbClr val="FFFFFF"/>
                 </a:solidFill>
               </a:uFill>
               <a:latin typeface="Arial"/>
@@ -1087,15 +1233,16 @@
           </a:prstGeom>
         </p:spPr>
         <p:txBody>
-          <a:bodyPr lIns="0" rIns="0" tIns="0" bIns="0"/>
-          <a:p>
-            <a:endParaRPr b="0" lang="pl-PL" sz="3200" spc="-1" strike="noStrike">
-              <a:solidFill>
-                <a:srgbClr val="000000"/>
-              </a:solidFill>
-              <a:uFill>
-                <a:solidFill>
-                  <a:srgbClr val="ffffff"/>
+          <a:bodyPr lIns="0" tIns="0" rIns="0" bIns="0"/>
+          <a:lstStyle/>
+          <a:p>
+            <a:endParaRPr lang="pl-PL" sz="3200" b="0" strike="noStrike" spc="-1">
+              <a:solidFill>
+                <a:srgbClr val="000000"/>
+              </a:solidFill>
+              <a:uFill>
+                <a:solidFill>
+                  <a:srgbClr val="FFFFFF"/>
                 </a:solidFill>
               </a:uFill>
               <a:latin typeface="Arial"/>
@@ -1123,15 +1270,16 @@
           </a:prstGeom>
         </p:spPr>
         <p:txBody>
-          <a:bodyPr lIns="0" rIns="0" tIns="0" bIns="0"/>
-          <a:p>
-            <a:endParaRPr b="0" lang="pl-PL" sz="3200" spc="-1" strike="noStrike">
-              <a:solidFill>
-                <a:srgbClr val="000000"/>
-              </a:solidFill>
-              <a:uFill>
-                <a:solidFill>
-                  <a:srgbClr val="ffffff"/>
+          <a:bodyPr lIns="0" tIns="0" rIns="0" bIns="0"/>
+          <a:lstStyle/>
+          <a:p>
+            <a:endParaRPr lang="pl-PL" sz="3200" b="0" strike="noStrike" spc="-1">
+              <a:solidFill>
+                <a:srgbClr val="000000"/>
+              </a:solidFill>
+              <a:uFill>
+                <a:solidFill>
+                  <a:srgbClr val="FFFFFF"/>
                 </a:solidFill>
               </a:uFill>
               <a:latin typeface="Arial"/>
@@ -1159,15 +1307,16 @@
           </a:prstGeom>
         </p:spPr>
         <p:txBody>
-          <a:bodyPr lIns="0" rIns="0" tIns="0" bIns="0"/>
-          <a:p>
-            <a:endParaRPr b="0" lang="pl-PL" sz="3200" spc="-1" strike="noStrike">
-              <a:solidFill>
-                <a:srgbClr val="000000"/>
-              </a:solidFill>
-              <a:uFill>
-                <a:solidFill>
-                  <a:srgbClr val="ffffff"/>
+          <a:bodyPr lIns="0" tIns="0" rIns="0" bIns="0"/>
+          <a:lstStyle/>
+          <a:p>
+            <a:endParaRPr lang="pl-PL" sz="3200" b="0" strike="noStrike" spc="-1">
+              <a:solidFill>
+                <a:srgbClr val="000000"/>
+              </a:solidFill>
+              <a:uFill>
+                <a:solidFill>
+                  <a:srgbClr val="FFFFFF"/>
                 </a:solidFill>
               </a:uFill>
               <a:latin typeface="Arial"/>
@@ -1177,11 +1326,14 @@
       </p:sp>
     </p:spTree>
   </p:cSld>
+  <p:clrMapOvr>
+    <a:masterClrMapping/>
+  </p:clrMapOvr>
 </p:sldLayout>
 </file>
 
 <file path=ppt/slideLayouts/slideLayout2.xml><?xml version="1.0" encoding="utf-8"?>
-<p:sldLayout xmlns:a="http://schemas.openxmlformats.org/drawingml/2006/main" xmlns:p="http://schemas.openxmlformats.org/presentationml/2006/main" xmlns:r="http://schemas.openxmlformats.org/officeDocument/2006/relationships" xmlns:p14="http://schemas.microsoft.com/office/powerpoint/2010/main" xmlns:p15="http://schemas.microsoft.com/office/powerpoint/2012/main" xmlns:mc="http://schemas.openxmlformats.org/markup-compatibility/2006" type="tx" preserve="1">
+<p:sldLayout xmlns:a="http://schemas.openxmlformats.org/drawingml/2006/main" xmlns:r="http://schemas.openxmlformats.org/officeDocument/2006/relationships" xmlns:p="http://schemas.openxmlformats.org/presentationml/2006/main" type="tx" preserve="1">
   <p:cSld name="Title Slide">
     <p:spTree>
       <p:nvGrpSpPr>
@@ -1217,16 +1369,17 @@
           </a:prstGeom>
         </p:spPr>
         <p:txBody>
-          <a:bodyPr lIns="0" rIns="0" tIns="0" bIns="0" anchor="ctr"/>
+          <a:bodyPr lIns="0" tIns="0" rIns="0" bIns="0" anchor="ctr"/>
+          <a:lstStyle/>
           <a:p>
             <a:pPr algn="ctr"/>
-            <a:endParaRPr b="0" lang="pl-PL" sz="4400" spc="-1" strike="noStrike">
-              <a:solidFill>
-                <a:srgbClr val="000000"/>
-              </a:solidFill>
-              <a:uFill>
-                <a:solidFill>
-                  <a:srgbClr val="ffffff"/>
+            <a:endParaRPr lang="pl-PL" sz="4400" b="0" strike="noStrike" spc="-1">
+              <a:solidFill>
+                <a:srgbClr val="000000"/>
+              </a:solidFill>
+              <a:uFill>
+                <a:solidFill>
+                  <a:srgbClr val="FFFFFF"/>
                 </a:solidFill>
               </a:uFill>
               <a:latin typeface="Arial"/>
@@ -1254,16 +1407,17 @@
           </a:prstGeom>
         </p:spPr>
         <p:txBody>
-          <a:bodyPr lIns="0" rIns="0" tIns="0" bIns="0" anchor="ctr"/>
+          <a:bodyPr lIns="0" tIns="0" rIns="0" bIns="0" anchor="ctr"/>
+          <a:lstStyle/>
           <a:p>
             <a:pPr algn="ctr"/>
-            <a:endParaRPr b="0" lang="pl-PL" sz="3200" spc="-1" strike="noStrike">
-              <a:solidFill>
-                <a:srgbClr val="000000"/>
-              </a:solidFill>
-              <a:uFill>
-                <a:solidFill>
-                  <a:srgbClr val="ffffff"/>
+            <a:endParaRPr lang="pl-PL" sz="3200" b="0" strike="noStrike" spc="-1">
+              <a:solidFill>
+                <a:srgbClr val="000000"/>
+              </a:solidFill>
+              <a:uFill>
+                <a:solidFill>
+                  <a:srgbClr val="FFFFFF"/>
                 </a:solidFill>
               </a:uFill>
               <a:latin typeface="Arial"/>
@@ -1273,11 +1427,14 @@
       </p:sp>
     </p:spTree>
   </p:cSld>
+  <p:clrMapOvr>
+    <a:masterClrMapping/>
+  </p:clrMapOvr>
 </p:sldLayout>
 </file>
 
 <file path=ppt/slideLayouts/slideLayout20.xml><?xml version="1.0" encoding="utf-8"?>
-<p:sldLayout xmlns:a="http://schemas.openxmlformats.org/drawingml/2006/main" xmlns:p="http://schemas.openxmlformats.org/presentationml/2006/main" xmlns:r="http://schemas.openxmlformats.org/officeDocument/2006/relationships" xmlns:p14="http://schemas.microsoft.com/office/powerpoint/2010/main" xmlns:p15="http://schemas.microsoft.com/office/powerpoint/2012/main" xmlns:mc="http://schemas.openxmlformats.org/markup-compatibility/2006" type="objAndTwoObj" preserve="1">
+<p:sldLayout xmlns:a="http://schemas.openxmlformats.org/drawingml/2006/main" xmlns:r="http://schemas.openxmlformats.org/officeDocument/2006/relationships" xmlns:p="http://schemas.openxmlformats.org/presentationml/2006/main" type="objAndTwoObj" preserve="1">
   <p:cSld name="Title Content and 2 Content">
     <p:spTree>
       <p:nvGrpSpPr>
@@ -1313,16 +1470,17 @@
           </a:prstGeom>
         </p:spPr>
         <p:txBody>
-          <a:bodyPr lIns="0" rIns="0" tIns="0" bIns="0" anchor="ctr"/>
+          <a:bodyPr lIns="0" tIns="0" rIns="0" bIns="0" anchor="ctr"/>
+          <a:lstStyle/>
           <a:p>
             <a:pPr algn="ctr"/>
-            <a:endParaRPr b="0" lang="pl-PL" sz="4400" spc="-1" strike="noStrike">
-              <a:solidFill>
-                <a:srgbClr val="000000"/>
-              </a:solidFill>
-              <a:uFill>
-                <a:solidFill>
-                  <a:srgbClr val="ffffff"/>
+            <a:endParaRPr lang="pl-PL" sz="4400" b="0" strike="noStrike" spc="-1">
+              <a:solidFill>
+                <a:srgbClr val="000000"/>
+              </a:solidFill>
+              <a:uFill>
+                <a:solidFill>
+                  <a:srgbClr val="FFFFFF"/>
                 </a:solidFill>
               </a:uFill>
               <a:latin typeface="Arial"/>
@@ -1350,15 +1508,16 @@
           </a:prstGeom>
         </p:spPr>
         <p:txBody>
-          <a:bodyPr lIns="0" rIns="0" tIns="0" bIns="0"/>
-          <a:p>
-            <a:endParaRPr b="0" lang="pl-PL" sz="3200" spc="-1" strike="noStrike">
-              <a:solidFill>
-                <a:srgbClr val="000000"/>
-              </a:solidFill>
-              <a:uFill>
-                <a:solidFill>
-                  <a:srgbClr val="ffffff"/>
+          <a:bodyPr lIns="0" tIns="0" rIns="0" bIns="0"/>
+          <a:lstStyle/>
+          <a:p>
+            <a:endParaRPr lang="pl-PL" sz="3200" b="0" strike="noStrike" spc="-1">
+              <a:solidFill>
+                <a:srgbClr val="000000"/>
+              </a:solidFill>
+              <a:uFill>
+                <a:solidFill>
+                  <a:srgbClr val="FFFFFF"/>
                 </a:solidFill>
               </a:uFill>
               <a:latin typeface="Arial"/>
@@ -1386,15 +1545,16 @@
           </a:prstGeom>
         </p:spPr>
         <p:txBody>
-          <a:bodyPr lIns="0" rIns="0" tIns="0" bIns="0"/>
-          <a:p>
-            <a:endParaRPr b="0" lang="pl-PL" sz="3200" spc="-1" strike="noStrike">
-              <a:solidFill>
-                <a:srgbClr val="000000"/>
-              </a:solidFill>
-              <a:uFill>
-                <a:solidFill>
-                  <a:srgbClr val="ffffff"/>
+          <a:bodyPr lIns="0" tIns="0" rIns="0" bIns="0"/>
+          <a:lstStyle/>
+          <a:p>
+            <a:endParaRPr lang="pl-PL" sz="3200" b="0" strike="noStrike" spc="-1">
+              <a:solidFill>
+                <a:srgbClr val="000000"/>
+              </a:solidFill>
+              <a:uFill>
+                <a:solidFill>
+                  <a:srgbClr val="FFFFFF"/>
                 </a:solidFill>
               </a:uFill>
               <a:latin typeface="Arial"/>
@@ -1422,15 +1582,16 @@
           </a:prstGeom>
         </p:spPr>
         <p:txBody>
-          <a:bodyPr lIns="0" rIns="0" tIns="0" bIns="0"/>
-          <a:p>
-            <a:endParaRPr b="0" lang="pl-PL" sz="3200" spc="-1" strike="noStrike">
-              <a:solidFill>
-                <a:srgbClr val="000000"/>
-              </a:solidFill>
-              <a:uFill>
-                <a:solidFill>
-                  <a:srgbClr val="ffffff"/>
+          <a:bodyPr lIns="0" tIns="0" rIns="0" bIns="0"/>
+          <a:lstStyle/>
+          <a:p>
+            <a:endParaRPr lang="pl-PL" sz="3200" b="0" strike="noStrike" spc="-1">
+              <a:solidFill>
+                <a:srgbClr val="000000"/>
+              </a:solidFill>
+              <a:uFill>
+                <a:solidFill>
+                  <a:srgbClr val="FFFFFF"/>
                 </a:solidFill>
               </a:uFill>
               <a:latin typeface="Arial"/>
@@ -1440,11 +1601,14 @@
       </p:sp>
     </p:spTree>
   </p:cSld>
+  <p:clrMapOvr>
+    <a:masterClrMapping/>
+  </p:clrMapOvr>
 </p:sldLayout>
 </file>
 
 <file path=ppt/slideLayouts/slideLayout21.xml><?xml version="1.0" encoding="utf-8"?>
-<p:sldLayout xmlns:a="http://schemas.openxmlformats.org/drawingml/2006/main" xmlns:p="http://schemas.openxmlformats.org/presentationml/2006/main" xmlns:r="http://schemas.openxmlformats.org/officeDocument/2006/relationships" xmlns:p14="http://schemas.microsoft.com/office/powerpoint/2010/main" xmlns:p15="http://schemas.microsoft.com/office/powerpoint/2012/main" xmlns:mc="http://schemas.openxmlformats.org/markup-compatibility/2006" type="twoObjOverTx" preserve="1">
+<p:sldLayout xmlns:a="http://schemas.openxmlformats.org/drawingml/2006/main" xmlns:r="http://schemas.openxmlformats.org/officeDocument/2006/relationships" xmlns:p="http://schemas.openxmlformats.org/presentationml/2006/main" type="twoObjOverTx" preserve="1">
   <p:cSld name="Title, 2 Content over Content">
     <p:spTree>
       <p:nvGrpSpPr>
@@ -1480,16 +1644,17 @@
           </a:prstGeom>
         </p:spPr>
         <p:txBody>
-          <a:bodyPr lIns="0" rIns="0" tIns="0" bIns="0" anchor="ctr"/>
+          <a:bodyPr lIns="0" tIns="0" rIns="0" bIns="0" anchor="ctr"/>
+          <a:lstStyle/>
           <a:p>
             <a:pPr algn="ctr"/>
-            <a:endParaRPr b="0" lang="pl-PL" sz="4400" spc="-1" strike="noStrike">
-              <a:solidFill>
-                <a:srgbClr val="000000"/>
-              </a:solidFill>
-              <a:uFill>
-                <a:solidFill>
-                  <a:srgbClr val="ffffff"/>
+            <a:endParaRPr lang="pl-PL" sz="4400" b="0" strike="noStrike" spc="-1">
+              <a:solidFill>
+                <a:srgbClr val="000000"/>
+              </a:solidFill>
+              <a:uFill>
+                <a:solidFill>
+                  <a:srgbClr val="FFFFFF"/>
                 </a:solidFill>
               </a:uFill>
               <a:latin typeface="Arial"/>
@@ -1517,15 +1682,16 @@
           </a:prstGeom>
         </p:spPr>
         <p:txBody>
-          <a:bodyPr lIns="0" rIns="0" tIns="0" bIns="0"/>
-          <a:p>
-            <a:endParaRPr b="0" lang="pl-PL" sz="3200" spc="-1" strike="noStrike">
-              <a:solidFill>
-                <a:srgbClr val="000000"/>
-              </a:solidFill>
-              <a:uFill>
-                <a:solidFill>
-                  <a:srgbClr val="ffffff"/>
+          <a:bodyPr lIns="0" tIns="0" rIns="0" bIns="0"/>
+          <a:lstStyle/>
+          <a:p>
+            <a:endParaRPr lang="pl-PL" sz="3200" b="0" strike="noStrike" spc="-1">
+              <a:solidFill>
+                <a:srgbClr val="000000"/>
+              </a:solidFill>
+              <a:uFill>
+                <a:solidFill>
+                  <a:srgbClr val="FFFFFF"/>
                 </a:solidFill>
               </a:uFill>
               <a:latin typeface="Arial"/>
@@ -1553,15 +1719,16 @@
           </a:prstGeom>
         </p:spPr>
         <p:txBody>
-          <a:bodyPr lIns="0" rIns="0" tIns="0" bIns="0"/>
-          <a:p>
-            <a:endParaRPr b="0" lang="pl-PL" sz="3200" spc="-1" strike="noStrike">
-              <a:solidFill>
-                <a:srgbClr val="000000"/>
-              </a:solidFill>
-              <a:uFill>
-                <a:solidFill>
-                  <a:srgbClr val="ffffff"/>
+          <a:bodyPr lIns="0" tIns="0" rIns="0" bIns="0"/>
+          <a:lstStyle/>
+          <a:p>
+            <a:endParaRPr lang="pl-PL" sz="3200" b="0" strike="noStrike" spc="-1">
+              <a:solidFill>
+                <a:srgbClr val="000000"/>
+              </a:solidFill>
+              <a:uFill>
+                <a:solidFill>
+                  <a:srgbClr val="FFFFFF"/>
                 </a:solidFill>
               </a:uFill>
               <a:latin typeface="Arial"/>
@@ -1589,15 +1756,16 @@
           </a:prstGeom>
         </p:spPr>
         <p:txBody>
-          <a:bodyPr lIns="0" rIns="0" tIns="0" bIns="0"/>
-          <a:p>
-            <a:endParaRPr b="0" lang="pl-PL" sz="3200" spc="-1" strike="noStrike">
-              <a:solidFill>
-                <a:srgbClr val="000000"/>
-              </a:solidFill>
-              <a:uFill>
-                <a:solidFill>
-                  <a:srgbClr val="ffffff"/>
+          <a:bodyPr lIns="0" tIns="0" rIns="0" bIns="0"/>
+          <a:lstStyle/>
+          <a:p>
+            <a:endParaRPr lang="pl-PL" sz="3200" b="0" strike="noStrike" spc="-1">
+              <a:solidFill>
+                <a:srgbClr val="000000"/>
+              </a:solidFill>
+              <a:uFill>
+                <a:solidFill>
+                  <a:srgbClr val="FFFFFF"/>
                 </a:solidFill>
               </a:uFill>
               <a:latin typeface="Arial"/>
@@ -1607,11 +1775,14 @@
       </p:sp>
     </p:spTree>
   </p:cSld>
+  <p:clrMapOvr>
+    <a:masterClrMapping/>
+  </p:clrMapOvr>
 </p:sldLayout>
 </file>
 
 <file path=ppt/slideLayouts/slideLayout22.xml><?xml version="1.0" encoding="utf-8"?>
-<p:sldLayout xmlns:a="http://schemas.openxmlformats.org/drawingml/2006/main" xmlns:p="http://schemas.openxmlformats.org/presentationml/2006/main" xmlns:r="http://schemas.openxmlformats.org/officeDocument/2006/relationships" xmlns:p14="http://schemas.microsoft.com/office/powerpoint/2010/main" xmlns:p15="http://schemas.microsoft.com/office/powerpoint/2012/main" xmlns:mc="http://schemas.openxmlformats.org/markup-compatibility/2006" type="objOverTx" preserve="1">
+<p:sldLayout xmlns:a="http://schemas.openxmlformats.org/drawingml/2006/main" xmlns:r="http://schemas.openxmlformats.org/officeDocument/2006/relationships" xmlns:p="http://schemas.openxmlformats.org/presentationml/2006/main" type="objOverTx" preserve="1">
   <p:cSld name="Title, Content over Content">
     <p:spTree>
       <p:nvGrpSpPr>
@@ -1647,16 +1818,17 @@
           </a:prstGeom>
         </p:spPr>
         <p:txBody>
-          <a:bodyPr lIns="0" rIns="0" tIns="0" bIns="0" anchor="ctr"/>
+          <a:bodyPr lIns="0" tIns="0" rIns="0" bIns="0" anchor="ctr"/>
+          <a:lstStyle/>
           <a:p>
             <a:pPr algn="ctr"/>
-            <a:endParaRPr b="0" lang="pl-PL" sz="4400" spc="-1" strike="noStrike">
-              <a:solidFill>
-                <a:srgbClr val="000000"/>
-              </a:solidFill>
-              <a:uFill>
-                <a:solidFill>
-                  <a:srgbClr val="ffffff"/>
+            <a:endParaRPr lang="pl-PL" sz="4400" b="0" strike="noStrike" spc="-1">
+              <a:solidFill>
+                <a:srgbClr val="000000"/>
+              </a:solidFill>
+              <a:uFill>
+                <a:solidFill>
+                  <a:srgbClr val="FFFFFF"/>
                 </a:solidFill>
               </a:uFill>
               <a:latin typeface="Arial"/>
@@ -1684,15 +1856,16 @@
           </a:prstGeom>
         </p:spPr>
         <p:txBody>
-          <a:bodyPr lIns="0" rIns="0" tIns="0" bIns="0"/>
-          <a:p>
-            <a:endParaRPr b="0" lang="pl-PL" sz="3200" spc="-1" strike="noStrike">
-              <a:solidFill>
-                <a:srgbClr val="000000"/>
-              </a:solidFill>
-              <a:uFill>
-                <a:solidFill>
-                  <a:srgbClr val="ffffff"/>
+          <a:bodyPr lIns="0" tIns="0" rIns="0" bIns="0"/>
+          <a:lstStyle/>
+          <a:p>
+            <a:endParaRPr lang="pl-PL" sz="3200" b="0" strike="noStrike" spc="-1">
+              <a:solidFill>
+                <a:srgbClr val="000000"/>
+              </a:solidFill>
+              <a:uFill>
+                <a:solidFill>
+                  <a:srgbClr val="FFFFFF"/>
                 </a:solidFill>
               </a:uFill>
               <a:latin typeface="Arial"/>
@@ -1720,15 +1893,16 @@
           </a:prstGeom>
         </p:spPr>
         <p:txBody>
-          <a:bodyPr lIns="0" rIns="0" tIns="0" bIns="0"/>
-          <a:p>
-            <a:endParaRPr b="0" lang="pl-PL" sz="3200" spc="-1" strike="noStrike">
-              <a:solidFill>
-                <a:srgbClr val="000000"/>
-              </a:solidFill>
-              <a:uFill>
-                <a:solidFill>
-                  <a:srgbClr val="ffffff"/>
+          <a:bodyPr lIns="0" tIns="0" rIns="0" bIns="0"/>
+          <a:lstStyle/>
+          <a:p>
+            <a:endParaRPr lang="pl-PL" sz="3200" b="0" strike="noStrike" spc="-1">
+              <a:solidFill>
+                <a:srgbClr val="000000"/>
+              </a:solidFill>
+              <a:uFill>
+                <a:solidFill>
+                  <a:srgbClr val="FFFFFF"/>
                 </a:solidFill>
               </a:uFill>
               <a:latin typeface="Arial"/>
@@ -1738,11 +1912,14 @@
       </p:sp>
     </p:spTree>
   </p:cSld>
+  <p:clrMapOvr>
+    <a:masterClrMapping/>
+  </p:clrMapOvr>
 </p:sldLayout>
 </file>
 
 <file path=ppt/slideLayouts/slideLayout23.xml><?xml version="1.0" encoding="utf-8"?>
-<p:sldLayout xmlns:a="http://schemas.openxmlformats.org/drawingml/2006/main" xmlns:p="http://schemas.openxmlformats.org/presentationml/2006/main" xmlns:r="http://schemas.openxmlformats.org/officeDocument/2006/relationships" xmlns:p14="http://schemas.microsoft.com/office/powerpoint/2010/main" xmlns:p15="http://schemas.microsoft.com/office/powerpoint/2012/main" xmlns:mc="http://schemas.openxmlformats.org/markup-compatibility/2006" type="fourObj" preserve="1">
+<p:sldLayout xmlns:a="http://schemas.openxmlformats.org/drawingml/2006/main" xmlns:r="http://schemas.openxmlformats.org/officeDocument/2006/relationships" xmlns:p="http://schemas.openxmlformats.org/presentationml/2006/main" type="fourObj" preserve="1">
   <p:cSld name="Title, 4 Content">
     <p:spTree>
       <p:nvGrpSpPr>
@@ -1778,16 +1955,17 @@
           </a:prstGeom>
         </p:spPr>
         <p:txBody>
-          <a:bodyPr lIns="0" rIns="0" tIns="0" bIns="0" anchor="ctr"/>
+          <a:bodyPr lIns="0" tIns="0" rIns="0" bIns="0" anchor="ctr"/>
+          <a:lstStyle/>
           <a:p>
             <a:pPr algn="ctr"/>
-            <a:endParaRPr b="0" lang="pl-PL" sz="4400" spc="-1" strike="noStrike">
-              <a:solidFill>
-                <a:srgbClr val="000000"/>
-              </a:solidFill>
-              <a:uFill>
-                <a:solidFill>
-                  <a:srgbClr val="ffffff"/>
+            <a:endParaRPr lang="pl-PL" sz="4400" b="0" strike="noStrike" spc="-1">
+              <a:solidFill>
+                <a:srgbClr val="000000"/>
+              </a:solidFill>
+              <a:uFill>
+                <a:solidFill>
+                  <a:srgbClr val="FFFFFF"/>
                 </a:solidFill>
               </a:uFill>
               <a:latin typeface="Arial"/>
@@ -1815,15 +1993,16 @@
           </a:prstGeom>
         </p:spPr>
         <p:txBody>
-          <a:bodyPr lIns="0" rIns="0" tIns="0" bIns="0"/>
-          <a:p>
-            <a:endParaRPr b="0" lang="pl-PL" sz="3200" spc="-1" strike="noStrike">
-              <a:solidFill>
-                <a:srgbClr val="000000"/>
-              </a:solidFill>
-              <a:uFill>
-                <a:solidFill>
-                  <a:srgbClr val="ffffff"/>
+          <a:bodyPr lIns="0" tIns="0" rIns="0" bIns="0"/>
+          <a:lstStyle/>
+          <a:p>
+            <a:endParaRPr lang="pl-PL" sz="3200" b="0" strike="noStrike" spc="-1">
+              <a:solidFill>
+                <a:srgbClr val="000000"/>
+              </a:solidFill>
+              <a:uFill>
+                <a:solidFill>
+                  <a:srgbClr val="FFFFFF"/>
                 </a:solidFill>
               </a:uFill>
               <a:latin typeface="Arial"/>
@@ -1851,15 +2030,16 @@
           </a:prstGeom>
         </p:spPr>
         <p:txBody>
-          <a:bodyPr lIns="0" rIns="0" tIns="0" bIns="0"/>
-          <a:p>
-            <a:endParaRPr b="0" lang="pl-PL" sz="3200" spc="-1" strike="noStrike">
-              <a:solidFill>
-                <a:srgbClr val="000000"/>
-              </a:solidFill>
-              <a:uFill>
-                <a:solidFill>
-                  <a:srgbClr val="ffffff"/>
+          <a:bodyPr lIns="0" tIns="0" rIns="0" bIns="0"/>
+          <a:lstStyle/>
+          <a:p>
+            <a:endParaRPr lang="pl-PL" sz="3200" b="0" strike="noStrike" spc="-1">
+              <a:solidFill>
+                <a:srgbClr val="000000"/>
+              </a:solidFill>
+              <a:uFill>
+                <a:solidFill>
+                  <a:srgbClr val="FFFFFF"/>
                 </a:solidFill>
               </a:uFill>
               <a:latin typeface="Arial"/>
@@ -1887,15 +2067,16 @@
           </a:prstGeom>
         </p:spPr>
         <p:txBody>
-          <a:bodyPr lIns="0" rIns="0" tIns="0" bIns="0"/>
-          <a:p>
-            <a:endParaRPr b="0" lang="pl-PL" sz="3200" spc="-1" strike="noStrike">
-              <a:solidFill>
-                <a:srgbClr val="000000"/>
-              </a:solidFill>
-              <a:uFill>
-                <a:solidFill>
-                  <a:srgbClr val="ffffff"/>
+          <a:bodyPr lIns="0" tIns="0" rIns="0" bIns="0"/>
+          <a:lstStyle/>
+          <a:p>
+            <a:endParaRPr lang="pl-PL" sz="3200" b="0" strike="noStrike" spc="-1">
+              <a:solidFill>
+                <a:srgbClr val="000000"/>
+              </a:solidFill>
+              <a:uFill>
+                <a:solidFill>
+                  <a:srgbClr val="FFFFFF"/>
                 </a:solidFill>
               </a:uFill>
               <a:latin typeface="Arial"/>
@@ -1923,15 +2104,16 @@
           </a:prstGeom>
         </p:spPr>
         <p:txBody>
-          <a:bodyPr lIns="0" rIns="0" tIns="0" bIns="0"/>
-          <a:p>
-            <a:endParaRPr b="0" lang="pl-PL" sz="3200" spc="-1" strike="noStrike">
-              <a:solidFill>
-                <a:srgbClr val="000000"/>
-              </a:solidFill>
-              <a:uFill>
-                <a:solidFill>
-                  <a:srgbClr val="ffffff"/>
+          <a:bodyPr lIns="0" tIns="0" rIns="0" bIns="0"/>
+          <a:lstStyle/>
+          <a:p>
+            <a:endParaRPr lang="pl-PL" sz="3200" b="0" strike="noStrike" spc="-1">
+              <a:solidFill>
+                <a:srgbClr val="000000"/>
+              </a:solidFill>
+              <a:uFill>
+                <a:solidFill>
+                  <a:srgbClr val="FFFFFF"/>
                 </a:solidFill>
               </a:uFill>
               <a:latin typeface="Arial"/>
@@ -1941,11 +2123,14 @@
       </p:sp>
     </p:spTree>
   </p:cSld>
+  <p:clrMapOvr>
+    <a:masterClrMapping/>
+  </p:clrMapOvr>
 </p:sldLayout>
 </file>
 
 <file path=ppt/slideLayouts/slideLayout24.xml><?xml version="1.0" encoding="utf-8"?>
-<p:sldLayout xmlns:a="http://schemas.openxmlformats.org/drawingml/2006/main" xmlns:p="http://schemas.openxmlformats.org/presentationml/2006/main" xmlns:r="http://schemas.openxmlformats.org/officeDocument/2006/relationships" xmlns:p14="http://schemas.microsoft.com/office/powerpoint/2010/main" xmlns:p15="http://schemas.microsoft.com/office/powerpoint/2012/main" xmlns:mc="http://schemas.openxmlformats.org/markup-compatibility/2006" type="blank" preserve="1">
+<p:sldLayout xmlns:a="http://schemas.openxmlformats.org/drawingml/2006/main" xmlns:r="http://schemas.openxmlformats.org/officeDocument/2006/relationships" xmlns:p="http://schemas.openxmlformats.org/presentationml/2006/main" type="blank" preserve="1">
   <p:cSld name="Title, 6 Content">
     <p:spTree>
       <p:nvGrpSpPr>
@@ -1981,16 +2166,17 @@
           </a:prstGeom>
         </p:spPr>
         <p:txBody>
-          <a:bodyPr lIns="0" rIns="0" tIns="0" bIns="0" anchor="ctr"/>
+          <a:bodyPr lIns="0" tIns="0" rIns="0" bIns="0" anchor="ctr"/>
+          <a:lstStyle/>
           <a:p>
             <a:pPr algn="ctr"/>
-            <a:endParaRPr b="0" lang="pl-PL" sz="4400" spc="-1" strike="noStrike">
-              <a:solidFill>
-                <a:srgbClr val="000000"/>
-              </a:solidFill>
-              <a:uFill>
-                <a:solidFill>
-                  <a:srgbClr val="ffffff"/>
+            <a:endParaRPr lang="pl-PL" sz="4400" b="0" strike="noStrike" spc="-1">
+              <a:solidFill>
+                <a:srgbClr val="000000"/>
+              </a:solidFill>
+              <a:uFill>
+                <a:solidFill>
+                  <a:srgbClr val="FFFFFF"/>
                 </a:solidFill>
               </a:uFill>
               <a:latin typeface="Arial"/>
@@ -2018,15 +2204,16 @@
           </a:prstGeom>
         </p:spPr>
         <p:txBody>
-          <a:bodyPr lIns="0" rIns="0" tIns="0" bIns="0"/>
-          <a:p>
-            <a:endParaRPr b="0" lang="pl-PL" sz="3200" spc="-1" strike="noStrike">
-              <a:solidFill>
-                <a:srgbClr val="000000"/>
-              </a:solidFill>
-              <a:uFill>
-                <a:solidFill>
-                  <a:srgbClr val="ffffff"/>
+          <a:bodyPr lIns="0" tIns="0" rIns="0" bIns="0"/>
+          <a:lstStyle/>
+          <a:p>
+            <a:endParaRPr lang="pl-PL" sz="3200" b="0" strike="noStrike" spc="-1">
+              <a:solidFill>
+                <a:srgbClr val="000000"/>
+              </a:solidFill>
+              <a:uFill>
+                <a:solidFill>
+                  <a:srgbClr val="FFFFFF"/>
                 </a:solidFill>
               </a:uFill>
               <a:latin typeface="Arial"/>
@@ -2054,15 +2241,16 @@
           </a:prstGeom>
         </p:spPr>
         <p:txBody>
-          <a:bodyPr lIns="0" rIns="0" tIns="0" bIns="0"/>
-          <a:p>
-            <a:endParaRPr b="0" lang="pl-PL" sz="3200" spc="-1" strike="noStrike">
-              <a:solidFill>
-                <a:srgbClr val="000000"/>
-              </a:solidFill>
-              <a:uFill>
-                <a:solidFill>
-                  <a:srgbClr val="ffffff"/>
+          <a:bodyPr lIns="0" tIns="0" rIns="0" bIns="0"/>
+          <a:lstStyle/>
+          <a:p>
+            <a:endParaRPr lang="pl-PL" sz="3200" b="0" strike="noStrike" spc="-1">
+              <a:solidFill>
+                <a:srgbClr val="000000"/>
+              </a:solidFill>
+              <a:uFill>
+                <a:solidFill>
+                  <a:srgbClr val="FFFFFF"/>
                 </a:solidFill>
               </a:uFill>
               <a:latin typeface="Arial"/>
@@ -2072,12 +2260,12 @@
       </p:sp>
       <p:pic>
         <p:nvPicPr>
-          <p:cNvPr id="70" name="" descr=""/>
+          <p:cNvPr id="70" name="Obraz 69"/>
           <p:cNvPicPr/>
           <p:nvPr/>
         </p:nvPicPr>
         <p:blipFill>
-          <a:blip r:embed="rId2"/>
+          <a:blip r:embed="rId2" cstate="print"/>
           <a:stretch/>
         </p:blipFill>
         <p:spPr>
@@ -2095,12 +2283,12 @@
       </p:pic>
       <p:pic>
         <p:nvPicPr>
-          <p:cNvPr id="71" name="" descr=""/>
+          <p:cNvPr id="71" name="Obraz 70"/>
           <p:cNvPicPr/>
           <p:nvPr/>
         </p:nvPicPr>
         <p:blipFill>
-          <a:blip r:embed="rId3"/>
+          <a:blip r:embed="rId2" cstate="print"/>
           <a:stretch/>
         </p:blipFill>
         <p:spPr>
@@ -2118,11 +2306,14 @@
       </p:pic>
     </p:spTree>
   </p:cSld>
+  <p:clrMapOvr>
+    <a:masterClrMapping/>
+  </p:clrMapOvr>
 </p:sldLayout>
 </file>
 
 <file path=ppt/slideLayouts/slideLayout3.xml><?xml version="1.0" encoding="utf-8"?>
-<p:sldLayout xmlns:a="http://schemas.openxmlformats.org/drawingml/2006/main" xmlns:p="http://schemas.openxmlformats.org/presentationml/2006/main" xmlns:r="http://schemas.openxmlformats.org/officeDocument/2006/relationships" xmlns:p14="http://schemas.microsoft.com/office/powerpoint/2010/main" xmlns:p15="http://schemas.microsoft.com/office/powerpoint/2012/main" xmlns:mc="http://schemas.openxmlformats.org/markup-compatibility/2006" type="obj" preserve="1">
+<p:sldLayout xmlns:a="http://schemas.openxmlformats.org/drawingml/2006/main" xmlns:r="http://schemas.openxmlformats.org/officeDocument/2006/relationships" xmlns:p="http://schemas.openxmlformats.org/presentationml/2006/main" type="obj" preserve="1">
   <p:cSld name="Title, Content">
     <p:spTree>
       <p:nvGrpSpPr>
@@ -2158,16 +2349,17 @@
           </a:prstGeom>
         </p:spPr>
         <p:txBody>
-          <a:bodyPr lIns="0" rIns="0" tIns="0" bIns="0" anchor="ctr"/>
+          <a:bodyPr lIns="0" tIns="0" rIns="0" bIns="0" anchor="ctr"/>
+          <a:lstStyle/>
           <a:p>
             <a:pPr algn="ctr"/>
-            <a:endParaRPr b="0" lang="pl-PL" sz="4400" spc="-1" strike="noStrike">
-              <a:solidFill>
-                <a:srgbClr val="000000"/>
-              </a:solidFill>
-              <a:uFill>
-                <a:solidFill>
-                  <a:srgbClr val="ffffff"/>
+            <a:endParaRPr lang="pl-PL" sz="4400" b="0" strike="noStrike" spc="-1">
+              <a:solidFill>
+                <a:srgbClr val="000000"/>
+              </a:solidFill>
+              <a:uFill>
+                <a:solidFill>
+                  <a:srgbClr val="FFFFFF"/>
                 </a:solidFill>
               </a:uFill>
               <a:latin typeface="Arial"/>
@@ -2195,15 +2387,16 @@
           </a:prstGeom>
         </p:spPr>
         <p:txBody>
-          <a:bodyPr lIns="0" rIns="0" tIns="0" bIns="0"/>
-          <a:p>
-            <a:endParaRPr b="0" lang="pl-PL" sz="3200" spc="-1" strike="noStrike">
-              <a:solidFill>
-                <a:srgbClr val="000000"/>
-              </a:solidFill>
-              <a:uFill>
-                <a:solidFill>
-                  <a:srgbClr val="ffffff"/>
+          <a:bodyPr lIns="0" tIns="0" rIns="0" bIns="0"/>
+          <a:lstStyle/>
+          <a:p>
+            <a:endParaRPr lang="pl-PL" sz="3200" b="0" strike="noStrike" spc="-1">
+              <a:solidFill>
+                <a:srgbClr val="000000"/>
+              </a:solidFill>
+              <a:uFill>
+                <a:solidFill>
+                  <a:srgbClr val="FFFFFF"/>
                 </a:solidFill>
               </a:uFill>
               <a:latin typeface="Arial"/>
@@ -2213,11 +2406,14 @@
       </p:sp>
     </p:spTree>
   </p:cSld>
+  <p:clrMapOvr>
+    <a:masterClrMapping/>
+  </p:clrMapOvr>
 </p:sldLayout>
 </file>
 
 <file path=ppt/slideLayouts/slideLayout4.xml><?xml version="1.0" encoding="utf-8"?>
-<p:sldLayout xmlns:a="http://schemas.openxmlformats.org/drawingml/2006/main" xmlns:p="http://schemas.openxmlformats.org/presentationml/2006/main" xmlns:r="http://schemas.openxmlformats.org/officeDocument/2006/relationships" xmlns:p14="http://schemas.microsoft.com/office/powerpoint/2010/main" xmlns:p15="http://schemas.microsoft.com/office/powerpoint/2012/main" xmlns:mc="http://schemas.openxmlformats.org/markup-compatibility/2006" type="twoObj" preserve="1">
+<p:sldLayout xmlns:a="http://schemas.openxmlformats.org/drawingml/2006/main" xmlns:r="http://schemas.openxmlformats.org/officeDocument/2006/relationships" xmlns:p="http://schemas.openxmlformats.org/presentationml/2006/main" type="twoObj" preserve="1">
   <p:cSld name="Title, 2 Content">
     <p:spTree>
       <p:nvGrpSpPr>
@@ -2253,16 +2449,17 @@
           </a:prstGeom>
         </p:spPr>
         <p:txBody>
-          <a:bodyPr lIns="0" rIns="0" tIns="0" bIns="0" anchor="ctr"/>
+          <a:bodyPr lIns="0" tIns="0" rIns="0" bIns="0" anchor="ctr"/>
+          <a:lstStyle/>
           <a:p>
             <a:pPr algn="ctr"/>
-            <a:endParaRPr b="0" lang="pl-PL" sz="4400" spc="-1" strike="noStrike">
-              <a:solidFill>
-                <a:srgbClr val="000000"/>
-              </a:solidFill>
-              <a:uFill>
-                <a:solidFill>
-                  <a:srgbClr val="ffffff"/>
+            <a:endParaRPr lang="pl-PL" sz="4400" b="0" strike="noStrike" spc="-1">
+              <a:solidFill>
+                <a:srgbClr val="000000"/>
+              </a:solidFill>
+              <a:uFill>
+                <a:solidFill>
+                  <a:srgbClr val="FFFFFF"/>
                 </a:solidFill>
               </a:uFill>
               <a:latin typeface="Arial"/>
@@ -2290,15 +2487,16 @@
           </a:prstGeom>
         </p:spPr>
         <p:txBody>
-          <a:bodyPr lIns="0" rIns="0" tIns="0" bIns="0"/>
-          <a:p>
-            <a:endParaRPr b="0" lang="pl-PL" sz="3200" spc="-1" strike="noStrike">
-              <a:solidFill>
-                <a:srgbClr val="000000"/>
-              </a:solidFill>
-              <a:uFill>
-                <a:solidFill>
-                  <a:srgbClr val="ffffff"/>
+          <a:bodyPr lIns="0" tIns="0" rIns="0" bIns="0"/>
+          <a:lstStyle/>
+          <a:p>
+            <a:endParaRPr lang="pl-PL" sz="3200" b="0" strike="noStrike" spc="-1">
+              <a:solidFill>
+                <a:srgbClr val="000000"/>
+              </a:solidFill>
+              <a:uFill>
+                <a:solidFill>
+                  <a:srgbClr val="FFFFFF"/>
                 </a:solidFill>
               </a:uFill>
               <a:latin typeface="Arial"/>
@@ -2326,15 +2524,16 @@
           </a:prstGeom>
         </p:spPr>
         <p:txBody>
-          <a:bodyPr lIns="0" rIns="0" tIns="0" bIns="0"/>
-          <a:p>
-            <a:endParaRPr b="0" lang="pl-PL" sz="3200" spc="-1" strike="noStrike">
-              <a:solidFill>
-                <a:srgbClr val="000000"/>
-              </a:solidFill>
-              <a:uFill>
-                <a:solidFill>
-                  <a:srgbClr val="ffffff"/>
+          <a:bodyPr lIns="0" tIns="0" rIns="0" bIns="0"/>
+          <a:lstStyle/>
+          <a:p>
+            <a:endParaRPr lang="pl-PL" sz="3200" b="0" strike="noStrike" spc="-1">
+              <a:solidFill>
+                <a:srgbClr val="000000"/>
+              </a:solidFill>
+              <a:uFill>
+                <a:solidFill>
+                  <a:srgbClr val="FFFFFF"/>
                 </a:solidFill>
               </a:uFill>
               <a:latin typeface="Arial"/>
@@ -2344,11 +2543,14 @@
       </p:sp>
     </p:spTree>
   </p:cSld>
+  <p:clrMapOvr>
+    <a:masterClrMapping/>
+  </p:clrMapOvr>
 </p:sldLayout>
 </file>
 
 <file path=ppt/slideLayouts/slideLayout5.xml><?xml version="1.0" encoding="utf-8"?>
-<p:sldLayout xmlns:a="http://schemas.openxmlformats.org/drawingml/2006/main" xmlns:p="http://schemas.openxmlformats.org/presentationml/2006/main" xmlns:r="http://schemas.openxmlformats.org/officeDocument/2006/relationships" xmlns:p14="http://schemas.microsoft.com/office/powerpoint/2010/main" xmlns:p15="http://schemas.microsoft.com/office/powerpoint/2012/main" xmlns:mc="http://schemas.openxmlformats.org/markup-compatibility/2006" type="titleOnly" preserve="1">
+<p:sldLayout xmlns:a="http://schemas.openxmlformats.org/drawingml/2006/main" xmlns:r="http://schemas.openxmlformats.org/officeDocument/2006/relationships" xmlns:p="http://schemas.openxmlformats.org/presentationml/2006/main" type="titleOnly" preserve="1">
   <p:cSld name="Title Only">
     <p:spTree>
       <p:nvGrpSpPr>
@@ -2384,16 +2586,17 @@
           </a:prstGeom>
         </p:spPr>
         <p:txBody>
-          <a:bodyPr lIns="0" rIns="0" tIns="0" bIns="0" anchor="ctr"/>
+          <a:bodyPr lIns="0" tIns="0" rIns="0" bIns="0" anchor="ctr"/>
+          <a:lstStyle/>
           <a:p>
             <a:pPr algn="ctr"/>
-            <a:endParaRPr b="0" lang="pl-PL" sz="4400" spc="-1" strike="noStrike">
-              <a:solidFill>
-                <a:srgbClr val="000000"/>
-              </a:solidFill>
-              <a:uFill>
-                <a:solidFill>
-                  <a:srgbClr val="ffffff"/>
+            <a:endParaRPr lang="pl-PL" sz="4400" b="0" strike="noStrike" spc="-1">
+              <a:solidFill>
+                <a:srgbClr val="000000"/>
+              </a:solidFill>
+              <a:uFill>
+                <a:solidFill>
+                  <a:srgbClr val="FFFFFF"/>
                 </a:solidFill>
               </a:uFill>
               <a:latin typeface="Arial"/>
@@ -2403,11 +2606,14 @@
       </p:sp>
     </p:spTree>
   </p:cSld>
+  <p:clrMapOvr>
+    <a:masterClrMapping/>
+  </p:clrMapOvr>
 </p:sldLayout>
 </file>
 
 <file path=ppt/slideLayouts/slideLayout6.xml><?xml version="1.0" encoding="utf-8"?>
-<p:sldLayout xmlns:a="http://schemas.openxmlformats.org/drawingml/2006/main" xmlns:p="http://schemas.openxmlformats.org/presentationml/2006/main" xmlns:r="http://schemas.openxmlformats.org/officeDocument/2006/relationships" xmlns:p14="http://schemas.microsoft.com/office/powerpoint/2010/main" xmlns:p15="http://schemas.microsoft.com/office/powerpoint/2012/main" xmlns:mc="http://schemas.openxmlformats.org/markup-compatibility/2006" type="objOnly" preserve="1">
+<p:sldLayout xmlns:a="http://schemas.openxmlformats.org/drawingml/2006/main" xmlns:r="http://schemas.openxmlformats.org/officeDocument/2006/relationships" xmlns:p="http://schemas.openxmlformats.org/presentationml/2006/main" type="objOnly" preserve="1">
   <p:cSld name="Centered Text">
     <p:spTree>
       <p:nvGrpSpPr>
@@ -2443,16 +2649,17 @@
           </a:prstGeom>
         </p:spPr>
         <p:txBody>
-          <a:bodyPr lIns="0" rIns="0" tIns="0" bIns="0" anchor="ctr"/>
+          <a:bodyPr lIns="0" tIns="0" rIns="0" bIns="0" anchor="ctr"/>
+          <a:lstStyle/>
           <a:p>
             <a:pPr algn="ctr"/>
-            <a:endParaRPr b="0" lang="pl-PL" sz="3200" spc="-1" strike="noStrike">
-              <a:solidFill>
-                <a:srgbClr val="000000"/>
-              </a:solidFill>
-              <a:uFill>
-                <a:solidFill>
-                  <a:srgbClr val="ffffff"/>
+            <a:endParaRPr lang="pl-PL" sz="3200" b="0" strike="noStrike" spc="-1">
+              <a:solidFill>
+                <a:srgbClr val="000000"/>
+              </a:solidFill>
+              <a:uFill>
+                <a:solidFill>
+                  <a:srgbClr val="FFFFFF"/>
                 </a:solidFill>
               </a:uFill>
               <a:latin typeface="Arial"/>
@@ -2462,11 +2669,14 @@
       </p:sp>
     </p:spTree>
   </p:cSld>
+  <p:clrMapOvr>
+    <a:masterClrMapping/>
+  </p:clrMapOvr>
 </p:sldLayout>
 </file>
 
 <file path=ppt/slideLayouts/slideLayout7.xml><?xml version="1.0" encoding="utf-8"?>
-<p:sldLayout xmlns:a="http://schemas.openxmlformats.org/drawingml/2006/main" xmlns:p="http://schemas.openxmlformats.org/presentationml/2006/main" xmlns:r="http://schemas.openxmlformats.org/officeDocument/2006/relationships" xmlns:p14="http://schemas.microsoft.com/office/powerpoint/2010/main" xmlns:p15="http://schemas.microsoft.com/office/powerpoint/2012/main" xmlns:mc="http://schemas.openxmlformats.org/markup-compatibility/2006" type="twoObjAndObj" preserve="1">
+<p:sldLayout xmlns:a="http://schemas.openxmlformats.org/drawingml/2006/main" xmlns:r="http://schemas.openxmlformats.org/officeDocument/2006/relationships" xmlns:p="http://schemas.openxmlformats.org/presentationml/2006/main" type="twoObjAndObj" preserve="1">
   <p:cSld name="Title, 2 Content and Content">
     <p:spTree>
       <p:nvGrpSpPr>
@@ -2502,16 +2712,17 @@
           </a:prstGeom>
         </p:spPr>
         <p:txBody>
-          <a:bodyPr lIns="0" rIns="0" tIns="0" bIns="0" anchor="ctr"/>
+          <a:bodyPr lIns="0" tIns="0" rIns="0" bIns="0" anchor="ctr"/>
+          <a:lstStyle/>
           <a:p>
             <a:pPr algn="ctr"/>
-            <a:endParaRPr b="0" lang="pl-PL" sz="4400" spc="-1" strike="noStrike">
-              <a:solidFill>
-                <a:srgbClr val="000000"/>
-              </a:solidFill>
-              <a:uFill>
-                <a:solidFill>
-                  <a:srgbClr val="ffffff"/>
+            <a:endParaRPr lang="pl-PL" sz="4400" b="0" strike="noStrike" spc="-1">
+              <a:solidFill>
+                <a:srgbClr val="000000"/>
+              </a:solidFill>
+              <a:uFill>
+                <a:solidFill>
+                  <a:srgbClr val="FFFFFF"/>
                 </a:solidFill>
               </a:uFill>
               <a:latin typeface="Arial"/>
@@ -2539,15 +2750,16 @@
           </a:prstGeom>
         </p:spPr>
         <p:txBody>
-          <a:bodyPr lIns="0" rIns="0" tIns="0" bIns="0"/>
-          <a:p>
-            <a:endParaRPr b="0" lang="pl-PL" sz="3200" spc="-1" strike="noStrike">
-              <a:solidFill>
-                <a:srgbClr val="000000"/>
-              </a:solidFill>
-              <a:uFill>
-                <a:solidFill>
-                  <a:srgbClr val="ffffff"/>
+          <a:bodyPr lIns="0" tIns="0" rIns="0" bIns="0"/>
+          <a:lstStyle/>
+          <a:p>
+            <a:endParaRPr lang="pl-PL" sz="3200" b="0" strike="noStrike" spc="-1">
+              <a:solidFill>
+                <a:srgbClr val="000000"/>
+              </a:solidFill>
+              <a:uFill>
+                <a:solidFill>
+                  <a:srgbClr val="FFFFFF"/>
                 </a:solidFill>
               </a:uFill>
               <a:latin typeface="Arial"/>
@@ -2575,15 +2787,16 @@
           </a:prstGeom>
         </p:spPr>
         <p:txBody>
-          <a:bodyPr lIns="0" rIns="0" tIns="0" bIns="0"/>
-          <a:p>
-            <a:endParaRPr b="0" lang="pl-PL" sz="3200" spc="-1" strike="noStrike">
-              <a:solidFill>
-                <a:srgbClr val="000000"/>
-              </a:solidFill>
-              <a:uFill>
-                <a:solidFill>
-                  <a:srgbClr val="ffffff"/>
+          <a:bodyPr lIns="0" tIns="0" rIns="0" bIns="0"/>
+          <a:lstStyle/>
+          <a:p>
+            <a:endParaRPr lang="pl-PL" sz="3200" b="0" strike="noStrike" spc="-1">
+              <a:solidFill>
+                <a:srgbClr val="000000"/>
+              </a:solidFill>
+              <a:uFill>
+                <a:solidFill>
+                  <a:srgbClr val="FFFFFF"/>
                 </a:solidFill>
               </a:uFill>
               <a:latin typeface="Arial"/>
@@ -2611,15 +2824,16 @@
           </a:prstGeom>
         </p:spPr>
         <p:txBody>
-          <a:bodyPr lIns="0" rIns="0" tIns="0" bIns="0"/>
-          <a:p>
-            <a:endParaRPr b="0" lang="pl-PL" sz="3200" spc="-1" strike="noStrike">
-              <a:solidFill>
-                <a:srgbClr val="000000"/>
-              </a:solidFill>
-              <a:uFill>
-                <a:solidFill>
-                  <a:srgbClr val="ffffff"/>
+          <a:bodyPr lIns="0" tIns="0" rIns="0" bIns="0"/>
+          <a:lstStyle/>
+          <a:p>
+            <a:endParaRPr lang="pl-PL" sz="3200" b="0" strike="noStrike" spc="-1">
+              <a:solidFill>
+                <a:srgbClr val="000000"/>
+              </a:solidFill>
+              <a:uFill>
+                <a:solidFill>
+                  <a:srgbClr val="FFFFFF"/>
                 </a:solidFill>
               </a:uFill>
               <a:latin typeface="Arial"/>
@@ -2629,11 +2843,14 @@
       </p:sp>
     </p:spTree>
   </p:cSld>
+  <p:clrMapOvr>
+    <a:masterClrMapping/>
+  </p:clrMapOvr>
 </p:sldLayout>
 </file>
 
 <file path=ppt/slideLayouts/slideLayout8.xml><?xml version="1.0" encoding="utf-8"?>
-<p:sldLayout xmlns:a="http://schemas.openxmlformats.org/drawingml/2006/main" xmlns:p="http://schemas.openxmlformats.org/presentationml/2006/main" xmlns:r="http://schemas.openxmlformats.org/officeDocument/2006/relationships" xmlns:p14="http://schemas.microsoft.com/office/powerpoint/2010/main" xmlns:p15="http://schemas.microsoft.com/office/powerpoint/2012/main" xmlns:mc="http://schemas.openxmlformats.org/markup-compatibility/2006" type="objAndTwoObj" preserve="1">
+<p:sldLayout xmlns:a="http://schemas.openxmlformats.org/drawingml/2006/main" xmlns:r="http://schemas.openxmlformats.org/officeDocument/2006/relationships" xmlns:p="http://schemas.openxmlformats.org/presentationml/2006/main" type="objAndTwoObj" preserve="1">
   <p:cSld name="Title Content and 2 Content">
     <p:spTree>
       <p:nvGrpSpPr>
@@ -2669,16 +2886,17 @@
           </a:prstGeom>
         </p:spPr>
         <p:txBody>
-          <a:bodyPr lIns="0" rIns="0" tIns="0" bIns="0" anchor="ctr"/>
+          <a:bodyPr lIns="0" tIns="0" rIns="0" bIns="0" anchor="ctr"/>
+          <a:lstStyle/>
           <a:p>
             <a:pPr algn="ctr"/>
-            <a:endParaRPr b="0" lang="pl-PL" sz="4400" spc="-1" strike="noStrike">
-              <a:solidFill>
-                <a:srgbClr val="000000"/>
-              </a:solidFill>
-              <a:uFill>
-                <a:solidFill>
-                  <a:srgbClr val="ffffff"/>
+            <a:endParaRPr lang="pl-PL" sz="4400" b="0" strike="noStrike" spc="-1">
+              <a:solidFill>
+                <a:srgbClr val="000000"/>
+              </a:solidFill>
+              <a:uFill>
+                <a:solidFill>
+                  <a:srgbClr val="FFFFFF"/>
                 </a:solidFill>
               </a:uFill>
               <a:latin typeface="Arial"/>
@@ -2706,15 +2924,16 @@
           </a:prstGeom>
         </p:spPr>
         <p:txBody>
-          <a:bodyPr lIns="0" rIns="0" tIns="0" bIns="0"/>
-          <a:p>
-            <a:endParaRPr b="0" lang="pl-PL" sz="3200" spc="-1" strike="noStrike">
-              <a:solidFill>
-                <a:srgbClr val="000000"/>
-              </a:solidFill>
-              <a:uFill>
-                <a:solidFill>
-                  <a:srgbClr val="ffffff"/>
+          <a:bodyPr lIns="0" tIns="0" rIns="0" bIns="0"/>
+          <a:lstStyle/>
+          <a:p>
+            <a:endParaRPr lang="pl-PL" sz="3200" b="0" strike="noStrike" spc="-1">
+              <a:solidFill>
+                <a:srgbClr val="000000"/>
+              </a:solidFill>
+              <a:uFill>
+                <a:solidFill>
+                  <a:srgbClr val="FFFFFF"/>
                 </a:solidFill>
               </a:uFill>
               <a:latin typeface="Arial"/>
@@ -2742,15 +2961,16 @@
           </a:prstGeom>
         </p:spPr>
         <p:txBody>
-          <a:bodyPr lIns="0" rIns="0" tIns="0" bIns="0"/>
-          <a:p>
-            <a:endParaRPr b="0" lang="pl-PL" sz="3200" spc="-1" strike="noStrike">
-              <a:solidFill>
-                <a:srgbClr val="000000"/>
-              </a:solidFill>
-              <a:uFill>
-                <a:solidFill>
-                  <a:srgbClr val="ffffff"/>
+          <a:bodyPr lIns="0" tIns="0" rIns="0" bIns="0"/>
+          <a:lstStyle/>
+          <a:p>
+            <a:endParaRPr lang="pl-PL" sz="3200" b="0" strike="noStrike" spc="-1">
+              <a:solidFill>
+                <a:srgbClr val="000000"/>
+              </a:solidFill>
+              <a:uFill>
+                <a:solidFill>
+                  <a:srgbClr val="FFFFFF"/>
                 </a:solidFill>
               </a:uFill>
               <a:latin typeface="Arial"/>
@@ -2778,15 +2998,16 @@
           </a:prstGeom>
         </p:spPr>
         <p:txBody>
-          <a:bodyPr lIns="0" rIns="0" tIns="0" bIns="0"/>
-          <a:p>
-            <a:endParaRPr b="0" lang="pl-PL" sz="3200" spc="-1" strike="noStrike">
-              <a:solidFill>
-                <a:srgbClr val="000000"/>
-              </a:solidFill>
-              <a:uFill>
-                <a:solidFill>
-                  <a:srgbClr val="ffffff"/>
+          <a:bodyPr lIns="0" tIns="0" rIns="0" bIns="0"/>
+          <a:lstStyle/>
+          <a:p>
+            <a:endParaRPr lang="pl-PL" sz="3200" b="0" strike="noStrike" spc="-1">
+              <a:solidFill>
+                <a:srgbClr val="000000"/>
+              </a:solidFill>
+              <a:uFill>
+                <a:solidFill>
+                  <a:srgbClr val="FFFFFF"/>
                 </a:solidFill>
               </a:uFill>
               <a:latin typeface="Arial"/>
@@ -2796,11 +3017,14 @@
       </p:sp>
     </p:spTree>
   </p:cSld>
+  <p:clrMapOvr>
+    <a:masterClrMapping/>
+  </p:clrMapOvr>
 </p:sldLayout>
 </file>
 
 <file path=ppt/slideLayouts/slideLayout9.xml><?xml version="1.0" encoding="utf-8"?>
-<p:sldLayout xmlns:a="http://schemas.openxmlformats.org/drawingml/2006/main" xmlns:p="http://schemas.openxmlformats.org/presentationml/2006/main" xmlns:r="http://schemas.openxmlformats.org/officeDocument/2006/relationships" xmlns:p14="http://schemas.microsoft.com/office/powerpoint/2010/main" xmlns:p15="http://schemas.microsoft.com/office/powerpoint/2012/main" xmlns:mc="http://schemas.openxmlformats.org/markup-compatibility/2006" type="twoObjOverTx" preserve="1">
+<p:sldLayout xmlns:a="http://schemas.openxmlformats.org/drawingml/2006/main" xmlns:r="http://schemas.openxmlformats.org/officeDocument/2006/relationships" xmlns:p="http://schemas.openxmlformats.org/presentationml/2006/main" type="twoObjOverTx" preserve="1">
   <p:cSld name="Title, 2 Content over Content">
     <p:spTree>
       <p:nvGrpSpPr>
@@ -2836,16 +3060,17 @@
           </a:prstGeom>
         </p:spPr>
         <p:txBody>
-          <a:bodyPr lIns="0" rIns="0" tIns="0" bIns="0" anchor="ctr"/>
+          <a:bodyPr lIns="0" tIns="0" rIns="0" bIns="0" anchor="ctr"/>
+          <a:lstStyle/>
           <a:p>
             <a:pPr algn="ctr"/>
-            <a:endParaRPr b="0" lang="pl-PL" sz="4400" spc="-1" strike="noStrike">
-              <a:solidFill>
-                <a:srgbClr val="000000"/>
-              </a:solidFill>
-              <a:uFill>
-                <a:solidFill>
-                  <a:srgbClr val="ffffff"/>
+            <a:endParaRPr lang="pl-PL" sz="4400" b="0" strike="noStrike" spc="-1">
+              <a:solidFill>
+                <a:srgbClr val="000000"/>
+              </a:solidFill>
+              <a:uFill>
+                <a:solidFill>
+                  <a:srgbClr val="FFFFFF"/>
                 </a:solidFill>
               </a:uFill>
               <a:latin typeface="Arial"/>
@@ -2873,15 +3098,16 @@
           </a:prstGeom>
         </p:spPr>
         <p:txBody>
-          <a:bodyPr lIns="0" rIns="0" tIns="0" bIns="0"/>
-          <a:p>
-            <a:endParaRPr b="0" lang="pl-PL" sz="3200" spc="-1" strike="noStrike">
-              <a:solidFill>
-                <a:srgbClr val="000000"/>
-              </a:solidFill>
-              <a:uFill>
-                <a:solidFill>
-                  <a:srgbClr val="ffffff"/>
+          <a:bodyPr lIns="0" tIns="0" rIns="0" bIns="0"/>
+          <a:lstStyle/>
+          <a:p>
+            <a:endParaRPr lang="pl-PL" sz="3200" b="0" strike="noStrike" spc="-1">
+              <a:solidFill>
+                <a:srgbClr val="000000"/>
+              </a:solidFill>
+              <a:uFill>
+                <a:solidFill>
+                  <a:srgbClr val="FFFFFF"/>
                 </a:solidFill>
               </a:uFill>
               <a:latin typeface="Arial"/>
@@ -2909,15 +3135,16 @@
           </a:prstGeom>
         </p:spPr>
         <p:txBody>
-          <a:bodyPr lIns="0" rIns="0" tIns="0" bIns="0"/>
-          <a:p>
-            <a:endParaRPr b="0" lang="pl-PL" sz="3200" spc="-1" strike="noStrike">
-              <a:solidFill>
-                <a:srgbClr val="000000"/>
-              </a:solidFill>
-              <a:uFill>
-                <a:solidFill>
-                  <a:srgbClr val="ffffff"/>
+          <a:bodyPr lIns="0" tIns="0" rIns="0" bIns="0"/>
+          <a:lstStyle/>
+          <a:p>
+            <a:endParaRPr lang="pl-PL" sz="3200" b="0" strike="noStrike" spc="-1">
+              <a:solidFill>
+                <a:srgbClr val="000000"/>
+              </a:solidFill>
+              <a:uFill>
+                <a:solidFill>
+                  <a:srgbClr val="FFFFFF"/>
                 </a:solidFill>
               </a:uFill>
               <a:latin typeface="Arial"/>
@@ -2945,15 +3172,16 @@
           </a:prstGeom>
         </p:spPr>
         <p:txBody>
-          <a:bodyPr lIns="0" rIns="0" tIns="0" bIns="0"/>
-          <a:p>
-            <a:endParaRPr b="0" lang="pl-PL" sz="3200" spc="-1" strike="noStrike">
-              <a:solidFill>
-                <a:srgbClr val="000000"/>
-              </a:solidFill>
-              <a:uFill>
-                <a:solidFill>
-                  <a:srgbClr val="ffffff"/>
+          <a:bodyPr lIns="0" tIns="0" rIns="0" bIns="0"/>
+          <a:lstStyle/>
+          <a:p>
+            <a:endParaRPr lang="pl-PL" sz="3200" b="0" strike="noStrike" spc="-1">
+              <a:solidFill>
+                <a:srgbClr val="000000"/>
+              </a:solidFill>
+              <a:uFill>
+                <a:solidFill>
+                  <a:srgbClr val="FFFFFF"/>
                 </a:solidFill>
               </a:uFill>
               <a:latin typeface="Arial"/>
@@ -2963,11 +3191,14 @@
       </p:sp>
     </p:spTree>
   </p:cSld>
+  <p:clrMapOvr>
+    <a:masterClrMapping/>
+  </p:clrMapOvr>
 </p:sldLayout>
 </file>
 
 <file path=ppt/slideMasters/slideMaster1.xml><?xml version="1.0" encoding="utf-8"?>
-<p:sldMaster xmlns:a="http://schemas.openxmlformats.org/drawingml/2006/main" xmlns:p="http://schemas.openxmlformats.org/presentationml/2006/main" xmlns:r="http://schemas.openxmlformats.org/officeDocument/2006/relationships" xmlns:p14="http://schemas.microsoft.com/office/powerpoint/2010/main" xmlns:p15="http://schemas.microsoft.com/office/powerpoint/2012/main" xmlns:mc="http://schemas.openxmlformats.org/markup-compatibility/2006">
+<p:sldMaster xmlns:a="http://schemas.openxmlformats.org/drawingml/2006/main" xmlns:r="http://schemas.openxmlformats.org/officeDocument/2006/relationships" xmlns:p="http://schemas.openxmlformats.org/presentationml/2006/main">
   <p:cSld>
     <p:spTree>
       <p:nvGrpSpPr>
@@ -2985,7 +3216,7 @@
       </p:grpSpPr>
       <p:sp>
         <p:nvSpPr>
-          <p:cNvPr id="0" name="PlaceHolder 1"/>
+          <p:cNvPr id="2" name="PlaceHolder 1"/>
           <p:cNvSpPr>
             <a:spLocks noGrp="1"/>
           </p:cNvSpPr>
@@ -3003,26 +3234,27 @@
           </a:prstGeom>
         </p:spPr>
         <p:txBody>
-          <a:bodyPr lIns="0" rIns="0" tIns="0" bIns="0" anchor="ctr"/>
+          <a:bodyPr lIns="0" tIns="0" rIns="0" bIns="0" anchor="ctr"/>
+          <a:lstStyle/>
           <a:p>
             <a:pPr algn="ctr"/>
-            <a:endParaRPr b="0" lang="pl-PL" sz="4400" spc="-1" strike="noStrike">
-              <a:solidFill>
-                <a:srgbClr val="000000"/>
-              </a:solidFill>
-              <a:uFill>
-                <a:solidFill>
-                  <a:srgbClr val="ffffff"/>
-                </a:solidFill>
-              </a:uFill>
-              <a:latin typeface="Arial"/>
-            </a:endParaRPr>
-          </a:p>
-        </p:txBody>
-      </p:sp>
-      <p:sp>
-        <p:nvSpPr>
-          <p:cNvPr id="1" name="PlaceHolder 2"/>
+            <a:endParaRPr lang="pl-PL" sz="4400" b="0" strike="noStrike" spc="-1">
+              <a:solidFill>
+                <a:srgbClr val="000000"/>
+              </a:solidFill>
+              <a:uFill>
+                <a:solidFill>
+                  <a:srgbClr val="FFFFFF"/>
+                </a:solidFill>
+              </a:uFill>
+              <a:latin typeface="Arial"/>
+            </a:endParaRPr>
+          </a:p>
+        </p:txBody>
+      </p:sp>
+      <p:sp>
+        <p:nvSpPr>
+          <p:cNvPr id="3" name="PlaceHolder 2"/>
           <p:cNvSpPr>
             <a:spLocks noGrp="1"/>
           </p:cNvSpPr>
@@ -3040,7 +3272,8 @@
           </a:prstGeom>
         </p:spPr>
         <p:txBody>
-          <a:bodyPr lIns="0" rIns="0" tIns="0" bIns="0"/>
+          <a:bodyPr lIns="0" tIns="0" rIns="0" bIns="0"/>
+          <a:lstStyle/>
           <a:p>
             <a:pPr marL="432000" indent="-324000">
               <a:buClr>
@@ -3051,33 +3284,22 @@
               <a:buChar char=""/>
             </a:pPr>
             <a:r>
-              <a:rPr b="0" lang="pl-PL" sz="3200" spc="-1" strike="noStrike">
-                <a:solidFill>
-                  <a:srgbClr val="000000"/>
-                </a:solidFill>
-                <a:uFill>
-                  <a:solidFill>
-                    <a:srgbClr val="ffffff"/>
+              <a:rPr lang="pl-PL" sz="3200" b="0" strike="noStrike" spc="-1">
+                <a:solidFill>
+                  <a:srgbClr val="000000"/>
+                </a:solidFill>
+                <a:uFill>
+                  <a:solidFill>
+                    <a:srgbClr val="FFFFFF"/>
                   </a:solidFill>
                 </a:uFill>
                 <a:latin typeface="Arial"/>
               </a:rPr>
               <a:t>Kliknij, aby edytować format tekstu konspektu</a:t>
             </a:r>
-            <a:endParaRPr b="0" lang="pl-PL" sz="3200" spc="-1" strike="noStrike">
-              <a:solidFill>
-                <a:srgbClr val="000000"/>
-              </a:solidFill>
-              <a:uFill>
-                <a:solidFill>
-                  <a:srgbClr val="ffffff"/>
-                </a:solidFill>
-              </a:uFill>
-              <a:latin typeface="Arial"/>
-            </a:endParaRPr>
-          </a:p>
-          <a:p>
-            <a:pPr lvl="1" marL="864000" indent="-324000">
+          </a:p>
+          <a:p>
+            <a:pPr marL="864000" lvl="1" indent="-324000">
               <a:buClr>
                 <a:srgbClr val="000000"/>
               </a:buClr>
@@ -3086,33 +3308,22 @@
               <a:buChar char=""/>
             </a:pPr>
             <a:r>
-              <a:rPr b="0" lang="pl-PL" sz="2800" spc="-1" strike="noStrike">
-                <a:solidFill>
-                  <a:srgbClr val="000000"/>
-                </a:solidFill>
-                <a:uFill>
-                  <a:solidFill>
-                    <a:srgbClr val="ffffff"/>
+              <a:rPr lang="pl-PL" sz="2800" b="0" strike="noStrike" spc="-1">
+                <a:solidFill>
+                  <a:srgbClr val="000000"/>
+                </a:solidFill>
+                <a:uFill>
+                  <a:solidFill>
+                    <a:srgbClr val="FFFFFF"/>
                   </a:solidFill>
                 </a:uFill>
                 <a:latin typeface="Arial"/>
               </a:rPr>
               <a:t>Drugi poziom konspektu</a:t>
             </a:r>
-            <a:endParaRPr b="0" lang="pl-PL" sz="2800" spc="-1" strike="noStrike">
-              <a:solidFill>
-                <a:srgbClr val="000000"/>
-              </a:solidFill>
-              <a:uFill>
-                <a:solidFill>
-                  <a:srgbClr val="ffffff"/>
-                </a:solidFill>
-              </a:uFill>
-              <a:latin typeface="Arial"/>
-            </a:endParaRPr>
-          </a:p>
-          <a:p>
-            <a:pPr lvl="2" marL="1296000" indent="-288000">
+          </a:p>
+          <a:p>
+            <a:pPr marL="1296000" lvl="2" indent="-288000">
               <a:buClr>
                 <a:srgbClr val="000000"/>
               </a:buClr>
@@ -3121,33 +3332,22 @@
               <a:buChar char=""/>
             </a:pPr>
             <a:r>
-              <a:rPr b="0" lang="pl-PL" sz="2400" spc="-1" strike="noStrike">
-                <a:solidFill>
-                  <a:srgbClr val="000000"/>
-                </a:solidFill>
-                <a:uFill>
-                  <a:solidFill>
-                    <a:srgbClr val="ffffff"/>
+              <a:rPr lang="pl-PL" sz="2400" b="0" strike="noStrike" spc="-1">
+                <a:solidFill>
+                  <a:srgbClr val="000000"/>
+                </a:solidFill>
+                <a:uFill>
+                  <a:solidFill>
+                    <a:srgbClr val="FFFFFF"/>
                   </a:solidFill>
                 </a:uFill>
                 <a:latin typeface="Arial"/>
               </a:rPr>
               <a:t>Trzeci poziom konspektu</a:t>
             </a:r>
-            <a:endParaRPr b="0" lang="pl-PL" sz="2400" spc="-1" strike="noStrike">
-              <a:solidFill>
-                <a:srgbClr val="000000"/>
-              </a:solidFill>
-              <a:uFill>
-                <a:solidFill>
-                  <a:srgbClr val="ffffff"/>
-                </a:solidFill>
-              </a:uFill>
-              <a:latin typeface="Arial"/>
-            </a:endParaRPr>
-          </a:p>
-          <a:p>
-            <a:pPr lvl="3" marL="1728000" indent="-216000">
+          </a:p>
+          <a:p>
+            <a:pPr marL="1728000" lvl="3" indent="-216000">
               <a:buClr>
                 <a:srgbClr val="000000"/>
               </a:buClr>
@@ -3156,33 +3356,22 @@
               <a:buChar char=""/>
             </a:pPr>
             <a:r>
-              <a:rPr b="0" lang="pl-PL" sz="2000" spc="-1" strike="noStrike">
-                <a:solidFill>
-                  <a:srgbClr val="000000"/>
-                </a:solidFill>
-                <a:uFill>
-                  <a:solidFill>
-                    <a:srgbClr val="ffffff"/>
+              <a:rPr lang="pl-PL" sz="2000" b="0" strike="noStrike" spc="-1">
+                <a:solidFill>
+                  <a:srgbClr val="000000"/>
+                </a:solidFill>
+                <a:uFill>
+                  <a:solidFill>
+                    <a:srgbClr val="FFFFFF"/>
                   </a:solidFill>
                 </a:uFill>
                 <a:latin typeface="Arial"/>
               </a:rPr>
               <a:t>Czwarty poziom konspektu</a:t>
             </a:r>
-            <a:endParaRPr b="0" lang="pl-PL" sz="2000" spc="-1" strike="noStrike">
-              <a:solidFill>
-                <a:srgbClr val="000000"/>
-              </a:solidFill>
-              <a:uFill>
-                <a:solidFill>
-                  <a:srgbClr val="ffffff"/>
-                </a:solidFill>
-              </a:uFill>
-              <a:latin typeface="Arial"/>
-            </a:endParaRPr>
-          </a:p>
-          <a:p>
-            <a:pPr lvl="4" marL="2160000" indent="-216000">
+          </a:p>
+          <a:p>
+            <a:pPr marL="2160000" lvl="4" indent="-216000">
               <a:buClr>
                 <a:srgbClr val="000000"/>
               </a:buClr>
@@ -3191,33 +3380,22 @@
               <a:buChar char=""/>
             </a:pPr>
             <a:r>
-              <a:rPr b="0" lang="pl-PL" sz="2000" spc="-1" strike="noStrike">
-                <a:solidFill>
-                  <a:srgbClr val="000000"/>
-                </a:solidFill>
-                <a:uFill>
-                  <a:solidFill>
-                    <a:srgbClr val="ffffff"/>
+              <a:rPr lang="pl-PL" sz="2000" b="0" strike="noStrike" spc="-1">
+                <a:solidFill>
+                  <a:srgbClr val="000000"/>
+                </a:solidFill>
+                <a:uFill>
+                  <a:solidFill>
+                    <a:srgbClr val="FFFFFF"/>
                   </a:solidFill>
                 </a:uFill>
                 <a:latin typeface="Arial"/>
               </a:rPr>
               <a:t>Piąty poziom konspektu</a:t>
             </a:r>
-            <a:endParaRPr b="0" lang="pl-PL" sz="2000" spc="-1" strike="noStrike">
-              <a:solidFill>
-                <a:srgbClr val="000000"/>
-              </a:solidFill>
-              <a:uFill>
-                <a:solidFill>
-                  <a:srgbClr val="ffffff"/>
-                </a:solidFill>
-              </a:uFill>
-              <a:latin typeface="Arial"/>
-            </a:endParaRPr>
-          </a:p>
-          <a:p>
-            <a:pPr lvl="5" marL="2592000" indent="-216000">
+          </a:p>
+          <a:p>
+            <a:pPr marL="2592000" lvl="5" indent="-216000">
               <a:buClr>
                 <a:srgbClr val="000000"/>
               </a:buClr>
@@ -3226,33 +3404,22 @@
               <a:buChar char=""/>
             </a:pPr>
             <a:r>
-              <a:rPr b="0" lang="pl-PL" sz="2000" spc="-1" strike="noStrike">
-                <a:solidFill>
-                  <a:srgbClr val="000000"/>
-                </a:solidFill>
-                <a:uFill>
-                  <a:solidFill>
-                    <a:srgbClr val="ffffff"/>
+              <a:rPr lang="pl-PL" sz="2000" b="0" strike="noStrike" spc="-1">
+                <a:solidFill>
+                  <a:srgbClr val="000000"/>
+                </a:solidFill>
+                <a:uFill>
+                  <a:solidFill>
+                    <a:srgbClr val="FFFFFF"/>
                   </a:solidFill>
                 </a:uFill>
                 <a:latin typeface="Arial"/>
               </a:rPr>
               <a:t>Szósty poziom konspektu</a:t>
             </a:r>
-            <a:endParaRPr b="0" lang="pl-PL" sz="2000" spc="-1" strike="noStrike">
-              <a:solidFill>
-                <a:srgbClr val="000000"/>
-              </a:solidFill>
-              <a:uFill>
-                <a:solidFill>
-                  <a:srgbClr val="ffffff"/>
-                </a:solidFill>
-              </a:uFill>
-              <a:latin typeface="Arial"/>
-            </a:endParaRPr>
-          </a:p>
-          <a:p>
-            <a:pPr lvl="6" marL="3024000" indent="-216000">
+          </a:p>
+          <a:p>
+            <a:pPr marL="3024000" lvl="6" indent="-216000">
               <a:buClr>
                 <a:srgbClr val="000000"/>
               </a:buClr>
@@ -3261,55 +3428,49 @@
               <a:buChar char=""/>
             </a:pPr>
             <a:r>
-              <a:rPr b="0" lang="pl-PL" sz="2000" spc="-1" strike="noStrike">
-                <a:solidFill>
-                  <a:srgbClr val="000000"/>
-                </a:solidFill>
-                <a:uFill>
-                  <a:solidFill>
-                    <a:srgbClr val="ffffff"/>
+              <a:rPr lang="pl-PL" sz="2000" b="0" strike="noStrike" spc="-1">
+                <a:solidFill>
+                  <a:srgbClr val="000000"/>
+                </a:solidFill>
+                <a:uFill>
+                  <a:solidFill>
+                    <a:srgbClr val="FFFFFF"/>
                   </a:solidFill>
                 </a:uFill>
                 <a:latin typeface="Arial"/>
               </a:rPr>
               <a:t>Siódmy poziom konspektu</a:t>
             </a:r>
-            <a:endParaRPr b="0" lang="pl-PL" sz="2000" spc="-1" strike="noStrike">
-              <a:solidFill>
-                <a:srgbClr val="000000"/>
-              </a:solidFill>
-              <a:uFill>
-                <a:solidFill>
-                  <a:srgbClr val="ffffff"/>
-                </a:solidFill>
-              </a:uFill>
-              <a:latin typeface="Arial"/>
-            </a:endParaRPr>
           </a:p>
         </p:txBody>
       </p:sp>
     </p:spTree>
   </p:cSld>
-  <p:clrMap bg1="lt1" bg2="lt2" tx1="dk1" tx2="dk2" accent1="accent1" accent2="accent2" accent3="accent3" accent4="accent4" accent5="accent5" accent6="accent6" hlink="hlink" folHlink="folHlink"/>
+  <p:clrMap bg1="lt1" tx1="dk1" bg2="lt2" tx2="dk2" accent1="accent1" accent2="accent2" accent3="accent3" accent4="accent4" accent5="accent5" accent6="accent6" hlink="hlink" folHlink="folHlink"/>
   <p:sldLayoutIdLst>
-    <p:sldLayoutId id="2147483649" r:id="rId2"/>
-    <p:sldLayoutId id="2147483650" r:id="rId3"/>
-    <p:sldLayoutId id="2147483651" r:id="rId4"/>
-    <p:sldLayoutId id="2147483652" r:id="rId5"/>
-    <p:sldLayoutId id="2147483653" r:id="rId6"/>
-    <p:sldLayoutId id="2147483654" r:id="rId7"/>
-    <p:sldLayoutId id="2147483655" r:id="rId8"/>
-    <p:sldLayoutId id="2147483656" r:id="rId9"/>
-    <p:sldLayoutId id="2147483657" r:id="rId10"/>
-    <p:sldLayoutId id="2147483658" r:id="rId11"/>
-    <p:sldLayoutId id="2147483659" r:id="rId12"/>
-    <p:sldLayoutId id="2147483660" r:id="rId13"/>
+    <p:sldLayoutId id="2147483649" r:id="rId1"/>
+    <p:sldLayoutId id="2147483650" r:id="rId2"/>
+    <p:sldLayoutId id="2147483651" r:id="rId3"/>
+    <p:sldLayoutId id="2147483652" r:id="rId4"/>
+    <p:sldLayoutId id="2147483653" r:id="rId5"/>
+    <p:sldLayoutId id="2147483654" r:id="rId6"/>
+    <p:sldLayoutId id="2147483655" r:id="rId7"/>
+    <p:sldLayoutId id="2147483656" r:id="rId8"/>
+    <p:sldLayoutId id="2147483657" r:id="rId9"/>
+    <p:sldLayoutId id="2147483658" r:id="rId10"/>
+    <p:sldLayoutId id="2147483659" r:id="rId11"/>
+    <p:sldLayoutId id="2147483660" r:id="rId12"/>
   </p:sldLayoutIdLst>
+  <p:txStyles>
+    <p:titleStyle/>
+    <p:bodyStyle/>
+    <p:otherStyle/>
+  </p:txStyles>
 </p:sldMaster>
 </file>
 
 <file path=ppt/slideMasters/slideMaster2.xml><?xml version="1.0" encoding="utf-8"?>
-<p:sldMaster xmlns:a="http://schemas.openxmlformats.org/drawingml/2006/main" xmlns:p="http://schemas.openxmlformats.org/presentationml/2006/main" xmlns:r="http://schemas.openxmlformats.org/officeDocument/2006/relationships" xmlns:p14="http://schemas.microsoft.com/office/powerpoint/2010/main" xmlns:p15="http://schemas.microsoft.com/office/powerpoint/2012/main" xmlns:mc="http://schemas.openxmlformats.org/markup-compatibility/2006">
+<p:sldMaster xmlns:a="http://schemas.openxmlformats.org/drawingml/2006/main" xmlns:r="http://schemas.openxmlformats.org/officeDocument/2006/relationships" xmlns:p="http://schemas.openxmlformats.org/presentationml/2006/main">
   <p:cSld>
     <p:spTree>
       <p:nvGrpSpPr>
@@ -3345,34 +3506,24 @@
           </a:prstGeom>
         </p:spPr>
         <p:txBody>
-          <a:bodyPr lIns="0" rIns="0" tIns="0" bIns="0" anchor="ctr"/>
+          <a:bodyPr lIns="0" tIns="0" rIns="0" bIns="0" anchor="ctr"/>
+          <a:lstStyle/>
           <a:p>
             <a:pPr algn="ctr"/>
             <a:r>
-              <a:rPr b="0" lang="pl-PL" sz="4400" spc="-1" strike="noStrike">
-                <a:solidFill>
-                  <a:srgbClr val="000000"/>
-                </a:solidFill>
-                <a:uFill>
-                  <a:solidFill>
-                    <a:srgbClr val="ffffff"/>
+              <a:rPr lang="pl-PL" sz="4400" b="0" strike="noStrike" spc="-1">
+                <a:solidFill>
+                  <a:srgbClr val="000000"/>
+                </a:solidFill>
+                <a:uFill>
+                  <a:solidFill>
+                    <a:srgbClr val="FFFFFF"/>
                   </a:solidFill>
                 </a:uFill>
                 <a:latin typeface="Arial"/>
               </a:rPr>
               <a:t>Kliknij, aby edytować format tekstu tytułu</a:t>
             </a:r>
-            <a:endParaRPr b="0" lang="pl-PL" sz="4400" spc="-1" strike="noStrike">
-              <a:solidFill>
-                <a:srgbClr val="000000"/>
-              </a:solidFill>
-              <a:uFill>
-                <a:solidFill>
-                  <a:srgbClr val="ffffff"/>
-                </a:solidFill>
-              </a:uFill>
-              <a:latin typeface="Arial"/>
-            </a:endParaRPr>
           </a:p>
         </p:txBody>
       </p:sp>
@@ -3396,7 +3547,8 @@
           </a:prstGeom>
         </p:spPr>
         <p:txBody>
-          <a:bodyPr lIns="0" rIns="0" tIns="0" bIns="0"/>
+          <a:bodyPr lIns="0" tIns="0" rIns="0" bIns="0"/>
+          <a:lstStyle/>
           <a:p>
             <a:pPr marL="432000" indent="-324000">
               <a:buClr>
@@ -3407,33 +3559,22 @@
               <a:buChar char=""/>
             </a:pPr>
             <a:r>
-              <a:rPr b="0" lang="pl-PL" sz="3200" spc="-1" strike="noStrike">
-                <a:solidFill>
-                  <a:srgbClr val="000000"/>
-                </a:solidFill>
-                <a:uFill>
-                  <a:solidFill>
-                    <a:srgbClr val="ffffff"/>
+              <a:rPr lang="pl-PL" sz="3200" b="0" strike="noStrike" spc="-1">
+                <a:solidFill>
+                  <a:srgbClr val="000000"/>
+                </a:solidFill>
+                <a:uFill>
+                  <a:solidFill>
+                    <a:srgbClr val="FFFFFF"/>
                   </a:solidFill>
                 </a:uFill>
                 <a:latin typeface="Arial"/>
               </a:rPr>
               <a:t>Kliknij, aby edytować format tekstu konspektu</a:t>
             </a:r>
-            <a:endParaRPr b="0" lang="pl-PL" sz="3200" spc="-1" strike="noStrike">
-              <a:solidFill>
-                <a:srgbClr val="000000"/>
-              </a:solidFill>
-              <a:uFill>
-                <a:solidFill>
-                  <a:srgbClr val="ffffff"/>
-                </a:solidFill>
-              </a:uFill>
-              <a:latin typeface="Arial"/>
-            </a:endParaRPr>
-          </a:p>
-          <a:p>
-            <a:pPr lvl="1" marL="864000" indent="-324000">
+          </a:p>
+          <a:p>
+            <a:pPr marL="864000" lvl="1" indent="-324000">
               <a:buClr>
                 <a:srgbClr val="000000"/>
               </a:buClr>
@@ -3442,33 +3583,22 @@
               <a:buChar char=""/>
             </a:pPr>
             <a:r>
-              <a:rPr b="0" lang="pl-PL" sz="2800" spc="-1" strike="noStrike">
-                <a:solidFill>
-                  <a:srgbClr val="000000"/>
-                </a:solidFill>
-                <a:uFill>
-                  <a:solidFill>
-                    <a:srgbClr val="ffffff"/>
+              <a:rPr lang="pl-PL" sz="2800" b="0" strike="noStrike" spc="-1">
+                <a:solidFill>
+                  <a:srgbClr val="000000"/>
+                </a:solidFill>
+                <a:uFill>
+                  <a:solidFill>
+                    <a:srgbClr val="FFFFFF"/>
                   </a:solidFill>
                 </a:uFill>
                 <a:latin typeface="Arial"/>
               </a:rPr>
               <a:t>Drugi poziom konspektu</a:t>
             </a:r>
-            <a:endParaRPr b="0" lang="pl-PL" sz="2800" spc="-1" strike="noStrike">
-              <a:solidFill>
-                <a:srgbClr val="000000"/>
-              </a:solidFill>
-              <a:uFill>
-                <a:solidFill>
-                  <a:srgbClr val="ffffff"/>
-                </a:solidFill>
-              </a:uFill>
-              <a:latin typeface="Arial"/>
-            </a:endParaRPr>
-          </a:p>
-          <a:p>
-            <a:pPr lvl="2" marL="1296000" indent="-288000">
+          </a:p>
+          <a:p>
+            <a:pPr marL="1296000" lvl="2" indent="-288000">
               <a:buClr>
                 <a:srgbClr val="000000"/>
               </a:buClr>
@@ -3477,33 +3607,22 @@
               <a:buChar char=""/>
             </a:pPr>
             <a:r>
-              <a:rPr b="0" lang="pl-PL" sz="2400" spc="-1" strike="noStrike">
-                <a:solidFill>
-                  <a:srgbClr val="000000"/>
-                </a:solidFill>
-                <a:uFill>
-                  <a:solidFill>
-                    <a:srgbClr val="ffffff"/>
+              <a:rPr lang="pl-PL" sz="2400" b="0" strike="noStrike" spc="-1">
+                <a:solidFill>
+                  <a:srgbClr val="000000"/>
+                </a:solidFill>
+                <a:uFill>
+                  <a:solidFill>
+                    <a:srgbClr val="FFFFFF"/>
                   </a:solidFill>
                 </a:uFill>
                 <a:latin typeface="Arial"/>
               </a:rPr>
               <a:t>Trzeci poziom konspektu</a:t>
             </a:r>
-            <a:endParaRPr b="0" lang="pl-PL" sz="2400" spc="-1" strike="noStrike">
-              <a:solidFill>
-                <a:srgbClr val="000000"/>
-              </a:solidFill>
-              <a:uFill>
-                <a:solidFill>
-                  <a:srgbClr val="ffffff"/>
-                </a:solidFill>
-              </a:uFill>
-              <a:latin typeface="Arial"/>
-            </a:endParaRPr>
-          </a:p>
-          <a:p>
-            <a:pPr lvl="3" marL="1728000" indent="-216000">
+          </a:p>
+          <a:p>
+            <a:pPr marL="1728000" lvl="3" indent="-216000">
               <a:buClr>
                 <a:srgbClr val="000000"/>
               </a:buClr>
@@ -3512,33 +3631,22 @@
               <a:buChar char=""/>
             </a:pPr>
             <a:r>
-              <a:rPr b="0" lang="pl-PL" sz="2000" spc="-1" strike="noStrike">
-                <a:solidFill>
-                  <a:srgbClr val="000000"/>
-                </a:solidFill>
-                <a:uFill>
-                  <a:solidFill>
-                    <a:srgbClr val="ffffff"/>
+              <a:rPr lang="pl-PL" sz="2000" b="0" strike="noStrike" spc="-1">
+                <a:solidFill>
+                  <a:srgbClr val="000000"/>
+                </a:solidFill>
+                <a:uFill>
+                  <a:solidFill>
+                    <a:srgbClr val="FFFFFF"/>
                   </a:solidFill>
                 </a:uFill>
                 <a:latin typeface="Arial"/>
               </a:rPr>
               <a:t>Czwarty poziom konspektu</a:t>
             </a:r>
-            <a:endParaRPr b="0" lang="pl-PL" sz="2000" spc="-1" strike="noStrike">
-              <a:solidFill>
-                <a:srgbClr val="000000"/>
-              </a:solidFill>
-              <a:uFill>
-                <a:solidFill>
-                  <a:srgbClr val="ffffff"/>
-                </a:solidFill>
-              </a:uFill>
-              <a:latin typeface="Arial"/>
-            </a:endParaRPr>
-          </a:p>
-          <a:p>
-            <a:pPr lvl="4" marL="2160000" indent="-216000">
+          </a:p>
+          <a:p>
+            <a:pPr marL="2160000" lvl="4" indent="-216000">
               <a:buClr>
                 <a:srgbClr val="000000"/>
               </a:buClr>
@@ -3547,33 +3655,22 @@
               <a:buChar char=""/>
             </a:pPr>
             <a:r>
-              <a:rPr b="0" lang="pl-PL" sz="2000" spc="-1" strike="noStrike">
-                <a:solidFill>
-                  <a:srgbClr val="000000"/>
-                </a:solidFill>
-                <a:uFill>
-                  <a:solidFill>
-                    <a:srgbClr val="ffffff"/>
+              <a:rPr lang="pl-PL" sz="2000" b="0" strike="noStrike" spc="-1">
+                <a:solidFill>
+                  <a:srgbClr val="000000"/>
+                </a:solidFill>
+                <a:uFill>
+                  <a:solidFill>
+                    <a:srgbClr val="FFFFFF"/>
                   </a:solidFill>
                 </a:uFill>
                 <a:latin typeface="Arial"/>
               </a:rPr>
               <a:t>Piąty poziom konspektu</a:t>
             </a:r>
-            <a:endParaRPr b="0" lang="pl-PL" sz="2000" spc="-1" strike="noStrike">
-              <a:solidFill>
-                <a:srgbClr val="000000"/>
-              </a:solidFill>
-              <a:uFill>
-                <a:solidFill>
-                  <a:srgbClr val="ffffff"/>
-                </a:solidFill>
-              </a:uFill>
-              <a:latin typeface="Arial"/>
-            </a:endParaRPr>
-          </a:p>
-          <a:p>
-            <a:pPr lvl="5" marL="2592000" indent="-216000">
+          </a:p>
+          <a:p>
+            <a:pPr marL="2592000" lvl="5" indent="-216000">
               <a:buClr>
                 <a:srgbClr val="000000"/>
               </a:buClr>
@@ -3582,33 +3679,22 @@
               <a:buChar char=""/>
             </a:pPr>
             <a:r>
-              <a:rPr b="0" lang="pl-PL" sz="2000" spc="-1" strike="noStrike">
-                <a:solidFill>
-                  <a:srgbClr val="000000"/>
-                </a:solidFill>
-                <a:uFill>
-                  <a:solidFill>
-                    <a:srgbClr val="ffffff"/>
+              <a:rPr lang="pl-PL" sz="2000" b="0" strike="noStrike" spc="-1">
+                <a:solidFill>
+                  <a:srgbClr val="000000"/>
+                </a:solidFill>
+                <a:uFill>
+                  <a:solidFill>
+                    <a:srgbClr val="FFFFFF"/>
                   </a:solidFill>
                 </a:uFill>
                 <a:latin typeface="Arial"/>
               </a:rPr>
               <a:t>Szósty poziom konspektu</a:t>
             </a:r>
-            <a:endParaRPr b="0" lang="pl-PL" sz="2000" spc="-1" strike="noStrike">
-              <a:solidFill>
-                <a:srgbClr val="000000"/>
-              </a:solidFill>
-              <a:uFill>
-                <a:solidFill>
-                  <a:srgbClr val="ffffff"/>
-                </a:solidFill>
-              </a:uFill>
-              <a:latin typeface="Arial"/>
-            </a:endParaRPr>
-          </a:p>
-          <a:p>
-            <a:pPr lvl="6" marL="3024000" indent="-216000">
+          </a:p>
+          <a:p>
+            <a:pPr marL="3024000" lvl="6" indent="-216000">
               <a:buClr>
                 <a:srgbClr val="000000"/>
               </a:buClr>
@@ -3617,55 +3703,49 @@
               <a:buChar char=""/>
             </a:pPr>
             <a:r>
-              <a:rPr b="0" lang="pl-PL" sz="2000" spc="-1" strike="noStrike">
-                <a:solidFill>
-                  <a:srgbClr val="000000"/>
-                </a:solidFill>
-                <a:uFill>
-                  <a:solidFill>
-                    <a:srgbClr val="ffffff"/>
+              <a:rPr lang="pl-PL" sz="2000" b="0" strike="noStrike" spc="-1">
+                <a:solidFill>
+                  <a:srgbClr val="000000"/>
+                </a:solidFill>
+                <a:uFill>
+                  <a:solidFill>
+                    <a:srgbClr val="FFFFFF"/>
                   </a:solidFill>
                 </a:uFill>
                 <a:latin typeface="Arial"/>
               </a:rPr>
               <a:t>Siódmy poziom konspektu</a:t>
             </a:r>
-            <a:endParaRPr b="0" lang="pl-PL" sz="2000" spc="-1" strike="noStrike">
-              <a:solidFill>
-                <a:srgbClr val="000000"/>
-              </a:solidFill>
-              <a:uFill>
-                <a:solidFill>
-                  <a:srgbClr val="ffffff"/>
-                </a:solidFill>
-              </a:uFill>
-              <a:latin typeface="Arial"/>
-            </a:endParaRPr>
           </a:p>
         </p:txBody>
       </p:sp>
     </p:spTree>
   </p:cSld>
-  <p:clrMap bg1="lt1" bg2="lt2" tx1="dk1" tx2="dk2" accent1="accent1" accent2="accent2" accent3="accent3" accent4="accent4" accent5="accent5" accent6="accent6" hlink="hlink" folHlink="folHlink"/>
+  <p:clrMap bg1="lt1" tx1="dk1" bg2="lt2" tx2="dk2" accent1="accent1" accent2="accent2" accent3="accent3" accent4="accent4" accent5="accent5" accent6="accent6" hlink="hlink" folHlink="folHlink"/>
   <p:sldLayoutIdLst>
-    <p:sldLayoutId id="2147483662" r:id="rId2"/>
-    <p:sldLayoutId id="2147483663" r:id="rId3"/>
-    <p:sldLayoutId id="2147483664" r:id="rId4"/>
-    <p:sldLayoutId id="2147483665" r:id="rId5"/>
-    <p:sldLayoutId id="2147483666" r:id="rId6"/>
-    <p:sldLayoutId id="2147483667" r:id="rId7"/>
-    <p:sldLayoutId id="2147483668" r:id="rId8"/>
-    <p:sldLayoutId id="2147483669" r:id="rId9"/>
-    <p:sldLayoutId id="2147483670" r:id="rId10"/>
-    <p:sldLayoutId id="2147483671" r:id="rId11"/>
-    <p:sldLayoutId id="2147483672" r:id="rId12"/>
-    <p:sldLayoutId id="2147483673" r:id="rId13"/>
+    <p:sldLayoutId id="2147483662" r:id="rId1"/>
+    <p:sldLayoutId id="2147483663" r:id="rId2"/>
+    <p:sldLayoutId id="2147483664" r:id="rId3"/>
+    <p:sldLayoutId id="2147483665" r:id="rId4"/>
+    <p:sldLayoutId id="2147483666" r:id="rId5"/>
+    <p:sldLayoutId id="2147483667" r:id="rId6"/>
+    <p:sldLayoutId id="2147483668" r:id="rId7"/>
+    <p:sldLayoutId id="2147483669" r:id="rId8"/>
+    <p:sldLayoutId id="2147483670" r:id="rId9"/>
+    <p:sldLayoutId id="2147483671" r:id="rId10"/>
+    <p:sldLayoutId id="2147483672" r:id="rId11"/>
+    <p:sldLayoutId id="2147483673" r:id="rId12"/>
   </p:sldLayoutIdLst>
+  <p:txStyles>
+    <p:titleStyle/>
+    <p:bodyStyle/>
+    <p:otherStyle/>
+  </p:txStyles>
 </p:sldMaster>
 </file>
 
 <file path=ppt/slides/slide1.xml><?xml version="1.0" encoding="utf-8"?>
-<p:sld xmlns:a="http://schemas.openxmlformats.org/drawingml/2006/main" xmlns:p="http://schemas.openxmlformats.org/presentationml/2006/main" xmlns:r="http://schemas.openxmlformats.org/officeDocument/2006/relationships" xmlns:p14="http://schemas.microsoft.com/office/powerpoint/2010/main" xmlns:p15="http://schemas.microsoft.com/office/powerpoint/2012/main" xmlns:mc="http://schemas.openxmlformats.org/markup-compatibility/2006">
+<p:sld xmlns:a="http://schemas.openxmlformats.org/drawingml/2006/main" xmlns:r="http://schemas.openxmlformats.org/officeDocument/2006/relationships" xmlns:p="http://schemas.openxmlformats.org/presentationml/2006/main">
   <p:cSld>
     <p:spTree>
       <p:nvGrpSpPr>
@@ -3701,13 +3781,20 @@
           </a:ln>
         </p:spPr>
         <p:style>
-          <a:lnRef idx="0"/>
-          <a:fillRef idx="0"/>
-          <a:effectRef idx="0"/>
+          <a:lnRef idx="0">
+            <a:scrgbClr r="0" g="0" b="0"/>
+          </a:lnRef>
+          <a:fillRef idx="0">
+            <a:scrgbClr r="0" g="0" b="0"/>
+          </a:fillRef>
+          <a:effectRef idx="0">
+            <a:scrgbClr r="0" g="0" b="0"/>
+          </a:effectRef>
           <a:fontRef idx="minor"/>
         </p:style>
         <p:txBody>
-          <a:bodyPr lIns="90000" rIns="90000" tIns="45000" bIns="45000" anchor="ctr"/>
+          <a:bodyPr lIns="90000" tIns="45000" rIns="90000" bIns="45000" anchor="ctr"/>
+          <a:lstStyle/>
           <a:p>
             <a:pPr algn="ctr">
               <a:lnSpc>
@@ -3715,26 +3802,26 @@
               </a:lnSpc>
             </a:pPr>
             <a:r>
-              <a:rPr b="0" lang="pl-PL" sz="4400" spc="-1" strike="noStrike">
-                <a:solidFill>
-                  <a:srgbClr val="000000"/>
-                </a:solidFill>
-                <a:uFill>
-                  <a:solidFill>
-                    <a:srgbClr val="ffffff"/>
+              <a:rPr lang="pl-PL" sz="4400" b="0" strike="noStrike" spc="-1">
+                <a:solidFill>
+                  <a:srgbClr val="000000"/>
+                </a:solidFill>
+                <a:uFill>
+                  <a:solidFill>
+                    <a:srgbClr val="FFFFFF"/>
                   </a:solidFill>
                 </a:uFill>
                 <a:latin typeface="Calibri"/>
               </a:rPr>
               <a:t>Studio Projektowe 1 </a:t>
             </a:r>
-            <a:endParaRPr b="0" lang="pl-PL" sz="1800" spc="-1" strike="noStrike">
-              <a:solidFill>
-                <a:srgbClr val="000000"/>
-              </a:solidFill>
-              <a:uFill>
-                <a:solidFill>
-                  <a:srgbClr val="ffffff"/>
+            <a:endParaRPr lang="pl-PL" sz="1800" b="0" strike="noStrike" spc="-1">
+              <a:solidFill>
+                <a:srgbClr val="000000"/>
+              </a:solidFill>
+              <a:uFill>
+                <a:solidFill>
+                  <a:srgbClr val="FFFFFF"/>
                 </a:solidFill>
               </a:uFill>
               <a:latin typeface="Arial"/>
@@ -3762,13 +3849,20 @@
           </a:ln>
         </p:spPr>
         <p:style>
-          <a:lnRef idx="0"/>
-          <a:fillRef idx="0"/>
-          <a:effectRef idx="0"/>
+          <a:lnRef idx="0">
+            <a:scrgbClr r="0" g="0" b="0"/>
+          </a:lnRef>
+          <a:fillRef idx="0">
+            <a:scrgbClr r="0" g="0" b="0"/>
+          </a:fillRef>
+          <a:effectRef idx="0">
+            <a:scrgbClr r="0" g="0" b="0"/>
+          </a:effectRef>
           <a:fontRef idx="minor"/>
         </p:style>
         <p:txBody>
-          <a:bodyPr lIns="90000" rIns="90000" tIns="45000" bIns="45000"/>
+          <a:bodyPr lIns="90000" tIns="45000" rIns="90000" bIns="45000"/>
+          <a:lstStyle/>
           <a:p>
             <a:pPr algn="ctr">
               <a:lnSpc>
@@ -3776,26 +3870,26 @@
               </a:lnSpc>
             </a:pPr>
             <a:r>
-              <a:rPr b="0" lang="pl-PL" sz="3200" spc="-1" strike="noStrike">
-                <a:solidFill>
-                  <a:srgbClr val="8b8b8b"/>
-                </a:solidFill>
-                <a:uFill>
-                  <a:solidFill>
-                    <a:srgbClr val="ffffff"/>
+              <a:rPr lang="pl-PL" sz="3200" b="0" strike="noStrike" spc="-1">
+                <a:solidFill>
+                  <a:srgbClr val="8B8B8B"/>
+                </a:solidFill>
+                <a:uFill>
+                  <a:solidFill>
+                    <a:srgbClr val="FFFFFF"/>
                   </a:solidFill>
                 </a:uFill>
                 <a:latin typeface="Calibri"/>
               </a:rPr>
               <a:t>Członkowie zespołu :</a:t>
             </a:r>
-            <a:endParaRPr b="0" lang="pl-PL" sz="1800" spc="-1" strike="noStrike">
-              <a:solidFill>
-                <a:srgbClr val="000000"/>
-              </a:solidFill>
-              <a:uFill>
-                <a:solidFill>
-                  <a:srgbClr val="ffffff"/>
+            <a:endParaRPr lang="pl-PL" sz="1800" b="0" strike="noStrike" spc="-1">
+              <a:solidFill>
+                <a:srgbClr val="000000"/>
+              </a:solidFill>
+              <a:uFill>
+                <a:solidFill>
+                  <a:srgbClr val="FFFFFF"/>
                 </a:solidFill>
               </a:uFill>
               <a:latin typeface="Arial"/>
@@ -3808,26 +3902,26 @@
               </a:lnSpc>
             </a:pPr>
             <a:r>
-              <a:rPr b="0" lang="pl-PL" sz="3200" spc="-1" strike="noStrike">
-                <a:solidFill>
-                  <a:srgbClr val="8b8b8b"/>
-                </a:solidFill>
-                <a:uFill>
-                  <a:solidFill>
-                    <a:srgbClr val="ffffff"/>
+              <a:rPr lang="pl-PL" sz="3200" b="0" strike="noStrike" spc="-1">
+                <a:solidFill>
+                  <a:srgbClr val="8B8B8B"/>
+                </a:solidFill>
+                <a:uFill>
+                  <a:solidFill>
+                    <a:srgbClr val="FFFFFF"/>
                   </a:solidFill>
                 </a:uFill>
                 <a:latin typeface="Calibri"/>
               </a:rPr>
               <a:t>Bartłomiej Łazarczyk </a:t>
             </a:r>
-            <a:endParaRPr b="0" lang="pl-PL" sz="1800" spc="-1" strike="noStrike">
-              <a:solidFill>
-                <a:srgbClr val="000000"/>
-              </a:solidFill>
-              <a:uFill>
-                <a:solidFill>
-                  <a:srgbClr val="ffffff"/>
+            <a:endParaRPr lang="pl-PL" sz="1800" b="0" strike="noStrike" spc="-1">
+              <a:solidFill>
+                <a:srgbClr val="000000"/>
+              </a:solidFill>
+              <a:uFill>
+                <a:solidFill>
+                  <a:srgbClr val="FFFFFF"/>
                 </a:solidFill>
               </a:uFill>
               <a:latin typeface="Arial"/>
@@ -3840,26 +3934,26 @@
               </a:lnSpc>
             </a:pPr>
             <a:r>
-              <a:rPr b="0" lang="pl-PL" sz="3200" spc="-1" strike="noStrike">
-                <a:solidFill>
-                  <a:srgbClr val="8b8b8b"/>
-                </a:solidFill>
-                <a:uFill>
-                  <a:solidFill>
-                    <a:srgbClr val="ffffff"/>
+              <a:rPr lang="pl-PL" sz="3200" b="0" strike="noStrike" spc="-1">
+                <a:solidFill>
+                  <a:srgbClr val="8B8B8B"/>
+                </a:solidFill>
+                <a:uFill>
+                  <a:solidFill>
+                    <a:srgbClr val="FFFFFF"/>
                   </a:solidFill>
                 </a:uFill>
                 <a:latin typeface="Calibri"/>
               </a:rPr>
               <a:t>Jakub Kacorzyk </a:t>
             </a:r>
-            <a:endParaRPr b="0" lang="pl-PL" sz="1800" spc="-1" strike="noStrike">
-              <a:solidFill>
-                <a:srgbClr val="000000"/>
-              </a:solidFill>
-              <a:uFill>
-                <a:solidFill>
-                  <a:srgbClr val="ffffff"/>
+            <a:endParaRPr lang="pl-PL" sz="1800" b="0" strike="noStrike" spc="-1">
+              <a:solidFill>
+                <a:srgbClr val="000000"/>
+              </a:solidFill>
+              <a:uFill>
+                <a:solidFill>
+                  <a:srgbClr val="FFFFFF"/>
                 </a:solidFill>
               </a:uFill>
               <a:latin typeface="Arial"/>
@@ -3869,6 +3963,9 @@
       </p:sp>
     </p:spTree>
   </p:cSld>
+  <p:clrMapOvr>
+    <a:masterClrMapping/>
+  </p:clrMapOvr>
   <p:timing>
     <p:tnLst>
       <p:par>
@@ -3877,14 +3974,14 @@
             <p:seq>
               <p:cTn id="2" nodeType="mainSeq"/>
               <p:prevCondLst>
-                <p:cond delay="0" evt="onPrev">
+                <p:cond evt="onPrev" delay="0">
                   <p:tgtEl>
                     <p:sldTgt/>
                   </p:tgtEl>
                 </p:cond>
               </p:prevCondLst>
               <p:nextCondLst>
-                <p:cond delay="0" evt="onNext">
+                <p:cond evt="onNext" delay="0">
                   <p:tgtEl>
                     <p:sldTgt/>
                   </p:tgtEl>
@@ -3900,7 +3997,7 @@
 </file>
 
 <file path=ppt/slides/slide2.xml><?xml version="1.0" encoding="utf-8"?>
-<p:sld xmlns:a="http://schemas.openxmlformats.org/drawingml/2006/main" xmlns:p="http://schemas.openxmlformats.org/presentationml/2006/main" xmlns:r="http://schemas.openxmlformats.org/officeDocument/2006/relationships" xmlns:p14="http://schemas.microsoft.com/office/powerpoint/2010/main" xmlns:p15="http://schemas.microsoft.com/office/powerpoint/2012/main" xmlns:mc="http://schemas.openxmlformats.org/markup-compatibility/2006">
+<p:sld xmlns:a="http://schemas.openxmlformats.org/drawingml/2006/main" xmlns:r="http://schemas.openxmlformats.org/officeDocument/2006/relationships" xmlns:p="http://schemas.openxmlformats.org/presentationml/2006/main">
   <p:cSld>
     <p:spTree>
       <p:nvGrpSpPr>
@@ -3936,13 +4033,20 @@
           </a:ln>
         </p:spPr>
         <p:style>
-          <a:lnRef idx="0"/>
-          <a:fillRef idx="0"/>
-          <a:effectRef idx="0"/>
+          <a:lnRef idx="0">
+            <a:scrgbClr r="0" g="0" b="0"/>
+          </a:lnRef>
+          <a:fillRef idx="0">
+            <a:scrgbClr r="0" g="0" b="0"/>
+          </a:fillRef>
+          <a:effectRef idx="0">
+            <a:scrgbClr r="0" g="0" b="0"/>
+          </a:effectRef>
           <a:fontRef idx="minor"/>
         </p:style>
         <p:txBody>
-          <a:bodyPr lIns="90000" rIns="90000" tIns="45000" bIns="45000" anchor="ctr"/>
+          <a:bodyPr lIns="90000" tIns="45000" rIns="90000" bIns="45000" anchor="ctr"/>
+          <a:lstStyle/>
           <a:p>
             <a:pPr algn="ctr">
               <a:lnSpc>
@@ -3950,26 +4054,26 @@
               </a:lnSpc>
             </a:pPr>
             <a:r>
-              <a:rPr b="0" lang="pl-PL" sz="4400" spc="-1" strike="noStrike">
-                <a:solidFill>
-                  <a:srgbClr val="000000"/>
-                </a:solidFill>
-                <a:uFill>
-                  <a:solidFill>
-                    <a:srgbClr val="ffffff"/>
+              <a:rPr lang="pl-PL" sz="4400" b="0" strike="noStrike" spc="-1">
+                <a:solidFill>
+                  <a:srgbClr val="000000"/>
+                </a:solidFill>
+                <a:uFill>
+                  <a:solidFill>
+                    <a:srgbClr val="FFFFFF"/>
                   </a:solidFill>
                 </a:uFill>
                 <a:latin typeface="Calibri"/>
               </a:rPr>
               <a:t>Harmonogram projektu</a:t>
             </a:r>
-            <a:endParaRPr b="0" lang="pl-PL" sz="1800" spc="-1" strike="noStrike">
-              <a:solidFill>
-                <a:srgbClr val="000000"/>
-              </a:solidFill>
-              <a:uFill>
-                <a:solidFill>
-                  <a:srgbClr val="ffffff"/>
+            <a:endParaRPr lang="pl-PL" sz="1800" b="0" strike="noStrike" spc="-1">
+              <a:solidFill>
+                <a:srgbClr val="000000"/>
+              </a:solidFill>
+              <a:uFill>
+                <a:solidFill>
+                  <a:srgbClr val="FFFFFF"/>
                 </a:solidFill>
               </a:uFill>
               <a:latin typeface="Arial"/>
@@ -3997,13 +4101,20 @@
           </a:ln>
         </p:spPr>
         <p:style>
-          <a:lnRef idx="0"/>
-          <a:fillRef idx="0"/>
-          <a:effectRef idx="0"/>
+          <a:lnRef idx="0">
+            <a:scrgbClr r="0" g="0" b="0"/>
+          </a:lnRef>
+          <a:fillRef idx="0">
+            <a:scrgbClr r="0" g="0" b="0"/>
+          </a:fillRef>
+          <a:effectRef idx="0">
+            <a:scrgbClr r="0" g="0" b="0"/>
+          </a:effectRef>
           <a:fontRef idx="minor"/>
         </p:style>
         <p:txBody>
-          <a:bodyPr lIns="90000" rIns="90000" tIns="45000" bIns="45000"/>
+          <a:bodyPr lIns="90000" tIns="45000" rIns="90000" bIns="45000"/>
+          <a:lstStyle/>
           <a:p>
             <a:pPr marL="514440" indent="-513720">
               <a:lnSpc>
@@ -4016,26 +4127,54 @@
               <a:buAutoNum type="arabicPeriod"/>
             </a:pPr>
             <a:r>
-              <a:rPr b="1" lang="pl-PL" sz="3200" spc="-1" strike="noStrike">
-                <a:solidFill>
-                  <a:srgbClr val="000000"/>
-                </a:solidFill>
-                <a:uFill>
-                  <a:solidFill>
-                    <a:srgbClr val="ffffff"/>
-                  </a:solidFill>
-                </a:uFill>
-                <a:latin typeface="Calibri"/>
-              </a:rPr>
-              <a:t>Tydzień 1: Przygotowanie projektu oraz środowiska developerskiego opartego na Docker, utworzenie repozytorium</a:t>
-            </a:r>
-            <a:endParaRPr b="0" lang="pl-PL" sz="1800" spc="-1" strike="noStrike">
-              <a:solidFill>
-                <a:srgbClr val="000000"/>
-              </a:solidFill>
-              <a:uFill>
-                <a:solidFill>
-                  <a:srgbClr val="ffffff"/>
+              <a:rPr lang="pl-PL" b="1" strike="noStrike" spc="-1" dirty="0">
+                <a:solidFill>
+                  <a:srgbClr val="000000"/>
+                </a:solidFill>
+                <a:uFill>
+                  <a:solidFill>
+                    <a:srgbClr val="FFFFFF"/>
+                  </a:solidFill>
+                </a:uFill>
+                <a:latin typeface="Calibri"/>
+              </a:rPr>
+              <a:t>Tydzień 1: Przygotowanie projektu oraz środowiska developerskiego opartego na </a:t>
+            </a:r>
+            <a:r>
+              <a:rPr lang="pl-PL" b="1" strike="noStrike" spc="-1" dirty="0" err="1">
+                <a:solidFill>
+                  <a:srgbClr val="000000"/>
+                </a:solidFill>
+                <a:uFill>
+                  <a:solidFill>
+                    <a:srgbClr val="FFFFFF"/>
+                  </a:solidFill>
+                </a:uFill>
+                <a:latin typeface="Calibri"/>
+              </a:rPr>
+              <a:t>Docker</a:t>
+            </a:r>
+            <a:r>
+              <a:rPr lang="pl-PL" b="1" strike="noStrike" spc="-1" dirty="0">
+                <a:solidFill>
+                  <a:srgbClr val="000000"/>
+                </a:solidFill>
+                <a:uFill>
+                  <a:solidFill>
+                    <a:srgbClr val="FFFFFF"/>
+                  </a:solidFill>
+                </a:uFill>
+                <a:latin typeface="Calibri"/>
+              </a:rPr>
+              <a:t>, utworzenie repozytorium</a:t>
+            </a:r>
+            <a:endParaRPr lang="pl-PL" b="0" strike="noStrike" spc="-1" dirty="0">
+              <a:solidFill>
+                <a:srgbClr val="000000"/>
+              </a:solidFill>
+              <a:uFill>
+                <a:solidFill>
+                  <a:srgbClr val="FFFFFF"/>
                 </a:solidFill>
               </a:uFill>
               <a:latin typeface="Arial"/>
@@ -4053,26 +4192,54 @@
               <a:buAutoNum type="arabicPeriod"/>
             </a:pPr>
             <a:r>
-              <a:rPr b="1" lang="pl-PL" sz="3200" spc="-1" strike="noStrike">
-                <a:solidFill>
-                  <a:srgbClr val="000000"/>
-                </a:solidFill>
-                <a:uFill>
-                  <a:solidFill>
-                    <a:srgbClr val="ffffff"/>
-                  </a:solidFill>
-                </a:uFill>
-                <a:latin typeface="Calibri"/>
-              </a:rPr>
-              <a:t>Tydzień 2: Uzyskanie dostępu do informacji z wydziału EAIiIB(np. Plan zajęć) lub stworzenie własnej bazy danych reprezentującej dane z uczelni</a:t>
-            </a:r>
-            <a:endParaRPr b="0" lang="pl-PL" sz="1800" spc="-1" strike="noStrike">
-              <a:solidFill>
-                <a:srgbClr val="000000"/>
-              </a:solidFill>
-              <a:uFill>
-                <a:solidFill>
-                  <a:srgbClr val="ffffff"/>
+              <a:rPr lang="pl-PL" b="1" strike="noStrike" spc="-1" dirty="0">
+                <a:solidFill>
+                  <a:srgbClr val="000000"/>
+                </a:solidFill>
+                <a:uFill>
+                  <a:solidFill>
+                    <a:srgbClr val="FFFFFF"/>
+                  </a:solidFill>
+                </a:uFill>
+                <a:latin typeface="Calibri"/>
+              </a:rPr>
+              <a:t>Tydzień 2: Uzyskanie dostępu do informacji z wydziału </a:t>
+            </a:r>
+            <a:r>
+              <a:rPr lang="pl-PL" b="1" strike="noStrike" spc="-1" dirty="0" err="1">
+                <a:solidFill>
+                  <a:srgbClr val="000000"/>
+                </a:solidFill>
+                <a:uFill>
+                  <a:solidFill>
+                    <a:srgbClr val="FFFFFF"/>
+                  </a:solidFill>
+                </a:uFill>
+                <a:latin typeface="Calibri"/>
+              </a:rPr>
+              <a:t>EAIiIB</a:t>
+            </a:r>
+            <a:r>
+              <a:rPr lang="pl-PL" b="1" strike="noStrike" spc="-1" dirty="0">
+                <a:solidFill>
+                  <a:srgbClr val="000000"/>
+                </a:solidFill>
+                <a:uFill>
+                  <a:solidFill>
+                    <a:srgbClr val="FFFFFF"/>
+                  </a:solidFill>
+                </a:uFill>
+                <a:latin typeface="Calibri"/>
+              </a:rPr>
+              <a:t>(np. Plan zajęć) lub stworzenie własnej bazy danych reprezentującej dane z uczelni</a:t>
+            </a:r>
+            <a:endParaRPr lang="pl-PL" b="0" strike="noStrike" spc="-1" dirty="0">
+              <a:solidFill>
+                <a:srgbClr val="000000"/>
+              </a:solidFill>
+              <a:uFill>
+                <a:solidFill>
+                  <a:srgbClr val="FFFFFF"/>
                 </a:solidFill>
               </a:uFill>
               <a:latin typeface="Arial"/>
@@ -4090,26 +4257,110 @@
               <a:buAutoNum type="arabicPeriod"/>
             </a:pPr>
             <a:r>
-              <a:rPr b="1" lang="pl-PL" sz="3200" spc="-1" strike="noStrike">
-                <a:solidFill>
-                  <a:srgbClr val="000000"/>
-                </a:solidFill>
-                <a:uFill>
-                  <a:solidFill>
-                    <a:srgbClr val="ffffff"/>
-                  </a:solidFill>
-                </a:uFill>
-                <a:latin typeface="Calibri"/>
-              </a:rPr>
-              <a:t>Tydzień 3: Rozpoczęcie prac nad stroną back-end, stworzenie prostej aplikacji REST'owej na frameworku Spring w języku Java</a:t>
-            </a:r>
-            <a:endParaRPr b="0" lang="pl-PL" sz="1800" spc="-1" strike="noStrike">
-              <a:solidFill>
-                <a:srgbClr val="000000"/>
-              </a:solidFill>
-              <a:uFill>
-                <a:solidFill>
-                  <a:srgbClr val="ffffff"/>
+              <a:rPr lang="pl-PL" b="1" strike="noStrike" spc="-1" dirty="0">
+                <a:solidFill>
+                  <a:srgbClr val="000000"/>
+                </a:solidFill>
+                <a:uFill>
+                  <a:solidFill>
+                    <a:srgbClr val="FFFFFF"/>
+                  </a:solidFill>
+                </a:uFill>
+                <a:latin typeface="Calibri"/>
+              </a:rPr>
+              <a:t>Tydzień 3: Rozpoczęcie prac nad stroną </a:t>
+            </a:r>
+            <a:r>
+              <a:rPr lang="pl-PL" b="1" strike="noStrike" spc="-1" dirty="0" err="1">
+                <a:solidFill>
+                  <a:srgbClr val="000000"/>
+                </a:solidFill>
+                <a:uFill>
+                  <a:solidFill>
+                    <a:srgbClr val="FFFFFF"/>
+                  </a:solidFill>
+                </a:uFill>
+                <a:latin typeface="Calibri"/>
+              </a:rPr>
+              <a:t>back-end</a:t>
+            </a:r>
+            <a:r>
+              <a:rPr lang="pl-PL" b="1" strike="noStrike" spc="-1" dirty="0">
+                <a:solidFill>
+                  <a:srgbClr val="000000"/>
+                </a:solidFill>
+                <a:uFill>
+                  <a:solidFill>
+                    <a:srgbClr val="FFFFFF"/>
+                  </a:solidFill>
+                </a:uFill>
+                <a:latin typeface="Calibri"/>
+              </a:rPr>
+              <a:t>, stworzenie prostej aplikacji </a:t>
+            </a:r>
+            <a:r>
+              <a:rPr lang="pl-PL" b="1" strike="noStrike" spc="-1" dirty="0" err="1">
+                <a:solidFill>
+                  <a:srgbClr val="000000"/>
+                </a:solidFill>
+                <a:uFill>
+                  <a:solidFill>
+                    <a:srgbClr val="FFFFFF"/>
+                  </a:solidFill>
+                </a:uFill>
+                <a:latin typeface="Calibri"/>
+              </a:rPr>
+              <a:t>REST'owej</a:t>
+            </a:r>
+            <a:r>
+              <a:rPr lang="pl-PL" b="1" strike="noStrike" spc="-1" dirty="0">
+                <a:solidFill>
+                  <a:srgbClr val="000000"/>
+                </a:solidFill>
+                <a:uFill>
+                  <a:solidFill>
+                    <a:srgbClr val="FFFFFF"/>
+                  </a:solidFill>
+                </a:uFill>
+                <a:latin typeface="Calibri"/>
+              </a:rPr>
+              <a:t> na </a:t>
+            </a:r>
+            <a:r>
+              <a:rPr lang="pl-PL" b="1" strike="noStrike" spc="-1" dirty="0" err="1">
+                <a:solidFill>
+                  <a:srgbClr val="000000"/>
+                </a:solidFill>
+                <a:uFill>
+                  <a:solidFill>
+                    <a:srgbClr val="FFFFFF"/>
+                  </a:solidFill>
+                </a:uFill>
+                <a:latin typeface="Calibri"/>
+              </a:rPr>
+              <a:t>frameworku</a:t>
+            </a:r>
+            <a:r>
+              <a:rPr lang="pl-PL" b="1" strike="noStrike" spc="-1" dirty="0">
+                <a:solidFill>
+                  <a:srgbClr val="000000"/>
+                </a:solidFill>
+                <a:uFill>
+                  <a:solidFill>
+                    <a:srgbClr val="FFFFFF"/>
+                  </a:solidFill>
+                </a:uFill>
+                <a:latin typeface="Calibri"/>
+              </a:rPr>
+              <a:t> Spring w języku Java</a:t>
+            </a:r>
+            <a:endParaRPr lang="pl-PL" b="0" strike="noStrike" spc="-1" dirty="0">
+              <a:solidFill>
+                <a:srgbClr val="000000"/>
+              </a:solidFill>
+              <a:uFill>
+                <a:solidFill>
+                  <a:srgbClr val="FFFFFF"/>
                 </a:solidFill>
               </a:uFill>
               <a:latin typeface="Arial"/>
@@ -4127,26 +4378,68 @@
               <a:buAutoNum type="arabicPeriod"/>
             </a:pPr>
             <a:r>
-              <a:rPr b="1" lang="pl-PL" sz="3200" spc="-1" strike="noStrike">
-                <a:solidFill>
-                  <a:srgbClr val="000000"/>
-                </a:solidFill>
-                <a:uFill>
-                  <a:solidFill>
-                    <a:srgbClr val="ffffff"/>
-                  </a:solidFill>
-                </a:uFill>
-                <a:latin typeface="Calibri"/>
-              </a:rPr>
-              <a:t>Tydzień 4: Dalsze prace nad stroną back-end, stworzenie większości potrzebnych end-point'ów</a:t>
-            </a:r>
-            <a:endParaRPr b="0" lang="pl-PL" sz="1800" spc="-1" strike="noStrike">
-              <a:solidFill>
-                <a:srgbClr val="000000"/>
-              </a:solidFill>
-              <a:uFill>
-                <a:solidFill>
-                  <a:srgbClr val="ffffff"/>
+              <a:rPr lang="pl-PL" b="1" strike="noStrike" spc="-1" dirty="0">
+                <a:solidFill>
+                  <a:srgbClr val="000000"/>
+                </a:solidFill>
+                <a:uFill>
+                  <a:solidFill>
+                    <a:srgbClr val="FFFFFF"/>
+                  </a:solidFill>
+                </a:uFill>
+                <a:latin typeface="Calibri"/>
+              </a:rPr>
+              <a:t>Tydzień 4: Dalsze prace nad stroną </a:t>
+            </a:r>
+            <a:r>
+              <a:rPr lang="pl-PL" b="1" strike="noStrike" spc="-1" dirty="0" err="1">
+                <a:solidFill>
+                  <a:srgbClr val="000000"/>
+                </a:solidFill>
+                <a:uFill>
+                  <a:solidFill>
+                    <a:srgbClr val="FFFFFF"/>
+                  </a:solidFill>
+                </a:uFill>
+                <a:latin typeface="Calibri"/>
+              </a:rPr>
+              <a:t>back-end</a:t>
+            </a:r>
+            <a:r>
+              <a:rPr lang="pl-PL" b="1" strike="noStrike" spc="-1" dirty="0">
+                <a:solidFill>
+                  <a:srgbClr val="000000"/>
+                </a:solidFill>
+                <a:uFill>
+                  <a:solidFill>
+                    <a:srgbClr val="FFFFFF"/>
+                  </a:solidFill>
+                </a:uFill>
+                <a:latin typeface="Calibri"/>
+              </a:rPr>
+              <a:t>, stworzenie większości potrzebnych </a:t>
+            </a:r>
+            <a:r>
+              <a:rPr lang="pl-PL" b="1" strike="noStrike" spc="-1" dirty="0" err="1">
+                <a:solidFill>
+                  <a:srgbClr val="000000"/>
+                </a:solidFill>
+                <a:uFill>
+                  <a:solidFill>
+                    <a:srgbClr val="FFFFFF"/>
+                  </a:solidFill>
+                </a:uFill>
+                <a:latin typeface="Calibri"/>
+              </a:rPr>
+              <a:t>end-point'ów</a:t>
+            </a:r>
+            <a:endParaRPr lang="pl-PL" b="0" strike="noStrike" spc="-1" dirty="0">
+              <a:solidFill>
+                <a:srgbClr val="000000"/>
+              </a:solidFill>
+              <a:uFill>
+                <a:solidFill>
+                  <a:srgbClr val="FFFFFF"/>
                 </a:solidFill>
               </a:uFill>
               <a:latin typeface="Arial"/>
@@ -4164,26 +4457,82 @@
               <a:buAutoNum type="arabicPeriod"/>
             </a:pPr>
             <a:r>
-              <a:rPr b="0" lang="pl-PL" sz="3200" spc="-1" strike="noStrike">
-                <a:solidFill>
-                  <a:srgbClr val="000000"/>
-                </a:solidFill>
-                <a:uFill>
-                  <a:solidFill>
-                    <a:srgbClr val="ffffff"/>
-                  </a:solidFill>
-                </a:uFill>
-                <a:latin typeface="Calibri"/>
-              </a:rPr>
-              <a:t>Tydzień 5: Prosta strona wykorzystująca framework Angular, panel logowania, wymiana informacji z przygotowaną wcześniej aplikacją REST</a:t>
-            </a:r>
-            <a:endParaRPr b="0" lang="pl-PL" sz="1800" spc="-1" strike="noStrike">
-              <a:solidFill>
-                <a:srgbClr val="000000"/>
-              </a:solidFill>
-              <a:uFill>
-                <a:solidFill>
-                  <a:srgbClr val="ffffff"/>
+              <a:rPr lang="pl-PL" b="0" strike="noStrike" spc="-1" dirty="0">
+                <a:solidFill>
+                  <a:srgbClr val="000000"/>
+                </a:solidFill>
+                <a:uFill>
+                  <a:solidFill>
+                    <a:srgbClr val="FFFFFF"/>
+                  </a:solidFill>
+                </a:uFill>
+                <a:latin typeface="Calibri"/>
+              </a:rPr>
+              <a:t>Tydzień 5: Prosta strona wykorzystująca </a:t>
+            </a:r>
+            <a:r>
+              <a:rPr lang="pl-PL" b="0" strike="noStrike" spc="-1" dirty="0" err="1">
+                <a:solidFill>
+                  <a:srgbClr val="000000"/>
+                </a:solidFill>
+                <a:uFill>
+                  <a:solidFill>
+                    <a:srgbClr val="FFFFFF"/>
+                  </a:solidFill>
+                </a:uFill>
+                <a:latin typeface="Calibri"/>
+              </a:rPr>
+              <a:t>framework</a:t>
+            </a:r>
+            <a:r>
+              <a:rPr lang="pl-PL" b="0" strike="noStrike" spc="-1" dirty="0">
+                <a:solidFill>
+                  <a:srgbClr val="000000"/>
+                </a:solidFill>
+                <a:uFill>
+                  <a:solidFill>
+                    <a:srgbClr val="FFFFFF"/>
+                  </a:solidFill>
+                </a:uFill>
+                <a:latin typeface="Calibri"/>
+              </a:rPr>
+              <a:t> </a:t>
+            </a:r>
+            <a:r>
+              <a:rPr lang="pl-PL" b="0" strike="noStrike" spc="-1" dirty="0" err="1">
+                <a:solidFill>
+                  <a:srgbClr val="000000"/>
+                </a:solidFill>
+                <a:uFill>
+                  <a:solidFill>
+                    <a:srgbClr val="FFFFFF"/>
+                  </a:solidFill>
+                </a:uFill>
+                <a:latin typeface="Calibri"/>
+              </a:rPr>
+              <a:t>Angular</a:t>
+            </a:r>
+            <a:r>
+              <a:rPr lang="pl-PL" b="0" strike="noStrike" spc="-1" dirty="0">
+                <a:solidFill>
+                  <a:srgbClr val="000000"/>
+                </a:solidFill>
+                <a:uFill>
+                  <a:solidFill>
+                    <a:srgbClr val="FFFFFF"/>
+                  </a:solidFill>
+                </a:uFill>
+                <a:latin typeface="Calibri"/>
+              </a:rPr>
+              <a:t>, panel logowania, wymiana informacji z przygotowaną wcześniej aplikacją REST</a:t>
+            </a:r>
+            <a:endParaRPr lang="pl-PL" b="0" strike="noStrike" spc="-1" dirty="0">
+              <a:solidFill>
+                <a:srgbClr val="000000"/>
+              </a:solidFill>
+              <a:uFill>
+                <a:solidFill>
+                  <a:srgbClr val="FFFFFF"/>
                 </a:solidFill>
               </a:uFill>
               <a:latin typeface="Arial"/>
@@ -4201,26 +4550,26 @@
               <a:buAutoNum type="arabicPeriod"/>
             </a:pPr>
             <a:r>
-              <a:rPr b="0" lang="pl-PL" sz="3200" spc="-1" strike="noStrike">
-                <a:solidFill>
-                  <a:srgbClr val="000000"/>
-                </a:solidFill>
-                <a:uFill>
-                  <a:solidFill>
-                    <a:srgbClr val="ffffff"/>
+              <a:rPr lang="pl-PL" b="0" strike="noStrike" spc="-1" dirty="0">
+                <a:solidFill>
+                  <a:srgbClr val="000000"/>
+                </a:solidFill>
+                <a:uFill>
+                  <a:solidFill>
+                    <a:srgbClr val="FFFFFF"/>
                   </a:solidFill>
                 </a:uFill>
                 <a:latin typeface="Calibri"/>
               </a:rPr>
               <a:t>Tydzień 6: Stworzenie 'wyglądu bota' w postaci komunikatora</a:t>
             </a:r>
-            <a:endParaRPr b="0" lang="pl-PL" sz="1800" spc="-1" strike="noStrike">
-              <a:solidFill>
-                <a:srgbClr val="000000"/>
-              </a:solidFill>
-              <a:uFill>
-                <a:solidFill>
-                  <a:srgbClr val="ffffff"/>
+            <a:endParaRPr lang="pl-PL" b="0" strike="noStrike" spc="-1" dirty="0">
+              <a:solidFill>
+                <a:srgbClr val="000000"/>
+              </a:solidFill>
+              <a:uFill>
+                <a:solidFill>
+                  <a:srgbClr val="FFFFFF"/>
                 </a:solidFill>
               </a:uFill>
               <a:latin typeface="Arial"/>
@@ -4238,26 +4587,82 @@
               <a:buAutoNum type="arabicPeriod"/>
             </a:pPr>
             <a:r>
-              <a:rPr b="0" lang="pl-PL" sz="3200" spc="-1" strike="noStrike">
-                <a:solidFill>
-                  <a:srgbClr val="000000"/>
-                </a:solidFill>
-                <a:uFill>
-                  <a:solidFill>
-                    <a:srgbClr val="ffffff"/>
-                  </a:solidFill>
-                </a:uFill>
-                <a:latin typeface="Calibri"/>
-              </a:rPr>
-              <a:t>Tydzień 7.8: Strona machine learning wykorzystująca DialogFlow, zapoznanie się z wymienioną wcześniej technologią, stworzenie odpowiedniej komunikacji</a:t>
-            </a:r>
-            <a:endParaRPr b="0" lang="pl-PL" sz="1800" spc="-1" strike="noStrike">
-              <a:solidFill>
-                <a:srgbClr val="000000"/>
-              </a:solidFill>
-              <a:uFill>
-                <a:solidFill>
-                  <a:srgbClr val="ffffff"/>
+              <a:rPr lang="pl-PL" b="0" strike="noStrike" spc="-1" dirty="0">
+                <a:solidFill>
+                  <a:srgbClr val="000000"/>
+                </a:solidFill>
+                <a:uFill>
+                  <a:solidFill>
+                    <a:srgbClr val="FFFFFF"/>
+                  </a:solidFill>
+                </a:uFill>
+                <a:latin typeface="Calibri"/>
+              </a:rPr>
+              <a:t>Tydzień 7.8: Strona </a:t>
+            </a:r>
+            <a:r>
+              <a:rPr lang="pl-PL" b="0" strike="noStrike" spc="-1" dirty="0" err="1">
+                <a:solidFill>
+                  <a:srgbClr val="000000"/>
+                </a:solidFill>
+                <a:uFill>
+                  <a:solidFill>
+                    <a:srgbClr val="FFFFFF"/>
+                  </a:solidFill>
+                </a:uFill>
+                <a:latin typeface="Calibri"/>
+              </a:rPr>
+              <a:t>machine</a:t>
+            </a:r>
+            <a:r>
+              <a:rPr lang="pl-PL" b="0" strike="noStrike" spc="-1" dirty="0">
+                <a:solidFill>
+                  <a:srgbClr val="000000"/>
+                </a:solidFill>
+                <a:uFill>
+                  <a:solidFill>
+                    <a:srgbClr val="FFFFFF"/>
+                  </a:solidFill>
+                </a:uFill>
+                <a:latin typeface="Calibri"/>
+              </a:rPr>
+              <a:t> learning wykorzystująca </a:t>
+            </a:r>
+            <a:r>
+              <a:rPr lang="pl-PL" b="0" strike="noStrike" spc="-1" dirty="0" err="1">
+                <a:solidFill>
+                  <a:srgbClr val="000000"/>
+                </a:solidFill>
+                <a:uFill>
+                  <a:solidFill>
+                    <a:srgbClr val="FFFFFF"/>
+                  </a:solidFill>
+                </a:uFill>
+                <a:latin typeface="Calibri"/>
+              </a:rPr>
+              <a:t>DialogFlow</a:t>
+            </a:r>
+            <a:r>
+              <a:rPr lang="pl-PL" b="0" strike="noStrike" spc="-1" dirty="0">
+                <a:solidFill>
+                  <a:srgbClr val="000000"/>
+                </a:solidFill>
+                <a:uFill>
+                  <a:solidFill>
+                    <a:srgbClr val="FFFFFF"/>
+                  </a:solidFill>
+                </a:uFill>
+                <a:latin typeface="Calibri"/>
+              </a:rPr>
+              <a:t>, zapoznanie się z wymienioną wcześniej technologią, stworzenie odpowiedniej komunikacji</a:t>
+            </a:r>
+            <a:endParaRPr lang="pl-PL" b="0" strike="noStrike" spc="-1" dirty="0">
+              <a:solidFill>
+                <a:srgbClr val="000000"/>
+              </a:solidFill>
+              <a:uFill>
+                <a:solidFill>
+                  <a:srgbClr val="FFFFFF"/>
                 </a:solidFill>
               </a:uFill>
               <a:latin typeface="Arial"/>
@@ -4275,26 +4680,54 @@
               <a:buAutoNum type="arabicPeriod"/>
             </a:pPr>
             <a:r>
-              <a:rPr b="0" lang="pl-PL" sz="3200" spc="-1" strike="noStrike">
-                <a:solidFill>
-                  <a:srgbClr val="000000"/>
-                </a:solidFill>
-                <a:uFill>
-                  <a:solidFill>
-                    <a:srgbClr val="ffffff"/>
-                  </a:solidFill>
-                </a:uFill>
-                <a:latin typeface="Calibri"/>
-              </a:rPr>
-              <a:t>Tydzień 9: Stworzenie w Angularze reprezentacji planu oraz innych założonych funkcjonalności</a:t>
-            </a:r>
-            <a:endParaRPr b="0" lang="pl-PL" sz="1800" spc="-1" strike="noStrike">
-              <a:solidFill>
-                <a:srgbClr val="000000"/>
-              </a:solidFill>
-              <a:uFill>
-                <a:solidFill>
-                  <a:srgbClr val="ffffff"/>
+              <a:rPr lang="pl-PL" b="0" strike="noStrike" spc="-1" dirty="0">
+                <a:solidFill>
+                  <a:srgbClr val="000000"/>
+                </a:solidFill>
+                <a:uFill>
+                  <a:solidFill>
+                    <a:srgbClr val="FFFFFF"/>
+                  </a:solidFill>
+                </a:uFill>
+                <a:latin typeface="Calibri"/>
+              </a:rPr>
+              <a:t>Tydzień 9: Stworzenie w </a:t>
+            </a:r>
+            <a:r>
+              <a:rPr lang="pl-PL" b="0" strike="noStrike" spc="-1" dirty="0" err="1">
+                <a:solidFill>
+                  <a:srgbClr val="000000"/>
+                </a:solidFill>
+                <a:uFill>
+                  <a:solidFill>
+                    <a:srgbClr val="FFFFFF"/>
+                  </a:solidFill>
+                </a:uFill>
+                <a:latin typeface="Calibri"/>
+              </a:rPr>
+              <a:t>Angularze</a:t>
+            </a:r>
+            <a:r>
+              <a:rPr lang="pl-PL" b="0" strike="noStrike" spc="-1" dirty="0">
+                <a:solidFill>
+                  <a:srgbClr val="000000"/>
+                </a:solidFill>
+                <a:uFill>
+                  <a:solidFill>
+                    <a:srgbClr val="FFFFFF"/>
+                  </a:solidFill>
+                </a:uFill>
+                <a:latin typeface="Calibri"/>
+              </a:rPr>
+              <a:t> reprezentacji planu oraz innych założonych funkcjonalności</a:t>
+            </a:r>
+            <a:endParaRPr lang="pl-PL" b="0" strike="noStrike" spc="-1" dirty="0">
+              <a:solidFill>
+                <a:srgbClr val="000000"/>
+              </a:solidFill>
+              <a:uFill>
+                <a:solidFill>
+                  <a:srgbClr val="FFFFFF"/>
                 </a:solidFill>
               </a:uFill>
               <a:latin typeface="Arial"/>
@@ -4312,26 +4745,40 @@
               <a:buAutoNum type="arabicPeriod"/>
             </a:pPr>
             <a:r>
-              <a:rPr b="0" lang="pl-PL" sz="3200" spc="-1" strike="noStrike">
-                <a:solidFill>
-                  <a:srgbClr val="000000"/>
-                </a:solidFill>
-                <a:uFill>
-                  <a:solidFill>
-                    <a:srgbClr val="ffffff"/>
-                  </a:solidFill>
-                </a:uFill>
-                <a:latin typeface="Calibri"/>
-              </a:rPr>
-              <a:t>Tydzień 10: Dopracowanie strony front-end</a:t>
-            </a:r>
-            <a:endParaRPr b="0" lang="pl-PL" sz="1800" spc="-1" strike="noStrike">
-              <a:solidFill>
-                <a:srgbClr val="000000"/>
-              </a:solidFill>
-              <a:uFill>
-                <a:solidFill>
-                  <a:srgbClr val="ffffff"/>
+              <a:rPr lang="pl-PL" b="0" strike="noStrike" spc="-1" dirty="0">
+                <a:solidFill>
+                  <a:srgbClr val="000000"/>
+                </a:solidFill>
+                <a:uFill>
+                  <a:solidFill>
+                    <a:srgbClr val="FFFFFF"/>
+                  </a:solidFill>
+                </a:uFill>
+                <a:latin typeface="Calibri"/>
+              </a:rPr>
+              <a:t>Tydzień 10: Dopracowanie strony </a:t>
+            </a:r>
+            <a:r>
+              <a:rPr lang="pl-PL" b="0" strike="noStrike" spc="-1" dirty="0" err="1">
+                <a:solidFill>
+                  <a:srgbClr val="000000"/>
+                </a:solidFill>
+                <a:uFill>
+                  <a:solidFill>
+                    <a:srgbClr val="FFFFFF"/>
+                  </a:solidFill>
+                </a:uFill>
+                <a:latin typeface="Calibri"/>
+              </a:rPr>
+              <a:t>front-end</a:t>
+            </a:r>
+            <a:endParaRPr lang="pl-PL" b="0" strike="noStrike" spc="-1" dirty="0">
+              <a:solidFill>
+                <a:srgbClr val="000000"/>
+              </a:solidFill>
+              <a:uFill>
+                <a:solidFill>
+                  <a:srgbClr val="FFFFFF"/>
                 </a:solidFill>
               </a:uFill>
               <a:latin typeface="Arial"/>
@@ -4349,26 +4796,110 @@
               <a:buAutoNum type="arabicPeriod"/>
             </a:pPr>
             <a:r>
-              <a:rPr b="0" lang="pl-PL" sz="3200" spc="-1" strike="noStrike">
-                <a:solidFill>
-                  <a:srgbClr val="000000"/>
-                </a:solidFill>
-                <a:uFill>
-                  <a:solidFill>
-                    <a:srgbClr val="ffffff"/>
-                  </a:solidFill>
-                </a:uFill>
-                <a:latin typeface="Calibri"/>
-              </a:rPr>
-              <a:t>Tydzień 11: Kompletna integracja back-end, front-end, Dialog-Flow, dopracowanie aplikacji</a:t>
-            </a:r>
-            <a:endParaRPr b="0" lang="pl-PL" sz="1800" spc="-1" strike="noStrike">
-              <a:solidFill>
-                <a:srgbClr val="000000"/>
-              </a:solidFill>
-              <a:uFill>
-                <a:solidFill>
-                  <a:srgbClr val="ffffff"/>
+              <a:rPr lang="pl-PL" b="0" strike="noStrike" spc="-1" dirty="0">
+                <a:solidFill>
+                  <a:srgbClr val="000000"/>
+                </a:solidFill>
+                <a:uFill>
+                  <a:solidFill>
+                    <a:srgbClr val="FFFFFF"/>
+                  </a:solidFill>
+                </a:uFill>
+                <a:latin typeface="Calibri"/>
+              </a:rPr>
+              <a:t>Tydzień 11: Kompletna integracja </a:t>
+            </a:r>
+            <a:r>
+              <a:rPr lang="pl-PL" b="0" strike="noStrike" spc="-1" dirty="0" err="1">
+                <a:solidFill>
+                  <a:srgbClr val="000000"/>
+                </a:solidFill>
+                <a:uFill>
+                  <a:solidFill>
+                    <a:srgbClr val="FFFFFF"/>
+                  </a:solidFill>
+                </a:uFill>
+                <a:latin typeface="Calibri"/>
+              </a:rPr>
+              <a:t>back-end</a:t>
+            </a:r>
+            <a:r>
+              <a:rPr lang="pl-PL" b="0" strike="noStrike" spc="-1" dirty="0">
+                <a:solidFill>
+                  <a:srgbClr val="000000"/>
+                </a:solidFill>
+                <a:uFill>
+                  <a:solidFill>
+                    <a:srgbClr val="FFFFFF"/>
+                  </a:solidFill>
+                </a:uFill>
+                <a:latin typeface="Calibri"/>
+              </a:rPr>
+              <a:t>, </a:t>
+            </a:r>
+            <a:r>
+              <a:rPr lang="pl-PL" b="0" strike="noStrike" spc="-1" dirty="0" err="1">
+                <a:solidFill>
+                  <a:srgbClr val="000000"/>
+                </a:solidFill>
+                <a:uFill>
+                  <a:solidFill>
+                    <a:srgbClr val="FFFFFF"/>
+                  </a:solidFill>
+                </a:uFill>
+                <a:latin typeface="Calibri"/>
+              </a:rPr>
+              <a:t>front-end</a:t>
+            </a:r>
+            <a:r>
+              <a:rPr lang="pl-PL" b="0" strike="noStrike" spc="-1" dirty="0">
+                <a:solidFill>
+                  <a:srgbClr val="000000"/>
+                </a:solidFill>
+                <a:uFill>
+                  <a:solidFill>
+                    <a:srgbClr val="FFFFFF"/>
+                  </a:solidFill>
+                </a:uFill>
+                <a:latin typeface="Calibri"/>
+              </a:rPr>
+              <a:t>, </a:t>
+            </a:r>
+            <a:r>
+              <a:rPr lang="pl-PL" b="0" strike="noStrike" spc="-1" dirty="0" err="1">
+                <a:solidFill>
+                  <a:srgbClr val="000000"/>
+                </a:solidFill>
+                <a:uFill>
+                  <a:solidFill>
+                    <a:srgbClr val="FFFFFF"/>
+                  </a:solidFill>
+                </a:uFill>
+                <a:latin typeface="Calibri"/>
+              </a:rPr>
+              <a:t>Dialog-Flow</a:t>
+            </a:r>
+            <a:r>
+              <a:rPr lang="pl-PL" b="0" strike="noStrike" spc="-1" dirty="0">
+                <a:solidFill>
+                  <a:srgbClr val="000000"/>
+                </a:solidFill>
+                <a:uFill>
+                  <a:solidFill>
+                    <a:srgbClr val="FFFFFF"/>
+                  </a:solidFill>
+                </a:uFill>
+                <a:latin typeface="Calibri"/>
+              </a:rPr>
+              <a:t>, dopracowanie aplikacji</a:t>
+            </a:r>
+            <a:endParaRPr lang="pl-PL" b="0" strike="noStrike" spc="-1" dirty="0">
+              <a:solidFill>
+                <a:srgbClr val="000000"/>
+              </a:solidFill>
+              <a:uFill>
+                <a:solidFill>
+                  <a:srgbClr val="FFFFFF"/>
                 </a:solidFill>
               </a:uFill>
               <a:latin typeface="Arial"/>
@@ -4386,26 +4917,26 @@
               <a:buAutoNum type="arabicPeriod"/>
             </a:pPr>
             <a:r>
-              <a:rPr b="0" lang="pl-PL" sz="3200" spc="-1" strike="noStrike">
-                <a:solidFill>
-                  <a:srgbClr val="000000"/>
-                </a:solidFill>
-                <a:uFill>
-                  <a:solidFill>
-                    <a:srgbClr val="ffffff"/>
+              <a:rPr lang="pl-PL" b="0" strike="noStrike" spc="-1" dirty="0">
+                <a:solidFill>
+                  <a:srgbClr val="000000"/>
+                </a:solidFill>
+                <a:uFill>
+                  <a:solidFill>
+                    <a:srgbClr val="FFFFFF"/>
                   </a:solidFill>
                 </a:uFill>
                 <a:latin typeface="Calibri"/>
               </a:rPr>
               <a:t>Tydzień 12,13: Testy aplikacji, poprawki, dopracowanie aplikacji  </a:t>
             </a:r>
-            <a:endParaRPr b="0" lang="pl-PL" sz="1800" spc="-1" strike="noStrike">
-              <a:solidFill>
-                <a:srgbClr val="000000"/>
-              </a:solidFill>
-              <a:uFill>
-                <a:solidFill>
-                  <a:srgbClr val="ffffff"/>
+            <a:endParaRPr lang="pl-PL" b="0" strike="noStrike" spc="-1" dirty="0">
+              <a:solidFill>
+                <a:srgbClr val="000000"/>
+              </a:solidFill>
+              <a:uFill>
+                <a:solidFill>
+                  <a:srgbClr val="FFFFFF"/>
                 </a:solidFill>
               </a:uFill>
               <a:latin typeface="Arial"/>
@@ -4417,13 +4948,13 @@
                 <a:spcPct val="100000"/>
               </a:lnSpc>
             </a:pPr>
-            <a:endParaRPr b="0" lang="pl-PL" sz="1800" spc="-1" strike="noStrike">
-              <a:solidFill>
-                <a:srgbClr val="000000"/>
-              </a:solidFill>
-              <a:uFill>
-                <a:solidFill>
-                  <a:srgbClr val="ffffff"/>
+            <a:endParaRPr lang="pl-PL" b="0" strike="noStrike" spc="-1" dirty="0">
+              <a:solidFill>
+                <a:srgbClr val="000000"/>
+              </a:solidFill>
+              <a:uFill>
+                <a:solidFill>
+                  <a:srgbClr val="FFFFFF"/>
                 </a:solidFill>
               </a:uFill>
               <a:latin typeface="Arial"/>
@@ -4433,22 +4964,25 @@
       </p:sp>
     </p:spTree>
   </p:cSld>
+  <p:clrMapOvr>
+    <a:masterClrMapping/>
+  </p:clrMapOvr>
   <p:timing>
     <p:tnLst>
       <p:par>
-        <p:cTn id="3" dur="indefinite" restart="never" nodeType="tmRoot">
+        <p:cTn id="1" dur="indefinite" restart="never" nodeType="tmRoot">
           <p:childTnLst>
             <p:seq>
-              <p:cTn id="4" nodeType="mainSeq"/>
+              <p:cTn id="2" nodeType="mainSeq"/>
               <p:prevCondLst>
-                <p:cond delay="0" evt="onPrev">
+                <p:cond evt="onPrev" delay="0">
                   <p:tgtEl>
                     <p:sldTgt/>
                   </p:tgtEl>
                 </p:cond>
               </p:prevCondLst>
               <p:nextCondLst>
-                <p:cond delay="0" evt="onNext">
+                <p:cond evt="onNext" delay="0">
                   <p:tgtEl>
                     <p:sldTgt/>
                   </p:tgtEl>
@@ -4464,7 +4998,7 @@
 </file>
 
 <file path=ppt/slides/slide3.xml><?xml version="1.0" encoding="utf-8"?>
-<p:sld xmlns:a="http://schemas.openxmlformats.org/drawingml/2006/main" xmlns:p="http://schemas.openxmlformats.org/presentationml/2006/main" xmlns:r="http://schemas.openxmlformats.org/officeDocument/2006/relationships" xmlns:p14="http://schemas.microsoft.com/office/powerpoint/2010/main" xmlns:p15="http://schemas.microsoft.com/office/powerpoint/2012/main" xmlns:mc="http://schemas.openxmlformats.org/markup-compatibility/2006">
+<p:sld xmlns:a="http://schemas.openxmlformats.org/drawingml/2006/main" xmlns:r="http://schemas.openxmlformats.org/officeDocument/2006/relationships" xmlns:p="http://schemas.openxmlformats.org/presentationml/2006/main">
   <p:cSld>
     <p:spTree>
       <p:nvGrpSpPr>
@@ -4500,13 +5034,20 @@
           </a:ln>
         </p:spPr>
         <p:style>
-          <a:lnRef idx="0"/>
-          <a:fillRef idx="0"/>
-          <a:effectRef idx="0"/>
+          <a:lnRef idx="0">
+            <a:scrgbClr r="0" g="0" b="0"/>
+          </a:lnRef>
+          <a:fillRef idx="0">
+            <a:scrgbClr r="0" g="0" b="0"/>
+          </a:fillRef>
+          <a:effectRef idx="0">
+            <a:scrgbClr r="0" g="0" b="0"/>
+          </a:effectRef>
           <a:fontRef idx="minor"/>
         </p:style>
         <p:txBody>
-          <a:bodyPr lIns="90000" rIns="90000" tIns="45000" bIns="45000" anchor="ctr"/>
+          <a:bodyPr lIns="90000" tIns="45000" rIns="90000" bIns="45000" anchor="ctr"/>
+          <a:lstStyle/>
           <a:p>
             <a:pPr algn="ctr">
               <a:lnSpc>
@@ -4514,26 +5055,26 @@
               </a:lnSpc>
             </a:pPr>
             <a:r>
-              <a:rPr b="0" lang="pl-PL" sz="4000" spc="-1" strike="noStrike">
-                <a:solidFill>
-                  <a:srgbClr val="000000"/>
-                </a:solidFill>
-                <a:uFill>
-                  <a:solidFill>
-                    <a:srgbClr val="ffffff"/>
+              <a:rPr lang="pl-PL" sz="4000" b="0" strike="noStrike" spc="-1">
+                <a:solidFill>
+                  <a:srgbClr val="000000"/>
+                </a:solidFill>
+                <a:uFill>
+                  <a:solidFill>
+                    <a:srgbClr val="FFFFFF"/>
                   </a:solidFill>
                 </a:uFill>
                 <a:latin typeface="Calibri"/>
               </a:rPr>
               <a:t>Tydzień 3-4</a:t>
             </a:r>
-            <a:endParaRPr b="0" lang="pl-PL" sz="1800" spc="-1" strike="noStrike">
-              <a:solidFill>
-                <a:srgbClr val="000000"/>
-              </a:solidFill>
-              <a:uFill>
-                <a:solidFill>
-                  <a:srgbClr val="ffffff"/>
+            <a:endParaRPr lang="pl-PL" sz="1800" b="0" strike="noStrike" spc="-1">
+              <a:solidFill>
+                <a:srgbClr val="000000"/>
+              </a:solidFill>
+              <a:uFill>
+                <a:solidFill>
+                  <a:srgbClr val="FFFFFF"/>
                 </a:solidFill>
               </a:uFill>
               <a:latin typeface="Arial"/>
@@ -4561,13 +5102,20 @@
           </a:ln>
         </p:spPr>
         <p:style>
-          <a:lnRef idx="0"/>
-          <a:fillRef idx="0"/>
-          <a:effectRef idx="0"/>
+          <a:lnRef idx="0">
+            <a:scrgbClr r="0" g="0" b="0"/>
+          </a:lnRef>
+          <a:fillRef idx="0">
+            <a:scrgbClr r="0" g="0" b="0"/>
+          </a:fillRef>
+          <a:effectRef idx="0">
+            <a:scrgbClr r="0" g="0" b="0"/>
+          </a:effectRef>
           <a:fontRef idx="minor"/>
         </p:style>
         <p:txBody>
-          <a:bodyPr lIns="90000" rIns="90000" tIns="45000" bIns="45000"/>
+          <a:bodyPr lIns="90000" tIns="45000" rIns="90000" bIns="45000"/>
+          <a:lstStyle/>
           <a:p>
             <a:pPr marL="343080" indent="-342360">
               <a:lnSpc>
@@ -4580,26 +5128,26 @@
               <a:buChar char="•"/>
             </a:pPr>
             <a:r>
-              <a:rPr b="0" lang="pl-PL" sz="3200" spc="-1" strike="noStrike">
-                <a:solidFill>
-                  <a:srgbClr val="000000"/>
-                </a:solidFill>
-                <a:uFill>
-                  <a:solidFill>
-                    <a:srgbClr val="ffffff"/>
+              <a:rPr lang="pl-PL" sz="3200" b="0" strike="noStrike" spc="-1">
+                <a:solidFill>
+                  <a:srgbClr val="000000"/>
+                </a:solidFill>
+                <a:uFill>
+                  <a:solidFill>
+                    <a:srgbClr val="FFFFFF"/>
                   </a:solidFill>
                 </a:uFill>
                 <a:latin typeface="Calibri"/>
               </a:rPr>
               <a:t>Stworzenie aplikacji REST na framework’u Spring</a:t>
             </a:r>
-            <a:endParaRPr b="0" lang="pl-PL" sz="1800" spc="-1" strike="noStrike">
-              <a:solidFill>
-                <a:srgbClr val="000000"/>
-              </a:solidFill>
-              <a:uFill>
-                <a:solidFill>
-                  <a:srgbClr val="ffffff"/>
+            <a:endParaRPr lang="pl-PL" sz="1800" b="0" strike="noStrike" spc="-1">
+              <a:solidFill>
+                <a:srgbClr val="000000"/>
+              </a:solidFill>
+              <a:uFill>
+                <a:solidFill>
+                  <a:srgbClr val="FFFFFF"/>
                 </a:solidFill>
               </a:uFill>
               <a:latin typeface="Arial"/>
@@ -4617,26 +5165,26 @@
               <a:buChar char="•"/>
             </a:pPr>
             <a:r>
-              <a:rPr b="0" lang="pl-PL" sz="3200" spc="-1" strike="noStrike">
-                <a:solidFill>
-                  <a:srgbClr val="000000"/>
-                </a:solidFill>
-                <a:uFill>
-                  <a:solidFill>
-                    <a:srgbClr val="ffffff"/>
+              <a:rPr lang="pl-PL" sz="3200" b="0" strike="noStrike" spc="-1">
+                <a:solidFill>
+                  <a:srgbClr val="000000"/>
+                </a:solidFill>
+                <a:uFill>
+                  <a:solidFill>
+                    <a:srgbClr val="FFFFFF"/>
                   </a:solidFill>
                 </a:uFill>
                 <a:latin typeface="Calibri"/>
               </a:rPr>
               <a:t>Stworzenie większości endpoint’ów</a:t>
             </a:r>
-            <a:endParaRPr b="0" lang="pl-PL" sz="1800" spc="-1" strike="noStrike">
-              <a:solidFill>
-                <a:srgbClr val="000000"/>
-              </a:solidFill>
-              <a:uFill>
-                <a:solidFill>
-                  <a:srgbClr val="ffffff"/>
+            <a:endParaRPr lang="pl-PL" sz="1800" b="0" strike="noStrike" spc="-1">
+              <a:solidFill>
+                <a:srgbClr val="000000"/>
+              </a:solidFill>
+              <a:uFill>
+                <a:solidFill>
+                  <a:srgbClr val="FFFFFF"/>
                 </a:solidFill>
               </a:uFill>
               <a:latin typeface="Arial"/>
@@ -4646,22 +5194,25 @@
       </p:sp>
     </p:spTree>
   </p:cSld>
+  <p:clrMapOvr>
+    <a:masterClrMapping/>
+  </p:clrMapOvr>
   <p:timing>
     <p:tnLst>
       <p:par>
-        <p:cTn id="5" dur="indefinite" restart="never" nodeType="tmRoot">
+        <p:cTn id="1" dur="indefinite" restart="never" nodeType="tmRoot">
           <p:childTnLst>
             <p:seq>
-              <p:cTn id="6" nodeType="mainSeq"/>
+              <p:cTn id="2" nodeType="mainSeq"/>
               <p:prevCondLst>
-                <p:cond delay="0" evt="onPrev">
+                <p:cond evt="onPrev" delay="0">
                   <p:tgtEl>
                     <p:sldTgt/>
                   </p:tgtEl>
                 </p:cond>
               </p:prevCondLst>
               <p:nextCondLst>
-                <p:cond delay="0" evt="onNext">
+                <p:cond evt="onNext" delay="0">
                   <p:tgtEl>
                     <p:sldTgt/>
                   </p:tgtEl>
@@ -4677,7 +5228,7 @@
 </file>
 
 <file path=ppt/slides/slide4.xml><?xml version="1.0" encoding="utf-8"?>
-<p:sld xmlns:a="http://schemas.openxmlformats.org/drawingml/2006/main" xmlns:p="http://schemas.openxmlformats.org/presentationml/2006/main" xmlns:r="http://schemas.openxmlformats.org/officeDocument/2006/relationships" xmlns:p14="http://schemas.microsoft.com/office/powerpoint/2010/main" xmlns:p15="http://schemas.microsoft.com/office/powerpoint/2012/main" xmlns:mc="http://schemas.openxmlformats.org/markup-compatibility/2006">
+<p:sld xmlns:a="http://schemas.openxmlformats.org/drawingml/2006/main" xmlns:r="http://schemas.openxmlformats.org/officeDocument/2006/relationships" xmlns:p="http://schemas.openxmlformats.org/presentationml/2006/main">
   <p:cSld>
     <p:spTree>
       <p:nvGrpSpPr>
@@ -4713,13 +5264,20 @@
           </a:ln>
         </p:spPr>
         <p:style>
-          <a:lnRef idx="0"/>
-          <a:fillRef idx="0"/>
-          <a:effectRef idx="0"/>
+          <a:lnRef idx="0">
+            <a:scrgbClr r="0" g="0" b="0"/>
+          </a:lnRef>
+          <a:fillRef idx="0">
+            <a:scrgbClr r="0" g="0" b="0"/>
+          </a:fillRef>
+          <a:effectRef idx="0">
+            <a:scrgbClr r="0" g="0" b="0"/>
+          </a:effectRef>
           <a:fontRef idx="minor"/>
         </p:style>
         <p:txBody>
-          <a:bodyPr lIns="90000" rIns="90000" tIns="45000" bIns="45000" anchor="ctr"/>
+          <a:bodyPr lIns="90000" tIns="45000" rIns="90000" bIns="45000" anchor="ctr"/>
+          <a:lstStyle/>
           <a:p>
             <a:pPr algn="ctr">
               <a:lnSpc>
@@ -4727,26 +5285,26 @@
               </a:lnSpc>
             </a:pPr>
             <a:r>
-              <a:rPr b="0" lang="pl-PL" sz="4000" spc="-1" strike="noStrike">
-                <a:solidFill>
-                  <a:srgbClr val="000000"/>
-                </a:solidFill>
-                <a:uFill>
-                  <a:solidFill>
-                    <a:srgbClr val="ffffff"/>
+              <a:rPr lang="pl-PL" sz="4000" b="0" strike="noStrike" spc="-1">
+                <a:solidFill>
+                  <a:srgbClr val="000000"/>
+                </a:solidFill>
+                <a:uFill>
+                  <a:solidFill>
+                    <a:srgbClr val="FFFFFF"/>
                   </a:solidFill>
                 </a:uFill>
                 <a:latin typeface="Calibri"/>
               </a:rPr>
               <a:t>Problemy</a:t>
             </a:r>
-            <a:endParaRPr b="0" lang="pl-PL" sz="1800" spc="-1" strike="noStrike">
-              <a:solidFill>
-                <a:srgbClr val="000000"/>
-              </a:solidFill>
-              <a:uFill>
-                <a:solidFill>
-                  <a:srgbClr val="ffffff"/>
+            <a:endParaRPr lang="pl-PL" sz="1800" b="0" strike="noStrike" spc="-1">
+              <a:solidFill>
+                <a:srgbClr val="000000"/>
+              </a:solidFill>
+              <a:uFill>
+                <a:solidFill>
+                  <a:srgbClr val="FFFFFF"/>
                 </a:solidFill>
               </a:uFill>
               <a:latin typeface="Arial"/>
@@ -4774,13 +5332,20 @@
           </a:ln>
         </p:spPr>
         <p:style>
-          <a:lnRef idx="0"/>
-          <a:fillRef idx="0"/>
-          <a:effectRef idx="0"/>
+          <a:lnRef idx="0">
+            <a:scrgbClr r="0" g="0" b="0"/>
+          </a:lnRef>
+          <a:fillRef idx="0">
+            <a:scrgbClr r="0" g="0" b="0"/>
+          </a:fillRef>
+          <a:effectRef idx="0">
+            <a:scrgbClr r="0" g="0" b="0"/>
+          </a:effectRef>
           <a:fontRef idx="minor"/>
         </p:style>
         <p:txBody>
-          <a:bodyPr lIns="90000" rIns="90000" tIns="45000" bIns="45000"/>
+          <a:bodyPr lIns="90000" tIns="45000" rIns="90000" bIns="45000"/>
+          <a:lstStyle/>
           <a:p>
             <a:pPr marL="343080" indent="-342360">
               <a:lnSpc>
@@ -4793,26 +5358,26 @@
               <a:buChar char="•"/>
             </a:pPr>
             <a:r>
-              <a:rPr b="0" lang="pl-PL" sz="3200" spc="-1" strike="noStrike">
-                <a:solidFill>
-                  <a:srgbClr val="000000"/>
-                </a:solidFill>
-                <a:uFill>
-                  <a:solidFill>
-                    <a:srgbClr val="ffffff"/>
+              <a:rPr lang="pl-PL" sz="3200" b="0" strike="noStrike" spc="-1">
+                <a:solidFill>
+                  <a:srgbClr val="000000"/>
+                </a:solidFill>
+                <a:uFill>
+                  <a:solidFill>
+                    <a:srgbClr val="FFFFFF"/>
                   </a:solidFill>
                 </a:uFill>
                 <a:latin typeface="Calibri"/>
               </a:rPr>
               <a:t>Remote debug na aplikacji dockerowej</a:t>
             </a:r>
-            <a:endParaRPr b="0" lang="pl-PL" sz="1800" spc="-1" strike="noStrike">
-              <a:solidFill>
-                <a:srgbClr val="000000"/>
-              </a:solidFill>
-              <a:uFill>
-                <a:solidFill>
-                  <a:srgbClr val="ffffff"/>
+            <a:endParaRPr lang="pl-PL" sz="1800" b="0" strike="noStrike" spc="-1">
+              <a:solidFill>
+                <a:srgbClr val="000000"/>
+              </a:solidFill>
+              <a:uFill>
+                <a:solidFill>
+                  <a:srgbClr val="FFFFFF"/>
                 </a:solidFill>
               </a:uFill>
               <a:latin typeface="Arial"/>
@@ -4830,26 +5395,26 @@
               <a:buChar char="•"/>
             </a:pPr>
             <a:r>
-              <a:rPr b="0" lang="pl-PL" sz="3200" spc="-1" strike="noStrike">
-                <a:solidFill>
-                  <a:srgbClr val="000000"/>
-                </a:solidFill>
-                <a:uFill>
-                  <a:solidFill>
-                    <a:srgbClr val="ffffff"/>
+              <a:rPr lang="pl-PL" sz="3200" b="0" strike="noStrike" spc="-1">
+                <a:solidFill>
+                  <a:srgbClr val="000000"/>
+                </a:solidFill>
+                <a:uFill>
+                  <a:solidFill>
+                    <a:srgbClr val="FFFFFF"/>
                   </a:solidFill>
                 </a:uFill>
                 <a:latin typeface="Calibri"/>
               </a:rPr>
               <a:t>Integracja aplikacji z Hibernate</a:t>
             </a:r>
-            <a:endParaRPr b="0" lang="pl-PL" sz="1800" spc="-1" strike="noStrike">
-              <a:solidFill>
-                <a:srgbClr val="000000"/>
-              </a:solidFill>
-              <a:uFill>
-                <a:solidFill>
-                  <a:srgbClr val="ffffff"/>
+            <a:endParaRPr lang="pl-PL" sz="1800" b="0" strike="noStrike" spc="-1">
+              <a:solidFill>
+                <a:srgbClr val="000000"/>
+              </a:solidFill>
+              <a:uFill>
+                <a:solidFill>
+                  <a:srgbClr val="FFFFFF"/>
                 </a:solidFill>
               </a:uFill>
               <a:latin typeface="Arial"/>
@@ -4859,22 +5424,25 @@
       </p:sp>
     </p:spTree>
   </p:cSld>
+  <p:clrMapOvr>
+    <a:masterClrMapping/>
+  </p:clrMapOvr>
   <p:timing>
     <p:tnLst>
       <p:par>
-        <p:cTn id="7" dur="indefinite" restart="never" nodeType="tmRoot">
+        <p:cTn id="1" dur="indefinite" restart="never" nodeType="tmRoot">
           <p:childTnLst>
             <p:seq>
-              <p:cTn id="8" nodeType="mainSeq"/>
+              <p:cTn id="2" nodeType="mainSeq"/>
               <p:prevCondLst>
-                <p:cond delay="0" evt="onPrev">
+                <p:cond evt="onPrev" delay="0">
                   <p:tgtEl>
                     <p:sldTgt/>
                   </p:tgtEl>
                 </p:cond>
               </p:prevCondLst>
               <p:nextCondLst>
-                <p:cond delay="0" evt="onNext">
+                <p:cond evt="onNext" delay="0">
                   <p:tgtEl>
                     <p:sldTgt/>
                   </p:tgtEl>
@@ -4890,7 +5458,7 @@
 </file>
 
 <file path=ppt/slides/slide5.xml><?xml version="1.0" encoding="utf-8"?>
-<p:sld xmlns:a="http://schemas.openxmlformats.org/drawingml/2006/main" xmlns:p="http://schemas.openxmlformats.org/presentationml/2006/main" xmlns:r="http://schemas.openxmlformats.org/officeDocument/2006/relationships" xmlns:p14="http://schemas.microsoft.com/office/powerpoint/2010/main" xmlns:p15="http://schemas.microsoft.com/office/powerpoint/2012/main" xmlns:mc="http://schemas.openxmlformats.org/markup-compatibility/2006">
+<p:sld xmlns:a="http://schemas.openxmlformats.org/drawingml/2006/main" xmlns:r="http://schemas.openxmlformats.org/officeDocument/2006/relationships" xmlns:p="http://schemas.openxmlformats.org/presentationml/2006/main">
   <p:cSld>
     <p:spTree>
       <p:nvGrpSpPr>
@@ -4926,13 +5494,20 @@
           </a:ln>
         </p:spPr>
         <p:style>
-          <a:lnRef idx="0"/>
-          <a:fillRef idx="0"/>
-          <a:effectRef idx="0"/>
+          <a:lnRef idx="0">
+            <a:scrgbClr r="0" g="0" b="0"/>
+          </a:lnRef>
+          <a:fillRef idx="0">
+            <a:scrgbClr r="0" g="0" b="0"/>
+          </a:fillRef>
+          <a:effectRef idx="0">
+            <a:scrgbClr r="0" g="0" b="0"/>
+          </a:effectRef>
           <a:fontRef idx="minor"/>
         </p:style>
         <p:txBody>
-          <a:bodyPr lIns="90000" rIns="90000" tIns="45000" bIns="45000" anchor="ctr"/>
+          <a:bodyPr lIns="90000" tIns="45000" rIns="90000" bIns="45000" anchor="ctr"/>
+          <a:lstStyle/>
           <a:p>
             <a:pPr algn="ctr">
               <a:lnSpc>
@@ -4940,26 +5515,26 @@
               </a:lnSpc>
             </a:pPr>
             <a:r>
-              <a:rPr b="0" lang="pl-PL" sz="4000" spc="-1" strike="noStrike">
-                <a:solidFill>
-                  <a:srgbClr val="000000"/>
-                </a:solidFill>
-                <a:uFill>
-                  <a:solidFill>
-                    <a:srgbClr val="ffffff"/>
+              <a:rPr lang="pl-PL" sz="4000" b="0" strike="noStrike" spc="-1">
+                <a:solidFill>
+                  <a:srgbClr val="000000"/>
+                </a:solidFill>
+                <a:uFill>
+                  <a:solidFill>
+                    <a:srgbClr val="FFFFFF"/>
                   </a:solidFill>
                 </a:uFill>
                 <a:latin typeface="Calibri"/>
               </a:rPr>
               <a:t>Stworzone endpoint’y</a:t>
             </a:r>
-            <a:endParaRPr b="0" lang="pl-PL" sz="1800" spc="-1" strike="noStrike">
-              <a:solidFill>
-                <a:srgbClr val="000000"/>
-              </a:solidFill>
-              <a:uFill>
-                <a:solidFill>
-                  <a:srgbClr val="ffffff"/>
+            <a:endParaRPr lang="pl-PL" sz="1800" b="0" strike="noStrike" spc="-1">
+              <a:solidFill>
+                <a:srgbClr val="000000"/>
+              </a:solidFill>
+              <a:uFill>
+                <a:solidFill>
+                  <a:srgbClr val="FFFFFF"/>
                 </a:solidFill>
               </a:uFill>
               <a:latin typeface="Arial"/>
@@ -4987,13 +5562,83 @@
           </a:ln>
         </p:spPr>
         <p:style>
-          <a:lnRef idx="0"/>
-          <a:fillRef idx="0"/>
-          <a:effectRef idx="0"/>
+          <a:lnRef idx="0">
+            <a:scrgbClr r="0" g="0" b="0"/>
+          </a:lnRef>
+          <a:fillRef idx="0">
+            <a:scrgbClr r="0" g="0" b="0"/>
+          </a:fillRef>
+          <a:effectRef idx="0">
+            <a:scrgbClr r="0" g="0" b="0"/>
+          </a:effectRef>
           <a:fontRef idx="minor"/>
         </p:style>
         <p:txBody>
-          <a:bodyPr lIns="90000" rIns="90000" tIns="45000" bIns="45000"/>
+          <a:bodyPr lIns="90000" tIns="45000" rIns="90000" bIns="45000"/>
+          <a:lstStyle/>
+          <a:p>
+            <a:pPr marL="343620" indent="-342900">
+              <a:lnSpc>
+                <a:spcPct val="100000"/>
+              </a:lnSpc>
+              <a:buClr>
+                <a:srgbClr val="000000"/>
+              </a:buClr>
+            </a:pPr>
+            <a:r>
+              <a:rPr lang="pl-PL" sz="1800" b="0" strike="noStrike" spc="-1" dirty="0" smtClean="0">
+                <a:solidFill>
+                  <a:srgbClr val="000000"/>
+                </a:solidFill>
+                <a:uFill>
+                  <a:solidFill>
+                    <a:srgbClr val="FFFFFF"/>
+                  </a:solidFill>
+                </a:uFill>
+                <a:latin typeface="Calibri"/>
+              </a:rPr>
+              <a:t>1.   </a:t>
+            </a:r>
+            <a:r>
+              <a:rPr lang="pl-PL" sz="1800" b="0" strike="noStrike" spc="-1" dirty="0" err="1" smtClean="0">
+                <a:solidFill>
+                  <a:srgbClr val="000000"/>
+                </a:solidFill>
+                <a:uFill>
+                  <a:solidFill>
+                    <a:srgbClr val="FFFFFF"/>
+                  </a:solidFill>
+                </a:uFill>
+                <a:latin typeface="Calibri"/>
+              </a:rPr>
+              <a:t>getStudentSchedule</a:t>
+            </a:r>
+            <a:r>
+              <a:rPr lang="pl-PL" sz="1800" b="0" strike="noStrike" spc="-1" dirty="0" smtClean="0">
+                <a:solidFill>
+                  <a:srgbClr val="000000"/>
+                </a:solidFill>
+                <a:uFill>
+                  <a:solidFill>
+                    <a:srgbClr val="FFFFFF"/>
+                  </a:solidFill>
+                </a:uFill>
+                <a:latin typeface="Calibri"/>
+              </a:rPr>
+              <a:t> </a:t>
+            </a:r>
+            <a:endParaRPr lang="pl-PL" sz="1800" b="0" strike="noStrike" spc="-1" dirty="0">
+              <a:solidFill>
+                <a:srgbClr val="000000"/>
+              </a:solidFill>
+              <a:uFill>
+                <a:solidFill>
+                  <a:srgbClr val="FFFFFF"/>
+                </a:solidFill>
+              </a:uFill>
+              <a:latin typeface="Arial"/>
+            </a:endParaRPr>
+          </a:p>
           <a:p>
             <a:pPr marL="343080" indent="-342360">
               <a:lnSpc>
@@ -5002,30 +5647,70 @@
               <a:buClr>
                 <a:srgbClr val="000000"/>
               </a:buClr>
-              <a:buFont typeface="Arial"/>
-              <a:buChar char="•"/>
             </a:pPr>
             <a:r>
-              <a:rPr b="0" lang="pl-PL" sz="1800" spc="-1" strike="noStrike">
-                <a:solidFill>
-                  <a:srgbClr val="000000"/>
-                </a:solidFill>
-                <a:uFill>
-                  <a:solidFill>
-                    <a:srgbClr val="ffffff"/>
-                  </a:solidFill>
-                </a:uFill>
-                <a:latin typeface="Calibri"/>
-              </a:rPr>
-              <a:t>/getStudentSchedule </a:t>
-            </a:r>
-            <a:endParaRPr b="0" lang="pl-PL" sz="1800" spc="-1" strike="noStrike">
-              <a:solidFill>
-                <a:srgbClr val="000000"/>
-              </a:solidFill>
-              <a:uFill>
-                <a:solidFill>
-                  <a:srgbClr val="ffffff"/>
+              <a:rPr lang="pl-PL" sz="1800" b="0" strike="noStrike" spc="-1" dirty="0" smtClean="0">
+                <a:solidFill>
+                  <a:srgbClr val="000000"/>
+                </a:solidFill>
+                <a:uFill>
+                  <a:solidFill>
+                    <a:srgbClr val="FFFFFF"/>
+                  </a:solidFill>
+                </a:uFill>
+                <a:latin typeface="Calibri"/>
+              </a:rPr>
+              <a:t>	</a:t>
+            </a:r>
+            <a:r>
+              <a:rPr lang="pl-PL" sz="1800" b="0" strike="noStrike" spc="-1" dirty="0" err="1" smtClean="0">
+                <a:solidFill>
+                  <a:srgbClr val="000000"/>
+                </a:solidFill>
+                <a:uFill>
+                  <a:solidFill>
+                    <a:srgbClr val="FFFFFF"/>
+                  </a:solidFill>
+                </a:uFill>
+                <a:latin typeface="Calibri"/>
+              </a:rPr>
+              <a:t>parameters</a:t>
+            </a:r>
+            <a:r>
+              <a:rPr lang="pl-PL" sz="1800" b="0" strike="noStrike" spc="-1" dirty="0">
+                <a:solidFill>
+                  <a:srgbClr val="000000"/>
+                </a:solidFill>
+                <a:uFill>
+                  <a:solidFill>
+                    <a:srgbClr val="FFFFFF"/>
+                  </a:solidFill>
+                </a:uFill>
+                <a:latin typeface="Calibri"/>
+              </a:rPr>
+              <a:t>: </a:t>
+            </a:r>
+            <a:r>
+              <a:rPr lang="pl-PL" sz="1800" b="0" strike="noStrike" spc="-1" dirty="0" err="1">
+                <a:solidFill>
+                  <a:srgbClr val="000000"/>
+                </a:solidFill>
+                <a:uFill>
+                  <a:solidFill>
+                    <a:srgbClr val="FFFFFF"/>
+                  </a:solidFill>
+                </a:uFill>
+                <a:latin typeface="Calibri"/>
+              </a:rPr>
+              <a:t>index</a:t>
+            </a:r>
+            <a:endParaRPr lang="pl-PL" sz="1800" b="0" strike="noStrike" spc="-1" dirty="0">
+              <a:solidFill>
+                <a:srgbClr val="000000"/>
+              </a:solidFill>
+              <a:uFill>
+                <a:solidFill>
+                  <a:srgbClr val="FFFFFF"/>
                 </a:solidFill>
               </a:uFill>
               <a:latin typeface="Arial"/>
@@ -5039,34 +5724,49 @@
               <a:buClr>
                 <a:srgbClr val="000000"/>
               </a:buClr>
-              <a:buFont typeface="Arial"/>
-              <a:buChar char="•"/>
             </a:pPr>
             <a:r>
-              <a:rPr b="0" lang="pl-PL" sz="1800" spc="-1" strike="noStrike">
-                <a:solidFill>
-                  <a:srgbClr val="000000"/>
-                </a:solidFill>
-                <a:uFill>
-                  <a:solidFill>
-                    <a:srgbClr val="ffffff"/>
-                  </a:solidFill>
-                </a:uFill>
-                <a:latin typeface="Calibri"/>
-              </a:rPr>
-              <a:t>params: index</a:t>
-            </a:r>
-            <a:endParaRPr b="0" lang="pl-PL" sz="1800" spc="-1" strike="noStrike">
-              <a:solidFill>
-                <a:srgbClr val="000000"/>
-              </a:solidFill>
-              <a:uFill>
-                <a:solidFill>
-                  <a:srgbClr val="ffffff"/>
-                </a:solidFill>
-              </a:uFill>
-              <a:latin typeface="Arial"/>
-            </a:endParaRPr>
+              <a:rPr lang="pl-PL" sz="1800" b="0" strike="noStrike" spc="-1" dirty="0" smtClean="0">
+                <a:solidFill>
+                  <a:srgbClr val="000000"/>
+                </a:solidFill>
+                <a:uFill>
+                  <a:solidFill>
+                    <a:srgbClr val="FFFFFF"/>
+                  </a:solidFill>
+                </a:uFill>
+                <a:latin typeface="Calibri"/>
+              </a:rPr>
+              <a:t>	opis</a:t>
+            </a:r>
+            <a:r>
+              <a:rPr lang="pl-PL" sz="1800" b="0" strike="noStrike" spc="-1" dirty="0">
+                <a:solidFill>
+                  <a:srgbClr val="000000"/>
+                </a:solidFill>
+                <a:uFill>
+                  <a:solidFill>
+                    <a:srgbClr val="FFFFFF"/>
+                  </a:solidFill>
+                </a:uFill>
+                <a:latin typeface="Calibri"/>
+              </a:rPr>
+              <a:t>: pobieranie całego planu studenta wg </a:t>
+            </a:r>
+            <a:r>
+              <a:rPr lang="pl-PL" sz="1800" b="0" strike="noStrike" spc="-1" dirty="0" smtClean="0">
+                <a:solidFill>
+                  <a:srgbClr val="000000"/>
+                </a:solidFill>
+                <a:uFill>
+                  <a:solidFill>
+                    <a:srgbClr val="FFFFFF"/>
+                  </a:solidFill>
+                </a:uFill>
+                <a:latin typeface="Calibri"/>
+              </a:rPr>
+              <a:t>indeksu</a:t>
+            </a:r>
           </a:p>
           <a:p>
             <a:pPr marL="343080" indent="-342360">
@@ -5076,30 +5776,63 @@
               <a:buClr>
                 <a:srgbClr val="000000"/>
               </a:buClr>
-              <a:buFont typeface="Arial"/>
-              <a:buChar char="•"/>
             </a:pPr>
-            <a:r>
-              <a:rPr b="0" lang="pl-PL" sz="1800" spc="-1" strike="noStrike">
-                <a:solidFill>
-                  <a:srgbClr val="000000"/>
-                </a:solidFill>
-                <a:uFill>
-                  <a:solidFill>
-                    <a:srgbClr val="ffffff"/>
-                  </a:solidFill>
-                </a:uFill>
-                <a:latin typeface="Calibri"/>
-              </a:rPr>
-              <a:t>opis: pobieranie całego planu studenta wg indeksu</a:t>
-            </a:r>
-            <a:endParaRPr b="0" lang="pl-PL" sz="1800" spc="-1" strike="noStrike">
-              <a:solidFill>
-                <a:srgbClr val="000000"/>
-              </a:solidFill>
-              <a:uFill>
-                <a:solidFill>
-                  <a:srgbClr val="ffffff"/>
+            <a:endParaRPr lang="pl-PL" sz="1800" b="0" strike="noStrike" spc="-1" dirty="0">
+              <a:solidFill>
+                <a:srgbClr val="000000"/>
+              </a:solidFill>
+              <a:uFill>
+                <a:solidFill>
+                  <a:srgbClr val="FFFFFF"/>
+                </a:solidFill>
+              </a:uFill>
+              <a:latin typeface="Arial"/>
+            </a:endParaRPr>
+          </a:p>
+          <a:p>
+            <a:pPr marL="343620" indent="-342900">
+              <a:lnSpc>
+                <a:spcPct val="100000"/>
+              </a:lnSpc>
+              <a:buClr>
+                <a:srgbClr val="000000"/>
+              </a:buClr>
+            </a:pPr>
+            <a:r>
+              <a:rPr lang="pl-PL" sz="1800" b="0" strike="noStrike" spc="-1" dirty="0" smtClean="0">
+                <a:solidFill>
+                  <a:srgbClr val="000000"/>
+                </a:solidFill>
+                <a:uFill>
+                  <a:solidFill>
+                    <a:srgbClr val="FFFFFF"/>
+                  </a:solidFill>
+                </a:uFill>
+                <a:latin typeface="Calibri"/>
+              </a:rPr>
+              <a:t>2.   </a:t>
+            </a:r>
+            <a:r>
+              <a:rPr lang="pl-PL" sz="1800" b="0" strike="noStrike" spc="-1" dirty="0" err="1" smtClean="0">
+                <a:solidFill>
+                  <a:srgbClr val="000000"/>
+                </a:solidFill>
+                <a:uFill>
+                  <a:solidFill>
+                    <a:srgbClr val="FFFFFF"/>
+                  </a:solidFill>
+                </a:uFill>
+                <a:latin typeface="Calibri"/>
+              </a:rPr>
+              <a:t>getStudentScheduleForDay</a:t>
+            </a:r>
+            <a:endParaRPr lang="pl-PL" sz="1800" b="0" strike="noStrike" spc="-1" dirty="0">
+              <a:solidFill>
+                <a:srgbClr val="000000"/>
+              </a:solidFill>
+              <a:uFill>
+                <a:solidFill>
+                  <a:srgbClr val="FFFFFF"/>
                 </a:solidFill>
               </a:uFill>
               <a:latin typeface="Arial"/>
@@ -5113,30 +5846,98 @@
               <a:buClr>
                 <a:srgbClr val="000000"/>
               </a:buClr>
-              <a:buFont typeface="Arial"/>
-              <a:buChar char="•"/>
             </a:pPr>
             <a:r>
-              <a:rPr b="0" lang="pl-PL" sz="1800" spc="-1" strike="noStrike">
-                <a:solidFill>
-                  <a:srgbClr val="000000"/>
-                </a:solidFill>
-                <a:uFill>
-                  <a:solidFill>
-                    <a:srgbClr val="ffffff"/>
-                  </a:solidFill>
-                </a:uFill>
-                <a:latin typeface="Calibri"/>
-              </a:rPr>
-              <a:t>/getStudentScheduleForDay</a:t>
-            </a:r>
-            <a:endParaRPr b="0" lang="pl-PL" sz="1800" spc="-1" strike="noStrike">
-              <a:solidFill>
-                <a:srgbClr val="000000"/>
-              </a:solidFill>
-              <a:uFill>
-                <a:solidFill>
-                  <a:srgbClr val="ffffff"/>
+              <a:rPr lang="pl-PL" sz="1800" b="0" strike="noStrike" spc="-1" dirty="0" smtClean="0">
+                <a:solidFill>
+                  <a:srgbClr val="000000"/>
+                </a:solidFill>
+                <a:uFill>
+                  <a:solidFill>
+                    <a:srgbClr val="FFFFFF"/>
+                  </a:solidFill>
+                </a:uFill>
+                <a:latin typeface="Calibri"/>
+              </a:rPr>
+              <a:t>	</a:t>
+            </a:r>
+            <a:r>
+              <a:rPr lang="pl-PL" sz="1800" b="0" strike="noStrike" spc="-1" dirty="0" err="1" smtClean="0">
+                <a:solidFill>
+                  <a:srgbClr val="000000"/>
+                </a:solidFill>
+                <a:uFill>
+                  <a:solidFill>
+                    <a:srgbClr val="FFFFFF"/>
+                  </a:solidFill>
+                </a:uFill>
+                <a:latin typeface="Calibri"/>
+              </a:rPr>
+              <a:t>parameters</a:t>
+            </a:r>
+            <a:r>
+              <a:rPr lang="pl-PL" sz="1800" b="0" strike="noStrike" spc="-1" dirty="0">
+                <a:solidFill>
+                  <a:srgbClr val="000000"/>
+                </a:solidFill>
+                <a:uFill>
+                  <a:solidFill>
+                    <a:srgbClr val="FFFFFF"/>
+                  </a:solidFill>
+                </a:uFill>
+                <a:latin typeface="Calibri"/>
+              </a:rPr>
+              <a:t>: </a:t>
+            </a:r>
+            <a:r>
+              <a:rPr lang="pl-PL" sz="1800" b="0" strike="noStrike" spc="-1" dirty="0" err="1">
+                <a:solidFill>
+                  <a:srgbClr val="000000"/>
+                </a:solidFill>
+                <a:uFill>
+                  <a:solidFill>
+                    <a:srgbClr val="FFFFFF"/>
+                  </a:solidFill>
+                </a:uFill>
+                <a:latin typeface="Calibri"/>
+              </a:rPr>
+              <a:t>index</a:t>
+            </a:r>
+            <a:r>
+              <a:rPr lang="pl-PL" sz="1800" b="0" strike="noStrike" spc="-1" dirty="0">
+                <a:solidFill>
+                  <a:srgbClr val="000000"/>
+                </a:solidFill>
+                <a:uFill>
+                  <a:solidFill>
+                    <a:srgbClr val="FFFFFF"/>
+                  </a:solidFill>
+                </a:uFill>
+                <a:latin typeface="Calibri"/>
+              </a:rPr>
+              <a:t>, </a:t>
+            </a:r>
+            <a:r>
+              <a:rPr lang="pl-PL" sz="1800" b="0" strike="noStrike" spc="-1" dirty="0" err="1">
+                <a:solidFill>
+                  <a:srgbClr val="000000"/>
+                </a:solidFill>
+                <a:uFill>
+                  <a:solidFill>
+                    <a:srgbClr val="FFFFFF"/>
+                  </a:solidFill>
+                </a:uFill>
+                <a:latin typeface="Calibri"/>
+              </a:rPr>
+              <a:t>date</a:t>
+            </a:r>
+            <a:endParaRPr lang="pl-PL" sz="1800" b="0" strike="noStrike" spc="-1" dirty="0">
+              <a:solidFill>
+                <a:srgbClr val="000000"/>
+              </a:solidFill>
+              <a:uFill>
+                <a:solidFill>
+                  <a:srgbClr val="FFFFFF"/>
                 </a:solidFill>
               </a:uFill>
               <a:latin typeface="Arial"/>
@@ -5150,34 +5951,49 @@
               <a:buClr>
                 <a:srgbClr val="000000"/>
               </a:buClr>
-              <a:buFont typeface="Arial"/>
-              <a:buChar char="•"/>
             </a:pPr>
             <a:r>
-              <a:rPr b="0" lang="pl-PL" sz="1800" spc="-1" strike="noStrike">
-                <a:solidFill>
-                  <a:srgbClr val="000000"/>
-                </a:solidFill>
-                <a:uFill>
-                  <a:solidFill>
-                    <a:srgbClr val="ffffff"/>
-                  </a:solidFill>
-                </a:uFill>
-                <a:latin typeface="Calibri"/>
-              </a:rPr>
-              <a:t>params: index, date</a:t>
-            </a:r>
-            <a:endParaRPr b="0" lang="pl-PL" sz="1800" spc="-1" strike="noStrike">
-              <a:solidFill>
-                <a:srgbClr val="000000"/>
-              </a:solidFill>
-              <a:uFill>
-                <a:solidFill>
-                  <a:srgbClr val="ffffff"/>
-                </a:solidFill>
-              </a:uFill>
-              <a:latin typeface="Arial"/>
-            </a:endParaRPr>
+              <a:rPr lang="pl-PL" sz="1800" b="0" strike="noStrike" spc="-1" dirty="0" smtClean="0">
+                <a:solidFill>
+                  <a:srgbClr val="000000"/>
+                </a:solidFill>
+                <a:uFill>
+                  <a:solidFill>
+                    <a:srgbClr val="FFFFFF"/>
+                  </a:solidFill>
+                </a:uFill>
+                <a:latin typeface="Calibri"/>
+              </a:rPr>
+              <a:t>	opis</a:t>
+            </a:r>
+            <a:r>
+              <a:rPr lang="pl-PL" sz="1800" b="0" strike="noStrike" spc="-1" dirty="0">
+                <a:solidFill>
+                  <a:srgbClr val="000000"/>
+                </a:solidFill>
+                <a:uFill>
+                  <a:solidFill>
+                    <a:srgbClr val="FFFFFF"/>
+                  </a:solidFill>
+                </a:uFill>
+                <a:latin typeface="Calibri"/>
+              </a:rPr>
+              <a:t>: pobieranie planu studenta na dany dzień wg </a:t>
+            </a:r>
+            <a:r>
+              <a:rPr lang="pl-PL" sz="1800" b="0" strike="noStrike" spc="-1" dirty="0" smtClean="0">
+                <a:solidFill>
+                  <a:srgbClr val="000000"/>
+                </a:solidFill>
+                <a:uFill>
+                  <a:solidFill>
+                    <a:srgbClr val="FFFFFF"/>
+                  </a:solidFill>
+                </a:uFill>
+                <a:latin typeface="Calibri"/>
+              </a:rPr>
+              <a:t>indeksu</a:t>
+            </a:r>
           </a:p>
           <a:p>
             <a:pPr marL="343080" indent="-342360">
@@ -5187,30 +6003,14 @@
               <a:buClr>
                 <a:srgbClr val="000000"/>
               </a:buClr>
-              <a:buFont typeface="Arial"/>
-              <a:buChar char="•"/>
             </a:pPr>
-            <a:r>
-              <a:rPr b="0" lang="pl-PL" sz="1800" spc="-1" strike="noStrike">
-                <a:solidFill>
-                  <a:srgbClr val="000000"/>
-                </a:solidFill>
-                <a:uFill>
-                  <a:solidFill>
-                    <a:srgbClr val="ffffff"/>
-                  </a:solidFill>
-                </a:uFill>
-                <a:latin typeface="Calibri"/>
-              </a:rPr>
-              <a:t>opis: pobieranie planu studenta na dany dzień wg indeksu</a:t>
-            </a:r>
-            <a:endParaRPr b="0" lang="pl-PL" sz="1800" spc="-1" strike="noStrike">
-              <a:solidFill>
-                <a:srgbClr val="000000"/>
-              </a:solidFill>
-              <a:uFill>
-                <a:solidFill>
-                  <a:srgbClr val="ffffff"/>
+            <a:endParaRPr lang="pl-PL" sz="1800" b="0" strike="noStrike" spc="-1" dirty="0">
+              <a:solidFill>
+                <a:srgbClr val="000000"/>
+              </a:solidFill>
+              <a:uFill>
+                <a:solidFill>
+                  <a:srgbClr val="FFFFFF"/>
                 </a:solidFill>
               </a:uFill>
               <a:latin typeface="Arial"/>
@@ -5224,30 +6024,42 @@
               <a:buClr>
                 <a:srgbClr val="000000"/>
               </a:buClr>
-              <a:buFont typeface="Arial"/>
-              <a:buChar char="•"/>
             </a:pPr>
             <a:r>
-              <a:rPr b="0" lang="pl-PL" sz="1800" spc="-1" strike="noStrike">
-                <a:solidFill>
-                  <a:srgbClr val="000000"/>
-                </a:solidFill>
-                <a:uFill>
-                  <a:solidFill>
-                    <a:srgbClr val="ffffff"/>
-                  </a:solidFill>
-                </a:uFill>
-                <a:latin typeface="Calibri"/>
-              </a:rPr>
-              <a:t>/getStudent</a:t>
-            </a:r>
-            <a:endParaRPr b="0" lang="pl-PL" sz="1800" spc="-1" strike="noStrike">
-              <a:solidFill>
-                <a:srgbClr val="000000"/>
-              </a:solidFill>
-              <a:uFill>
-                <a:solidFill>
-                  <a:srgbClr val="ffffff"/>
+              <a:rPr lang="pl-PL" spc="-1" dirty="0" smtClean="0">
+                <a:solidFill>
+                  <a:srgbClr val="000000"/>
+                </a:solidFill>
+                <a:uFill>
+                  <a:solidFill>
+                    <a:srgbClr val="FFFFFF"/>
+                  </a:solidFill>
+                </a:uFill>
+                <a:latin typeface="Calibri"/>
+              </a:rPr>
+              <a:t>3.   </a:t>
+            </a:r>
+            <a:r>
+              <a:rPr lang="pl-PL" sz="1800" b="0" strike="noStrike" spc="-1" dirty="0" err="1" smtClean="0">
+                <a:solidFill>
+                  <a:srgbClr val="000000"/>
+                </a:solidFill>
+                <a:uFill>
+                  <a:solidFill>
+                    <a:srgbClr val="FFFFFF"/>
+                  </a:solidFill>
+                </a:uFill>
+                <a:latin typeface="Calibri"/>
+              </a:rPr>
+              <a:t>getStudent</a:t>
+            </a:r>
+            <a:endParaRPr lang="pl-PL" sz="1800" b="0" strike="noStrike" spc="-1" dirty="0">
+              <a:solidFill>
+                <a:srgbClr val="000000"/>
+              </a:solidFill>
+              <a:uFill>
+                <a:solidFill>
+                  <a:srgbClr val="FFFFFF"/>
                 </a:solidFill>
               </a:uFill>
               <a:latin typeface="Arial"/>
@@ -5261,30 +6073,70 @@
               <a:buClr>
                 <a:srgbClr val="000000"/>
               </a:buClr>
-              <a:buFont typeface="Arial"/>
-              <a:buChar char="•"/>
             </a:pPr>
             <a:r>
-              <a:rPr b="0" lang="pl-PL" sz="1800" spc="-1" strike="noStrike">
-                <a:solidFill>
-                  <a:srgbClr val="000000"/>
-                </a:solidFill>
-                <a:uFill>
-                  <a:solidFill>
-                    <a:srgbClr val="ffffff"/>
-                  </a:solidFill>
-                </a:uFill>
-                <a:latin typeface="Calibri"/>
-              </a:rPr>
-              <a:t>params: index</a:t>
-            </a:r>
-            <a:endParaRPr b="0" lang="pl-PL" sz="1800" spc="-1" strike="noStrike">
-              <a:solidFill>
-                <a:srgbClr val="000000"/>
-              </a:solidFill>
-              <a:uFill>
-                <a:solidFill>
-                  <a:srgbClr val="ffffff"/>
+              <a:rPr lang="pl-PL" sz="1800" b="0" strike="noStrike" spc="-1" dirty="0" smtClean="0">
+                <a:solidFill>
+                  <a:srgbClr val="000000"/>
+                </a:solidFill>
+                <a:uFill>
+                  <a:solidFill>
+                    <a:srgbClr val="FFFFFF"/>
+                  </a:solidFill>
+                </a:uFill>
+                <a:latin typeface="Calibri"/>
+              </a:rPr>
+              <a:t>	</a:t>
+            </a:r>
+            <a:r>
+              <a:rPr lang="pl-PL" sz="1800" b="0" strike="noStrike" spc="-1" dirty="0" err="1" smtClean="0">
+                <a:solidFill>
+                  <a:srgbClr val="000000"/>
+                </a:solidFill>
+                <a:uFill>
+                  <a:solidFill>
+                    <a:srgbClr val="FFFFFF"/>
+                  </a:solidFill>
+                </a:uFill>
+                <a:latin typeface="Calibri"/>
+              </a:rPr>
+              <a:t>parameters</a:t>
+            </a:r>
+            <a:r>
+              <a:rPr lang="pl-PL" sz="1800" b="0" strike="noStrike" spc="-1" dirty="0">
+                <a:solidFill>
+                  <a:srgbClr val="000000"/>
+                </a:solidFill>
+                <a:uFill>
+                  <a:solidFill>
+                    <a:srgbClr val="FFFFFF"/>
+                  </a:solidFill>
+                </a:uFill>
+                <a:latin typeface="Calibri"/>
+              </a:rPr>
+              <a:t>: </a:t>
+            </a:r>
+            <a:r>
+              <a:rPr lang="pl-PL" sz="1800" b="0" strike="noStrike" spc="-1" dirty="0" err="1">
+                <a:solidFill>
+                  <a:srgbClr val="000000"/>
+                </a:solidFill>
+                <a:uFill>
+                  <a:solidFill>
+                    <a:srgbClr val="FFFFFF"/>
+                  </a:solidFill>
+                </a:uFill>
+                <a:latin typeface="Calibri"/>
+              </a:rPr>
+              <a:t>index</a:t>
+            </a:r>
+            <a:endParaRPr lang="pl-PL" sz="1800" b="0" strike="noStrike" spc="-1" dirty="0">
+              <a:solidFill>
+                <a:srgbClr val="000000"/>
+              </a:solidFill>
+              <a:uFill>
+                <a:solidFill>
+                  <a:srgbClr val="FFFFFF"/>
                 </a:solidFill>
               </a:uFill>
               <a:latin typeface="Arial"/>
@@ -5298,34 +6150,49 @@
               <a:buClr>
                 <a:srgbClr val="000000"/>
               </a:buClr>
-              <a:buFont typeface="Arial"/>
-              <a:buChar char="•"/>
             </a:pPr>
             <a:r>
-              <a:rPr b="0" lang="pl-PL" sz="1800" spc="-1" strike="noStrike">
-                <a:solidFill>
-                  <a:srgbClr val="000000"/>
-                </a:solidFill>
-                <a:uFill>
-                  <a:solidFill>
-                    <a:srgbClr val="ffffff"/>
-                  </a:solidFill>
-                </a:uFill>
-                <a:latin typeface="Calibri"/>
-              </a:rPr>
-              <a:t>opis: pobieranie studenta wg indeksu</a:t>
-            </a:r>
-            <a:endParaRPr b="0" lang="pl-PL" sz="1800" spc="-1" strike="noStrike">
-              <a:solidFill>
-                <a:srgbClr val="000000"/>
-              </a:solidFill>
-              <a:uFill>
-                <a:solidFill>
-                  <a:srgbClr val="ffffff"/>
-                </a:solidFill>
-              </a:uFill>
-              <a:latin typeface="Arial"/>
-            </a:endParaRPr>
+              <a:rPr lang="pl-PL" sz="1800" b="0" strike="noStrike" spc="-1" dirty="0" smtClean="0">
+                <a:solidFill>
+                  <a:srgbClr val="000000"/>
+                </a:solidFill>
+                <a:uFill>
+                  <a:solidFill>
+                    <a:srgbClr val="FFFFFF"/>
+                  </a:solidFill>
+                </a:uFill>
+                <a:latin typeface="Calibri"/>
+              </a:rPr>
+              <a:t>	opis</a:t>
+            </a:r>
+            <a:r>
+              <a:rPr lang="pl-PL" sz="1800" b="0" strike="noStrike" spc="-1" dirty="0">
+                <a:solidFill>
+                  <a:srgbClr val="000000"/>
+                </a:solidFill>
+                <a:uFill>
+                  <a:solidFill>
+                    <a:srgbClr val="FFFFFF"/>
+                  </a:solidFill>
+                </a:uFill>
+                <a:latin typeface="Calibri"/>
+              </a:rPr>
+              <a:t>: pobieranie studenta wg </a:t>
+            </a:r>
+            <a:r>
+              <a:rPr lang="pl-PL" sz="1800" b="0" strike="noStrike" spc="-1" dirty="0" smtClean="0">
+                <a:solidFill>
+                  <a:srgbClr val="000000"/>
+                </a:solidFill>
+                <a:uFill>
+                  <a:solidFill>
+                    <a:srgbClr val="FFFFFF"/>
+                  </a:solidFill>
+                </a:uFill>
+                <a:latin typeface="Calibri"/>
+              </a:rPr>
+              <a:t>indeksu</a:t>
+            </a:r>
           </a:p>
           <a:p>
             <a:pPr marL="343080" indent="-342360">
@@ -5335,30 +6202,14 @@
               <a:buClr>
                 <a:srgbClr val="000000"/>
               </a:buClr>
-              <a:buFont typeface="Arial"/>
-              <a:buChar char="•"/>
             </a:pPr>
-            <a:r>
-              <a:rPr b="0" lang="pl-PL" sz="1800" spc="-1" strike="noStrike">
-                <a:solidFill>
-                  <a:srgbClr val="000000"/>
-                </a:solidFill>
-                <a:uFill>
-                  <a:solidFill>
-                    <a:srgbClr val="ffffff"/>
-                  </a:solidFill>
-                </a:uFill>
-                <a:latin typeface="Calibri"/>
-              </a:rPr>
-              <a:t>/getConsultationByName</a:t>
-            </a:r>
-            <a:endParaRPr b="0" lang="pl-PL" sz="1800" spc="-1" strike="noStrike">
-              <a:solidFill>
-                <a:srgbClr val="000000"/>
-              </a:solidFill>
-              <a:uFill>
-                <a:solidFill>
-                  <a:srgbClr val="ffffff"/>
+            <a:endParaRPr lang="pl-PL" spc="-1" dirty="0">
+              <a:solidFill>
+                <a:srgbClr val="000000"/>
+              </a:solidFill>
+              <a:uFill>
+                <a:solidFill>
+                  <a:srgbClr val="FFFFFF"/>
                 </a:solidFill>
               </a:uFill>
               <a:latin typeface="Arial"/>
@@ -5372,30 +6223,42 @@
               <a:buClr>
                 <a:srgbClr val="000000"/>
               </a:buClr>
-              <a:buFont typeface="Arial"/>
-              <a:buChar char="•"/>
             </a:pPr>
             <a:r>
-              <a:rPr b="0" lang="pl-PL" sz="1800" spc="-1" strike="noStrike">
-                <a:solidFill>
-                  <a:srgbClr val="000000"/>
-                </a:solidFill>
-                <a:uFill>
-                  <a:solidFill>
-                    <a:srgbClr val="ffffff"/>
-                  </a:solidFill>
-                </a:uFill>
-                <a:latin typeface="Calibri"/>
-              </a:rPr>
-              <a:t>params: name, surname</a:t>
-            </a:r>
-            <a:endParaRPr b="0" lang="pl-PL" sz="1800" spc="-1" strike="noStrike">
-              <a:solidFill>
-                <a:srgbClr val="000000"/>
-              </a:solidFill>
-              <a:uFill>
-                <a:solidFill>
-                  <a:srgbClr val="ffffff"/>
+              <a:rPr lang="pl-PL" sz="1800" b="0" strike="noStrike" spc="-1" dirty="0" smtClean="0">
+                <a:solidFill>
+                  <a:srgbClr val="000000"/>
+                </a:solidFill>
+                <a:uFill>
+                  <a:solidFill>
+                    <a:srgbClr val="FFFFFF"/>
+                  </a:solidFill>
+                </a:uFill>
+                <a:latin typeface="Arial"/>
+              </a:rPr>
+              <a:t>4.  </a:t>
+            </a:r>
+            <a:r>
+              <a:rPr lang="pl-PL" sz="1800" b="0" strike="noStrike" spc="-1" dirty="0" err="1" smtClean="0">
+                <a:solidFill>
+                  <a:srgbClr val="000000"/>
+                </a:solidFill>
+                <a:uFill>
+                  <a:solidFill>
+                    <a:srgbClr val="FFFFFF"/>
+                  </a:solidFill>
+                </a:uFill>
+                <a:latin typeface="Calibri"/>
+              </a:rPr>
+              <a:t>getConsultationByName</a:t>
+            </a:r>
+            <a:endParaRPr lang="pl-PL" sz="1800" b="0" strike="noStrike" spc="-1" dirty="0">
+              <a:solidFill>
+                <a:srgbClr val="000000"/>
+              </a:solidFill>
+              <a:uFill>
+                <a:solidFill>
+                  <a:srgbClr val="FFFFFF"/>
                 </a:solidFill>
               </a:uFill>
               <a:latin typeface="Arial"/>
@@ -5409,30 +6272,98 @@
               <a:buClr>
                 <a:srgbClr val="000000"/>
               </a:buClr>
-              <a:buFont typeface="Arial"/>
-              <a:buChar char="•"/>
             </a:pPr>
             <a:r>
-              <a:rPr b="0" lang="pl-PL" sz="1800" spc="-1" strike="noStrike">
-                <a:solidFill>
-                  <a:srgbClr val="000000"/>
-                </a:solidFill>
-                <a:uFill>
-                  <a:solidFill>
-                    <a:srgbClr val="ffffff"/>
-                  </a:solidFill>
-                </a:uFill>
-                <a:latin typeface="Calibri"/>
-              </a:rPr>
-              <a:t>opis: pobieranie informacji o konsultacjach prowadzącego</a:t>
-            </a:r>
-            <a:endParaRPr b="0" lang="pl-PL" sz="1800" spc="-1" strike="noStrike">
-              <a:solidFill>
-                <a:srgbClr val="000000"/>
-              </a:solidFill>
-              <a:uFill>
-                <a:solidFill>
-                  <a:srgbClr val="ffffff"/>
+              <a:rPr lang="pl-PL" sz="1800" b="0" strike="noStrike" spc="-1" dirty="0" smtClean="0">
+                <a:solidFill>
+                  <a:srgbClr val="000000"/>
+                </a:solidFill>
+                <a:uFill>
+                  <a:solidFill>
+                    <a:srgbClr val="FFFFFF"/>
+                  </a:solidFill>
+                </a:uFill>
+                <a:latin typeface="Calibri"/>
+              </a:rPr>
+              <a:t>	</a:t>
+            </a:r>
+            <a:r>
+              <a:rPr lang="pl-PL" sz="1800" b="0" strike="noStrike" spc="-1" dirty="0" err="1" smtClean="0">
+                <a:solidFill>
+                  <a:srgbClr val="000000"/>
+                </a:solidFill>
+                <a:uFill>
+                  <a:solidFill>
+                    <a:srgbClr val="FFFFFF"/>
+                  </a:solidFill>
+                </a:uFill>
+                <a:latin typeface="Calibri"/>
+              </a:rPr>
+              <a:t>parameters</a:t>
+            </a:r>
+            <a:r>
+              <a:rPr lang="pl-PL" sz="1800" b="0" strike="noStrike" spc="-1" dirty="0">
+                <a:solidFill>
+                  <a:srgbClr val="000000"/>
+                </a:solidFill>
+                <a:uFill>
+                  <a:solidFill>
+                    <a:srgbClr val="FFFFFF"/>
+                  </a:solidFill>
+                </a:uFill>
+                <a:latin typeface="Calibri"/>
+              </a:rPr>
+              <a:t>: </a:t>
+            </a:r>
+            <a:r>
+              <a:rPr lang="pl-PL" sz="1800" b="0" strike="noStrike" spc="-1" dirty="0" err="1">
+                <a:solidFill>
+                  <a:srgbClr val="000000"/>
+                </a:solidFill>
+                <a:uFill>
+                  <a:solidFill>
+                    <a:srgbClr val="FFFFFF"/>
+                  </a:solidFill>
+                </a:uFill>
+                <a:latin typeface="Calibri"/>
+              </a:rPr>
+              <a:t>name</a:t>
+            </a:r>
+            <a:r>
+              <a:rPr lang="pl-PL" sz="1800" b="0" strike="noStrike" spc="-1" dirty="0">
+                <a:solidFill>
+                  <a:srgbClr val="000000"/>
+                </a:solidFill>
+                <a:uFill>
+                  <a:solidFill>
+                    <a:srgbClr val="FFFFFF"/>
+                  </a:solidFill>
+                </a:uFill>
+                <a:latin typeface="Calibri"/>
+              </a:rPr>
+              <a:t>, </a:t>
+            </a:r>
+            <a:r>
+              <a:rPr lang="pl-PL" sz="1800" b="0" strike="noStrike" spc="-1" dirty="0" err="1">
+                <a:solidFill>
+                  <a:srgbClr val="000000"/>
+                </a:solidFill>
+                <a:uFill>
+                  <a:solidFill>
+                    <a:srgbClr val="FFFFFF"/>
+                  </a:solidFill>
+                </a:uFill>
+                <a:latin typeface="Calibri"/>
+              </a:rPr>
+              <a:t>surname</a:t>
+            </a:r>
+            <a:endParaRPr lang="pl-PL" sz="1800" b="0" strike="noStrike" spc="-1" dirty="0">
+              <a:solidFill>
+                <a:srgbClr val="000000"/>
+              </a:solidFill>
+              <a:uFill>
+                <a:solidFill>
+                  <a:srgbClr val="FFFFFF"/>
                 </a:solidFill>
               </a:uFill>
               <a:latin typeface="Arial"/>
@@ -5446,30 +6377,77 @@
               <a:buClr>
                 <a:srgbClr val="000000"/>
               </a:buClr>
-              <a:buFont typeface="Arial"/>
-              <a:buChar char="•"/>
             </a:pPr>
             <a:r>
-              <a:rPr b="0" lang="pl-PL" sz="1800" spc="-1" strike="noStrike">
-                <a:solidFill>
-                  <a:srgbClr val="000000"/>
-                </a:solidFill>
-                <a:uFill>
-                  <a:solidFill>
-                    <a:srgbClr val="ffffff"/>
+              <a:rPr lang="pl-PL" sz="1800" b="0" strike="noStrike" spc="-1" dirty="0" smtClean="0">
+                <a:solidFill>
+                  <a:srgbClr val="000000"/>
+                </a:solidFill>
+                <a:uFill>
+                  <a:solidFill>
+                    <a:srgbClr val="FFFFFF"/>
+                  </a:solidFill>
+                </a:uFill>
+                <a:latin typeface="Calibri"/>
+              </a:rPr>
+              <a:t>	opis</a:t>
+            </a:r>
+            <a:r>
+              <a:rPr lang="pl-PL" sz="1800" b="0" strike="noStrike" spc="-1" dirty="0">
+                <a:solidFill>
+                  <a:srgbClr val="000000"/>
+                </a:solidFill>
+                <a:uFill>
+                  <a:solidFill>
+                    <a:srgbClr val="FFFFFF"/>
+                  </a:solidFill>
+                </a:uFill>
+                <a:latin typeface="Calibri"/>
+              </a:rPr>
+              <a:t>: pobieranie informacji o konsultacjach prowadzącego</a:t>
+            </a:r>
+            <a:endParaRPr lang="pl-PL" sz="1800" b="0" strike="noStrike" spc="-1" dirty="0">
+              <a:solidFill>
+                <a:srgbClr val="000000"/>
+              </a:solidFill>
+              <a:uFill>
+                <a:solidFill>
+                  <a:srgbClr val="FFFFFF"/>
+                </a:solidFill>
+              </a:uFill>
+              <a:latin typeface="Arial"/>
+            </a:endParaRPr>
+          </a:p>
+          <a:p>
+            <a:pPr marL="343080" indent="-342360">
+              <a:lnSpc>
+                <a:spcPct val="100000"/>
+              </a:lnSpc>
+              <a:buClr>
+                <a:srgbClr val="000000"/>
+              </a:buClr>
+            </a:pPr>
+            <a:r>
+              <a:rPr lang="pl-PL" sz="1800" b="0" strike="noStrike" spc="-1" dirty="0">
+                <a:solidFill>
+                  <a:srgbClr val="000000"/>
+                </a:solidFill>
+                <a:uFill>
+                  <a:solidFill>
+                    <a:srgbClr val="FFFFFF"/>
                   </a:solidFill>
                 </a:uFill>
                 <a:latin typeface="Calibri"/>
               </a:rPr>
               <a:t> </a:t>
             </a:r>
-            <a:endParaRPr b="0" lang="pl-PL" sz="1800" spc="-1" strike="noStrike">
-              <a:solidFill>
-                <a:srgbClr val="000000"/>
-              </a:solidFill>
-              <a:uFill>
-                <a:solidFill>
-                  <a:srgbClr val="ffffff"/>
+            <a:endParaRPr lang="pl-PL" sz="1800" b="0" strike="noStrike" spc="-1" dirty="0">
+              <a:solidFill>
+                <a:srgbClr val="000000"/>
+              </a:solidFill>
+              <a:uFill>
+                <a:solidFill>
+                  <a:srgbClr val="FFFFFF"/>
                 </a:solidFill>
               </a:uFill>
               <a:latin typeface="Arial"/>
@@ -5479,22 +6457,25 @@
       </p:sp>
     </p:spTree>
   </p:cSld>
+  <p:clrMapOvr>
+    <a:masterClrMapping/>
+  </p:clrMapOvr>
   <p:timing>
     <p:tnLst>
       <p:par>
-        <p:cTn id="9" dur="indefinite" restart="never" nodeType="tmRoot">
+        <p:cTn id="1" dur="indefinite" restart="never" nodeType="tmRoot">
           <p:childTnLst>
             <p:seq>
-              <p:cTn id="10" nodeType="mainSeq"/>
+              <p:cTn id="2" nodeType="mainSeq"/>
               <p:prevCondLst>
-                <p:cond delay="0" evt="onPrev">
+                <p:cond evt="onPrev" delay="0">
                   <p:tgtEl>
                     <p:sldTgt/>
                   </p:tgtEl>
                 </p:cond>
               </p:prevCondLst>
               <p:nextCondLst>
-                <p:cond delay="0" evt="onNext">
+                <p:cond evt="onNext" delay="0">
                   <p:tgtEl>
                     <p:sldTgt/>
                   </p:tgtEl>
@@ -5510,7 +6491,7 @@
 </file>
 
 <file path=ppt/slides/slide6.xml><?xml version="1.0" encoding="utf-8"?>
-<p:sld xmlns:a="http://schemas.openxmlformats.org/drawingml/2006/main" xmlns:p="http://schemas.openxmlformats.org/presentationml/2006/main" xmlns:r="http://schemas.openxmlformats.org/officeDocument/2006/relationships" xmlns:p14="http://schemas.microsoft.com/office/powerpoint/2010/main" xmlns:p15="http://schemas.microsoft.com/office/powerpoint/2012/main" xmlns:mc="http://schemas.openxmlformats.org/markup-compatibility/2006">
+<p:sld xmlns:a="http://schemas.openxmlformats.org/drawingml/2006/main" xmlns:r="http://schemas.openxmlformats.org/officeDocument/2006/relationships" xmlns:p="http://schemas.openxmlformats.org/presentationml/2006/main">
   <p:cSld>
     <p:spTree>
       <p:nvGrpSpPr>
@@ -5546,13 +6527,20 @@
           </a:ln>
         </p:spPr>
         <p:style>
-          <a:lnRef idx="0"/>
-          <a:fillRef idx="0"/>
-          <a:effectRef idx="0"/>
+          <a:lnRef idx="0">
+            <a:scrgbClr r="0" g="0" b="0"/>
+          </a:lnRef>
+          <a:fillRef idx="0">
+            <a:scrgbClr r="0" g="0" b="0"/>
+          </a:fillRef>
+          <a:effectRef idx="0">
+            <a:scrgbClr r="0" g="0" b="0"/>
+          </a:effectRef>
           <a:fontRef idx="minor"/>
         </p:style>
         <p:txBody>
-          <a:bodyPr lIns="90000" rIns="90000" tIns="45000" bIns="45000" anchor="ctr"/>
+          <a:bodyPr lIns="90000" tIns="45000" rIns="90000" bIns="45000" anchor="ctr"/>
+          <a:lstStyle/>
           <a:p>
             <a:pPr algn="ctr">
               <a:lnSpc>
@@ -5560,26 +6548,26 @@
               </a:lnSpc>
             </a:pPr>
             <a:r>
-              <a:rPr b="0" lang="pl-PL" sz="4000" spc="-1" strike="noStrike">
-                <a:solidFill>
-                  <a:srgbClr val="000000"/>
-                </a:solidFill>
-                <a:uFill>
-                  <a:solidFill>
-                    <a:srgbClr val="ffffff"/>
+              <a:rPr lang="pl-PL" sz="4000" b="0" strike="noStrike" spc="-1">
+                <a:solidFill>
+                  <a:srgbClr val="000000"/>
+                </a:solidFill>
+                <a:uFill>
+                  <a:solidFill>
+                    <a:srgbClr val="FFFFFF"/>
                   </a:solidFill>
                 </a:uFill>
                 <a:latin typeface="Calibri"/>
               </a:rPr>
               <a:t>Planowane endpoint’y</a:t>
             </a:r>
-            <a:endParaRPr b="0" lang="pl-PL" sz="1800" spc="-1" strike="noStrike">
-              <a:solidFill>
-                <a:srgbClr val="000000"/>
-              </a:solidFill>
-              <a:uFill>
-                <a:solidFill>
-                  <a:srgbClr val="ffffff"/>
+            <a:endParaRPr lang="pl-PL" sz="1800" b="0" strike="noStrike" spc="-1">
+              <a:solidFill>
+                <a:srgbClr val="000000"/>
+              </a:solidFill>
+              <a:uFill>
+                <a:solidFill>
+                  <a:srgbClr val="FFFFFF"/>
                 </a:solidFill>
               </a:uFill>
               <a:latin typeface="Arial"/>
@@ -5607,13 +6595,20 @@
           </a:ln>
         </p:spPr>
         <p:style>
-          <a:lnRef idx="0"/>
-          <a:fillRef idx="0"/>
-          <a:effectRef idx="0"/>
+          <a:lnRef idx="0">
+            <a:scrgbClr r="0" g="0" b="0"/>
+          </a:lnRef>
+          <a:fillRef idx="0">
+            <a:scrgbClr r="0" g="0" b="0"/>
+          </a:fillRef>
+          <a:effectRef idx="0">
+            <a:scrgbClr r="0" g="0" b="0"/>
+          </a:effectRef>
           <a:fontRef idx="minor"/>
         </p:style>
         <p:txBody>
-          <a:bodyPr lIns="90000" rIns="90000" tIns="45000" bIns="45000"/>
+          <a:bodyPr lIns="90000" tIns="45000" rIns="90000" bIns="45000"/>
+          <a:lstStyle/>
           <a:p>
             <a:pPr marL="343080" indent="-342360">
               <a:lnSpc>
@@ -5626,26 +6621,26 @@
               <a:buChar char="•"/>
             </a:pPr>
             <a:r>
-              <a:rPr b="0" lang="pl-PL" sz="1800" spc="-1" strike="noStrike">
-                <a:solidFill>
-                  <a:srgbClr val="000000"/>
-                </a:solidFill>
-                <a:uFill>
-                  <a:solidFill>
-                    <a:srgbClr val="ffffff"/>
+              <a:rPr lang="pl-PL" sz="1800" b="0" strike="noStrike" spc="-1">
+                <a:solidFill>
+                  <a:srgbClr val="000000"/>
+                </a:solidFill>
+                <a:uFill>
+                  <a:solidFill>
+                    <a:srgbClr val="FFFFFF"/>
                   </a:solidFill>
                 </a:uFill>
                 <a:latin typeface="Calibri"/>
               </a:rPr>
               <a:t>Pobieranie tygodniowego planu studenta wg indeksu.</a:t>
             </a:r>
-            <a:endParaRPr b="0" lang="pl-PL" sz="1800" spc="-1" strike="noStrike">
-              <a:solidFill>
-                <a:srgbClr val="000000"/>
-              </a:solidFill>
-              <a:uFill>
-                <a:solidFill>
-                  <a:srgbClr val="ffffff"/>
+            <a:endParaRPr lang="pl-PL" sz="1800" b="0" strike="noStrike" spc="-1">
+              <a:solidFill>
+                <a:srgbClr val="000000"/>
+              </a:solidFill>
+              <a:uFill>
+                <a:solidFill>
+                  <a:srgbClr val="FFFFFF"/>
                 </a:solidFill>
               </a:uFill>
               <a:latin typeface="Arial"/>
@@ -5663,26 +6658,26 @@
               <a:buChar char="•"/>
             </a:pPr>
             <a:r>
-              <a:rPr b="0" lang="pl-PL" sz="1800" spc="-1" strike="noStrike">
-                <a:solidFill>
-                  <a:srgbClr val="000000"/>
-                </a:solidFill>
-                <a:uFill>
-                  <a:solidFill>
-                    <a:srgbClr val="ffffff"/>
+              <a:rPr lang="pl-PL" sz="1800" b="0" strike="noStrike" spc="-1">
+                <a:solidFill>
+                  <a:srgbClr val="000000"/>
+                </a:solidFill>
+                <a:uFill>
+                  <a:solidFill>
+                    <a:srgbClr val="FFFFFF"/>
                   </a:solidFill>
                 </a:uFill>
                 <a:latin typeface="Calibri"/>
               </a:rPr>
               <a:t>Pobieranie planu zajęć dla prowadzącego.</a:t>
             </a:r>
-            <a:endParaRPr b="0" lang="pl-PL" sz="1800" spc="-1" strike="noStrike">
-              <a:solidFill>
-                <a:srgbClr val="000000"/>
-              </a:solidFill>
-              <a:uFill>
-                <a:solidFill>
-                  <a:srgbClr val="ffffff"/>
+            <a:endParaRPr lang="pl-PL" sz="1800" b="0" strike="noStrike" spc="-1">
+              <a:solidFill>
+                <a:srgbClr val="000000"/>
+              </a:solidFill>
+              <a:uFill>
+                <a:solidFill>
+                  <a:srgbClr val="FFFFFF"/>
                 </a:solidFill>
               </a:uFill>
               <a:latin typeface="Arial"/>
@@ -5700,26 +6695,26 @@
               <a:buChar char="•"/>
             </a:pPr>
             <a:r>
-              <a:rPr b="0" lang="pl-PL" sz="1800" spc="-1" strike="noStrike">
-                <a:solidFill>
-                  <a:srgbClr val="000000"/>
-                </a:solidFill>
-                <a:uFill>
-                  <a:solidFill>
-                    <a:srgbClr val="ffffff"/>
+              <a:rPr lang="pl-PL" sz="1800" b="0" strike="noStrike" spc="-1">
+                <a:solidFill>
+                  <a:srgbClr val="000000"/>
+                </a:solidFill>
+                <a:uFill>
+                  <a:solidFill>
+                    <a:srgbClr val="FFFFFF"/>
                   </a:solidFill>
                 </a:uFill>
                 <a:latin typeface="Calibri"/>
               </a:rPr>
               <a:t>Pobieranie listy studentów wg grupy/zajęć.</a:t>
             </a:r>
-            <a:endParaRPr b="0" lang="pl-PL" sz="1800" spc="-1" strike="noStrike">
-              <a:solidFill>
-                <a:srgbClr val="000000"/>
-              </a:solidFill>
-              <a:uFill>
-                <a:solidFill>
-                  <a:srgbClr val="ffffff"/>
+            <a:endParaRPr lang="pl-PL" sz="1800" b="0" strike="noStrike" spc="-1">
+              <a:solidFill>
+                <a:srgbClr val="000000"/>
+              </a:solidFill>
+              <a:uFill>
+                <a:solidFill>
+                  <a:srgbClr val="FFFFFF"/>
                 </a:solidFill>
               </a:uFill>
               <a:latin typeface="Arial"/>
@@ -5737,26 +6732,26 @@
               <a:buChar char="•"/>
             </a:pPr>
             <a:r>
-              <a:rPr b="0" lang="pl-PL" sz="1800" spc="-1" strike="noStrike">
-                <a:solidFill>
-                  <a:srgbClr val="000000"/>
-                </a:solidFill>
-                <a:uFill>
-                  <a:solidFill>
-                    <a:srgbClr val="ffffff"/>
+              <a:rPr lang="pl-PL" sz="1800" b="0" strike="noStrike" spc="-1">
+                <a:solidFill>
+                  <a:srgbClr val="000000"/>
+                </a:solidFill>
+                <a:uFill>
+                  <a:solidFill>
+                    <a:srgbClr val="FFFFFF"/>
                   </a:solidFill>
                 </a:uFill>
                 <a:latin typeface="Calibri"/>
               </a:rPr>
               <a:t>Pobieranie ocen studenta wg zajęć</a:t>
             </a:r>
-            <a:endParaRPr b="0" lang="pl-PL" sz="1800" spc="-1" strike="noStrike">
-              <a:solidFill>
-                <a:srgbClr val="000000"/>
-              </a:solidFill>
-              <a:uFill>
-                <a:solidFill>
-                  <a:srgbClr val="ffffff"/>
+            <a:endParaRPr lang="pl-PL" sz="1800" b="0" strike="noStrike" spc="-1">
+              <a:solidFill>
+                <a:srgbClr val="000000"/>
+              </a:solidFill>
+              <a:uFill>
+                <a:solidFill>
+                  <a:srgbClr val="FFFFFF"/>
                 </a:solidFill>
               </a:uFill>
               <a:latin typeface="Arial"/>
@@ -5774,26 +6769,26 @@
               <a:buChar char="•"/>
             </a:pPr>
             <a:r>
-              <a:rPr b="0" lang="pl-PL" sz="1800" spc="-1" strike="noStrike">
-                <a:solidFill>
-                  <a:srgbClr val="000000"/>
-                </a:solidFill>
-                <a:uFill>
-                  <a:solidFill>
-                    <a:srgbClr val="ffffff"/>
+              <a:rPr lang="pl-PL" sz="1800" b="0" strike="noStrike" spc="-1">
+                <a:solidFill>
+                  <a:srgbClr val="000000"/>
+                </a:solidFill>
+                <a:uFill>
+                  <a:solidFill>
+                    <a:srgbClr val="FFFFFF"/>
                   </a:solidFill>
                 </a:uFill>
                 <a:latin typeface="Calibri"/>
               </a:rPr>
               <a:t>Pobieranie ocen studentów wg przedmiotu(dla prowadzącego)  </a:t>
             </a:r>
-            <a:endParaRPr b="0" lang="pl-PL" sz="1800" spc="-1" strike="noStrike">
-              <a:solidFill>
-                <a:srgbClr val="000000"/>
-              </a:solidFill>
-              <a:uFill>
-                <a:solidFill>
-                  <a:srgbClr val="ffffff"/>
+            <a:endParaRPr lang="pl-PL" sz="1800" b="0" strike="noStrike" spc="-1">
+              <a:solidFill>
+                <a:srgbClr val="000000"/>
+              </a:solidFill>
+              <a:uFill>
+                <a:solidFill>
+                  <a:srgbClr val="FFFFFF"/>
                 </a:solidFill>
               </a:uFill>
               <a:latin typeface="Arial"/>
@@ -5803,22 +6798,25 @@
       </p:sp>
     </p:spTree>
   </p:cSld>
+  <p:clrMapOvr>
+    <a:masterClrMapping/>
+  </p:clrMapOvr>
   <p:timing>
     <p:tnLst>
       <p:par>
-        <p:cTn id="11" dur="indefinite" restart="never" nodeType="tmRoot">
+        <p:cTn id="1" dur="indefinite" restart="never" nodeType="tmRoot">
           <p:childTnLst>
             <p:seq>
-              <p:cTn id="12" nodeType="mainSeq"/>
+              <p:cTn id="2" nodeType="mainSeq"/>
               <p:prevCondLst>
-                <p:cond delay="0" evt="onPrev">
+                <p:cond evt="onPrev" delay="0">
                   <p:tgtEl>
                     <p:sldTgt/>
                   </p:tgtEl>
                 </p:cond>
               </p:prevCondLst>
               <p:nextCondLst>
-                <p:cond delay="0" evt="onNext">
+                <p:cond evt="onNext" delay="0">
                   <p:tgtEl>
                     <p:sldTgt/>
                   </p:tgtEl>
@@ -6053,6 +7051,8 @@
       </a:bgFillStyleLst>
     </a:fmtScheme>
   </a:themeElements>
+  <a:objectDefaults/>
+  <a:extraClrSchemeLst/>
 </a:theme>
 </file>
 
@@ -6276,5 +7276,7 @@
       </a:bgFillStyleLst>
     </a:fmtScheme>
   </a:themeElements>
+  <a:objectDefaults/>
+  <a:extraClrSchemeLst/>
 </a:theme>
 </file>